--- a/tmf-ran_slicing-poc-setup-flow.pptx
+++ b/tmf-ran_slicing-poc-setup-flow.pptx
@@ -8,7 +8,7 @@
     <p:notesMasterId r:id="rId7"/>
   </p:notesMasterIdLst>
   <p:sldIdLst>
-    <p:sldId id="357" r:id="rId2"/>
+    <p:sldId id="362" r:id="rId2"/>
     <p:sldId id="358" r:id="rId3"/>
     <p:sldId id="359" r:id="rId4"/>
     <p:sldId id="360" r:id="rId5"/>
@@ -201,7 +201,7 @@
           <a:p>
             <a:fld id="{BA19CDCD-4ABC-4579-A891-52BB5F77C767}" type="datetimeFigureOut">
               <a:rPr lang="en-US" smtClean="0"/>
-              <a:t>9/6/2022</a:t>
+              <a:t>9/7/2022</a:t>
             </a:fld>
             <a:endParaRPr lang="en-US"/>
           </a:p>
@@ -2718,7 +2718,7 @@
     </p:spTree>
     <p:extLst>
       <p:ext uri="{BB962C8B-B14F-4D97-AF65-F5344CB8AC3E}">
-        <p14:creationId xmlns:p14="http://schemas.microsoft.com/office/powerpoint/2010/main" val="3092443911"/>
+        <p14:creationId xmlns:p14="http://schemas.microsoft.com/office/powerpoint/2010/main" val="3411586793"/>
       </p:ext>
     </p:extLst>
   </p:cSld>
@@ -11915,7 +11915,7 @@
           <a:p>
             <a:fld id="{5C281A74-3A8F-4EF4-9500-5FE47DD8BFCA}" type="datetimeFigureOut">
               <a:rPr lang="en-US" smtClean="0"/>
-              <a:t>9/6/2022</a:t>
+              <a:t>9/7/2022</a:t>
             </a:fld>
             <a:endParaRPr lang="en-US"/>
           </a:p>
@@ -12113,7 +12113,7 @@
           <a:p>
             <a:fld id="{5C281A74-3A8F-4EF4-9500-5FE47DD8BFCA}" type="datetimeFigureOut">
               <a:rPr lang="en-US" smtClean="0"/>
-              <a:t>9/6/2022</a:t>
+              <a:t>9/7/2022</a:t>
             </a:fld>
             <a:endParaRPr lang="en-US"/>
           </a:p>
@@ -12321,7 +12321,7 @@
           <a:p>
             <a:fld id="{5C281A74-3A8F-4EF4-9500-5FE47DD8BFCA}" type="datetimeFigureOut">
               <a:rPr lang="en-US" smtClean="0"/>
-              <a:t>9/6/2022</a:t>
+              <a:t>9/7/2022</a:t>
             </a:fld>
             <a:endParaRPr lang="en-US"/>
           </a:p>
@@ -12721,7 +12721,7 @@
           <a:p>
             <a:fld id="{5C281A74-3A8F-4EF4-9500-5FE47DD8BFCA}" type="datetimeFigureOut">
               <a:rPr lang="en-US" smtClean="0"/>
-              <a:t>9/6/2022</a:t>
+              <a:t>9/7/2022</a:t>
             </a:fld>
             <a:endParaRPr lang="en-US"/>
           </a:p>
@@ -12996,7 +12996,7 @@
           <a:p>
             <a:fld id="{5C281A74-3A8F-4EF4-9500-5FE47DD8BFCA}" type="datetimeFigureOut">
               <a:rPr lang="en-US" smtClean="0"/>
-              <a:t>9/6/2022</a:t>
+              <a:t>9/7/2022</a:t>
             </a:fld>
             <a:endParaRPr lang="en-US"/>
           </a:p>
@@ -13261,7 +13261,7 @@
           <a:p>
             <a:fld id="{5C281A74-3A8F-4EF4-9500-5FE47DD8BFCA}" type="datetimeFigureOut">
               <a:rPr lang="en-US" smtClean="0"/>
-              <a:t>9/6/2022</a:t>
+              <a:t>9/7/2022</a:t>
             </a:fld>
             <a:endParaRPr lang="en-US"/>
           </a:p>
@@ -13673,7 +13673,7 @@
           <a:p>
             <a:fld id="{5C281A74-3A8F-4EF4-9500-5FE47DD8BFCA}" type="datetimeFigureOut">
               <a:rPr lang="en-US" smtClean="0"/>
-              <a:t>9/6/2022</a:t>
+              <a:t>9/7/2022</a:t>
             </a:fld>
             <a:endParaRPr lang="en-US"/>
           </a:p>
@@ -13814,7 +13814,7 @@
           <a:p>
             <a:fld id="{5C281A74-3A8F-4EF4-9500-5FE47DD8BFCA}" type="datetimeFigureOut">
               <a:rPr lang="en-US" smtClean="0"/>
-              <a:t>9/6/2022</a:t>
+              <a:t>9/7/2022</a:t>
             </a:fld>
             <a:endParaRPr lang="en-US"/>
           </a:p>
@@ -13927,7 +13927,7 @@
           <a:p>
             <a:fld id="{5C281A74-3A8F-4EF4-9500-5FE47DD8BFCA}" type="datetimeFigureOut">
               <a:rPr lang="en-US" smtClean="0"/>
-              <a:t>9/6/2022</a:t>
+              <a:t>9/7/2022</a:t>
             </a:fld>
             <a:endParaRPr lang="en-US"/>
           </a:p>
@@ -14238,7 +14238,7 @@
           <a:p>
             <a:fld id="{5C281A74-3A8F-4EF4-9500-5FE47DD8BFCA}" type="datetimeFigureOut">
               <a:rPr lang="en-US" smtClean="0"/>
-              <a:t>9/6/2022</a:t>
+              <a:t>9/7/2022</a:t>
             </a:fld>
             <a:endParaRPr lang="en-US"/>
           </a:p>
@@ -14526,7 +14526,7 @@
           <a:p>
             <a:fld id="{5C281A74-3A8F-4EF4-9500-5FE47DD8BFCA}" type="datetimeFigureOut">
               <a:rPr lang="en-US" smtClean="0"/>
-              <a:t>9/6/2022</a:t>
+              <a:t>9/7/2022</a:t>
             </a:fld>
             <a:endParaRPr lang="en-US"/>
           </a:p>
@@ -14767,7 +14767,7 @@
           <a:p>
             <a:fld id="{5C281A74-3A8F-4EF4-9500-5FE47DD8BFCA}" type="datetimeFigureOut">
               <a:rPr lang="en-US" smtClean="0"/>
-              <a:t>9/6/2022</a:t>
+              <a:t>9/7/2022</a:t>
             </a:fld>
             <a:endParaRPr lang="en-US"/>
           </a:p>
@@ -15185,6 +15185,114 @@
           <a:chExt cx="0" cy="0"/>
         </a:xfrm>
       </p:grpSpPr>
+      <p:sp>
+        <p:nvSpPr>
+          <p:cNvPr id="61" name="Oval 60">
+            <a:extLst>
+              <a:ext uri="{FF2B5EF4-FFF2-40B4-BE49-F238E27FC236}">
+                <a16:creationId xmlns:a16="http://schemas.microsoft.com/office/drawing/2014/main" id="{D73CD009-FEF1-4456-B60F-A0EF6FF5D84A}"/>
+              </a:ext>
+            </a:extLst>
+          </p:cNvPr>
+          <p:cNvSpPr/>
+          <p:nvPr/>
+        </p:nvSpPr>
+        <p:spPr>
+          <a:xfrm>
+            <a:off x="7488593" y="3684978"/>
+            <a:ext cx="4337880" cy="2980274"/>
+          </a:xfrm>
+          <a:prstGeom prst="ellipse">
+            <a:avLst/>
+          </a:prstGeom>
+          <a:noFill/>
+          <a:ln w="28575">
+            <a:solidFill>
+              <a:schemeClr val="accent6">
+                <a:lumMod val="75000"/>
+              </a:schemeClr>
+            </a:solidFill>
+            <a:prstDash val="dash"/>
+          </a:ln>
+        </p:spPr>
+        <p:style>
+          <a:lnRef idx="2">
+            <a:schemeClr val="accent1">
+              <a:shade val="50000"/>
+            </a:schemeClr>
+          </a:lnRef>
+          <a:fillRef idx="1">
+            <a:schemeClr val="accent1"/>
+          </a:fillRef>
+          <a:effectRef idx="0">
+            <a:schemeClr val="accent1"/>
+          </a:effectRef>
+          <a:fontRef idx="minor">
+            <a:schemeClr val="lt1"/>
+          </a:fontRef>
+        </p:style>
+        <p:txBody>
+          <a:bodyPr rtlCol="0" anchor="ctr"/>
+          <a:lstStyle/>
+          <a:p>
+            <a:pPr algn="ctr"/>
+            <a:endParaRPr lang="en-US"/>
+          </a:p>
+        </p:txBody>
+      </p:sp>
+      <p:sp>
+        <p:nvSpPr>
+          <p:cNvPr id="24" name="Oval 23">
+            <a:extLst>
+              <a:ext uri="{FF2B5EF4-FFF2-40B4-BE49-F238E27FC236}">
+                <a16:creationId xmlns:a16="http://schemas.microsoft.com/office/drawing/2014/main" id="{EC42B4D2-6CC2-4EAE-8AE1-A7D58AC594B6}"/>
+              </a:ext>
+            </a:extLst>
+          </p:cNvPr>
+          <p:cNvSpPr/>
+          <p:nvPr/>
+        </p:nvSpPr>
+        <p:spPr>
+          <a:xfrm>
+            <a:off x="723014" y="3517647"/>
+            <a:ext cx="4782399" cy="3014501"/>
+          </a:xfrm>
+          <a:prstGeom prst="ellipse">
+            <a:avLst/>
+          </a:prstGeom>
+          <a:noFill/>
+          <a:ln w="28575">
+            <a:solidFill>
+              <a:srgbClr val="FF7415"/>
+            </a:solidFill>
+            <a:prstDash val="dash"/>
+          </a:ln>
+        </p:spPr>
+        <p:style>
+          <a:lnRef idx="2">
+            <a:schemeClr val="accent1">
+              <a:shade val="50000"/>
+            </a:schemeClr>
+          </a:lnRef>
+          <a:fillRef idx="1">
+            <a:schemeClr val="accent1"/>
+          </a:fillRef>
+          <a:effectRef idx="0">
+            <a:schemeClr val="accent1"/>
+          </a:effectRef>
+          <a:fontRef idx="minor">
+            <a:schemeClr val="lt1"/>
+          </a:fontRef>
+        </p:style>
+        <p:txBody>
+          <a:bodyPr rtlCol="0" anchor="ctr"/>
+          <a:lstStyle/>
+          <a:p>
+            <a:pPr algn="ctr"/>
+            <a:endParaRPr lang="en-US"/>
+          </a:p>
+        </p:txBody>
+      </p:sp>
       <p:pic>
         <p:nvPicPr>
           <p:cNvPr id="9" name="Picture 8" descr="A picture containing text, clipart&#10;&#10;Description automatically generated">
@@ -15213,7 +15321,7 @@
         </p:blipFill>
         <p:spPr>
           <a:xfrm>
-            <a:off x="10402964" y="3758887"/>
+            <a:off x="10402964" y="3854584"/>
             <a:ext cx="906588" cy="930289"/>
           </a:xfrm>
           <a:prstGeom prst="rect">
@@ -15249,7 +15357,7 @@
         </p:blipFill>
         <p:spPr>
           <a:xfrm>
-            <a:off x="10466191" y="1026239"/>
+            <a:off x="10466191" y="781692"/>
             <a:ext cx="785953" cy="589465"/>
           </a:xfrm>
           <a:prstGeom prst="rect">
@@ -15271,76 +15379,76 @@
         </p:nvSpPr>
         <p:spPr>
           <a:xfrm>
-            <a:off x="775426" y="432178"/>
-            <a:ext cx="5553454" cy="3170068"/>
+            <a:off x="488343" y="325852"/>
+            <a:ext cx="5704850" cy="2771642"/>
           </a:xfrm>
           <a:custGeom>
             <a:avLst/>
             <a:gdLst>
-              <a:gd name="connsiteX0" fmla="*/ 0 w 5553454"/>
-              <a:gd name="connsiteY0" fmla="*/ 0 h 3170068"/>
-              <a:gd name="connsiteX1" fmla="*/ 444276 w 5553454"/>
-              <a:gd name="connsiteY1" fmla="*/ 0 h 3170068"/>
-              <a:gd name="connsiteX2" fmla="*/ 888553 w 5553454"/>
-              <a:gd name="connsiteY2" fmla="*/ 0 h 3170068"/>
-              <a:gd name="connsiteX3" fmla="*/ 1332829 w 5553454"/>
-              <a:gd name="connsiteY3" fmla="*/ 0 h 3170068"/>
-              <a:gd name="connsiteX4" fmla="*/ 1999243 w 5553454"/>
-              <a:gd name="connsiteY4" fmla="*/ 0 h 3170068"/>
-              <a:gd name="connsiteX5" fmla="*/ 2443520 w 5553454"/>
-              <a:gd name="connsiteY5" fmla="*/ 0 h 3170068"/>
-              <a:gd name="connsiteX6" fmla="*/ 3109934 w 5553454"/>
-              <a:gd name="connsiteY6" fmla="*/ 0 h 3170068"/>
-              <a:gd name="connsiteX7" fmla="*/ 3554211 w 5553454"/>
-              <a:gd name="connsiteY7" fmla="*/ 0 h 3170068"/>
-              <a:gd name="connsiteX8" fmla="*/ 4054021 w 5553454"/>
-              <a:gd name="connsiteY8" fmla="*/ 0 h 3170068"/>
-              <a:gd name="connsiteX9" fmla="*/ 4720436 w 5553454"/>
-              <a:gd name="connsiteY9" fmla="*/ 0 h 3170068"/>
-              <a:gd name="connsiteX10" fmla="*/ 5553454 w 5553454"/>
-              <a:gd name="connsiteY10" fmla="*/ 0 h 3170068"/>
-              <a:gd name="connsiteX11" fmla="*/ 5553454 w 5553454"/>
-              <a:gd name="connsiteY11" fmla="*/ 591746 h 3170068"/>
-              <a:gd name="connsiteX12" fmla="*/ 5553454 w 5553454"/>
-              <a:gd name="connsiteY12" fmla="*/ 1183492 h 3170068"/>
-              <a:gd name="connsiteX13" fmla="*/ 5553454 w 5553454"/>
-              <a:gd name="connsiteY13" fmla="*/ 1775238 h 3170068"/>
-              <a:gd name="connsiteX14" fmla="*/ 5553454 w 5553454"/>
-              <a:gd name="connsiteY14" fmla="*/ 2366984 h 3170068"/>
-              <a:gd name="connsiteX15" fmla="*/ 5553454 w 5553454"/>
-              <a:gd name="connsiteY15" fmla="*/ 3170068 h 3170068"/>
-              <a:gd name="connsiteX16" fmla="*/ 5053643 w 5553454"/>
-              <a:gd name="connsiteY16" fmla="*/ 3170068 h 3170068"/>
-              <a:gd name="connsiteX17" fmla="*/ 4387229 w 5553454"/>
-              <a:gd name="connsiteY17" fmla="*/ 3170068 h 3170068"/>
-              <a:gd name="connsiteX18" fmla="*/ 3998487 w 5553454"/>
-              <a:gd name="connsiteY18" fmla="*/ 3170068 h 3170068"/>
-              <a:gd name="connsiteX19" fmla="*/ 3498676 w 5553454"/>
-              <a:gd name="connsiteY19" fmla="*/ 3170068 h 3170068"/>
-              <a:gd name="connsiteX20" fmla="*/ 3109934 w 5553454"/>
-              <a:gd name="connsiteY20" fmla="*/ 3170068 h 3170068"/>
-              <a:gd name="connsiteX21" fmla="*/ 2443520 w 5553454"/>
-              <a:gd name="connsiteY21" fmla="*/ 3170068 h 3170068"/>
-              <a:gd name="connsiteX22" fmla="*/ 1777105 w 5553454"/>
-              <a:gd name="connsiteY22" fmla="*/ 3170068 h 3170068"/>
-              <a:gd name="connsiteX23" fmla="*/ 1388364 w 5553454"/>
-              <a:gd name="connsiteY23" fmla="*/ 3170068 h 3170068"/>
-              <a:gd name="connsiteX24" fmla="*/ 833018 w 5553454"/>
-              <a:gd name="connsiteY24" fmla="*/ 3170068 h 3170068"/>
-              <a:gd name="connsiteX25" fmla="*/ 0 w 5553454"/>
-              <a:gd name="connsiteY25" fmla="*/ 3170068 h 3170068"/>
-              <a:gd name="connsiteX26" fmla="*/ 0 w 5553454"/>
-              <a:gd name="connsiteY26" fmla="*/ 2641723 h 3170068"/>
-              <a:gd name="connsiteX27" fmla="*/ 0 w 5553454"/>
-              <a:gd name="connsiteY27" fmla="*/ 2176780 h 3170068"/>
-              <a:gd name="connsiteX28" fmla="*/ 0 w 5553454"/>
-              <a:gd name="connsiteY28" fmla="*/ 1616735 h 3170068"/>
-              <a:gd name="connsiteX29" fmla="*/ 0 w 5553454"/>
-              <a:gd name="connsiteY29" fmla="*/ 1183492 h 3170068"/>
-              <a:gd name="connsiteX30" fmla="*/ 0 w 5553454"/>
-              <a:gd name="connsiteY30" fmla="*/ 655147 h 3170068"/>
-              <a:gd name="connsiteX31" fmla="*/ 0 w 5553454"/>
-              <a:gd name="connsiteY31" fmla="*/ 0 h 3170068"/>
+              <a:gd name="connsiteX0" fmla="*/ 0 w 5704850"/>
+              <a:gd name="connsiteY0" fmla="*/ 0 h 2771642"/>
+              <a:gd name="connsiteX1" fmla="*/ 684582 w 5704850"/>
+              <a:gd name="connsiteY1" fmla="*/ 0 h 2771642"/>
+              <a:gd name="connsiteX2" fmla="*/ 1369164 w 5704850"/>
+              <a:gd name="connsiteY2" fmla="*/ 0 h 2771642"/>
+              <a:gd name="connsiteX3" fmla="*/ 1825552 w 5704850"/>
+              <a:gd name="connsiteY3" fmla="*/ 0 h 2771642"/>
+              <a:gd name="connsiteX4" fmla="*/ 2281940 w 5704850"/>
+              <a:gd name="connsiteY4" fmla="*/ 0 h 2771642"/>
+              <a:gd name="connsiteX5" fmla="*/ 2966522 w 5704850"/>
+              <a:gd name="connsiteY5" fmla="*/ 0 h 2771642"/>
+              <a:gd name="connsiteX6" fmla="*/ 3422910 w 5704850"/>
+              <a:gd name="connsiteY6" fmla="*/ 0 h 2771642"/>
+              <a:gd name="connsiteX7" fmla="*/ 4107492 w 5704850"/>
+              <a:gd name="connsiteY7" fmla="*/ 0 h 2771642"/>
+              <a:gd name="connsiteX8" fmla="*/ 4563880 w 5704850"/>
+              <a:gd name="connsiteY8" fmla="*/ 0 h 2771642"/>
+              <a:gd name="connsiteX9" fmla="*/ 5077316 w 5704850"/>
+              <a:gd name="connsiteY9" fmla="*/ 0 h 2771642"/>
+              <a:gd name="connsiteX10" fmla="*/ 5704850 w 5704850"/>
+              <a:gd name="connsiteY10" fmla="*/ 0 h 2771642"/>
+              <a:gd name="connsiteX11" fmla="*/ 5704850 w 5704850"/>
+              <a:gd name="connsiteY11" fmla="*/ 554328 h 2771642"/>
+              <a:gd name="connsiteX12" fmla="*/ 5704850 w 5704850"/>
+              <a:gd name="connsiteY12" fmla="*/ 1053224 h 2771642"/>
+              <a:gd name="connsiteX13" fmla="*/ 5704850 w 5704850"/>
+              <a:gd name="connsiteY13" fmla="*/ 1662985 h 2771642"/>
+              <a:gd name="connsiteX14" fmla="*/ 5704850 w 5704850"/>
+              <a:gd name="connsiteY14" fmla="*/ 2272746 h 2771642"/>
+              <a:gd name="connsiteX15" fmla="*/ 5704850 w 5704850"/>
+              <a:gd name="connsiteY15" fmla="*/ 2771642 h 2771642"/>
+              <a:gd name="connsiteX16" fmla="*/ 5305511 w 5704850"/>
+              <a:gd name="connsiteY16" fmla="*/ 2771642 h 2771642"/>
+              <a:gd name="connsiteX17" fmla="*/ 4849123 w 5704850"/>
+              <a:gd name="connsiteY17" fmla="*/ 2771642 h 2771642"/>
+              <a:gd name="connsiteX18" fmla="*/ 4164541 w 5704850"/>
+              <a:gd name="connsiteY18" fmla="*/ 2771642 h 2771642"/>
+              <a:gd name="connsiteX19" fmla="*/ 3765201 w 5704850"/>
+              <a:gd name="connsiteY19" fmla="*/ 2771642 h 2771642"/>
+              <a:gd name="connsiteX20" fmla="*/ 3251764 w 5704850"/>
+              <a:gd name="connsiteY20" fmla="*/ 2771642 h 2771642"/>
+              <a:gd name="connsiteX21" fmla="*/ 2852425 w 5704850"/>
+              <a:gd name="connsiteY21" fmla="*/ 2771642 h 2771642"/>
+              <a:gd name="connsiteX22" fmla="*/ 2167843 w 5704850"/>
+              <a:gd name="connsiteY22" fmla="*/ 2771642 h 2771642"/>
+              <a:gd name="connsiteX23" fmla="*/ 1483261 w 5704850"/>
+              <a:gd name="connsiteY23" fmla="*/ 2771642 h 2771642"/>
+              <a:gd name="connsiteX24" fmla="*/ 1083921 w 5704850"/>
+              <a:gd name="connsiteY24" fmla="*/ 2771642 h 2771642"/>
+              <a:gd name="connsiteX25" fmla="*/ 513436 w 5704850"/>
+              <a:gd name="connsiteY25" fmla="*/ 2771642 h 2771642"/>
+              <a:gd name="connsiteX26" fmla="*/ 0 w 5704850"/>
+              <a:gd name="connsiteY26" fmla="*/ 2771642 h 2771642"/>
+              <a:gd name="connsiteX27" fmla="*/ 0 w 5704850"/>
+              <a:gd name="connsiteY27" fmla="*/ 2217314 h 2771642"/>
+              <a:gd name="connsiteX28" fmla="*/ 0 w 5704850"/>
+              <a:gd name="connsiteY28" fmla="*/ 1718418 h 2771642"/>
+              <a:gd name="connsiteX29" fmla="*/ 0 w 5704850"/>
+              <a:gd name="connsiteY29" fmla="*/ 1136373 h 2771642"/>
+              <a:gd name="connsiteX30" fmla="*/ 0 w 5704850"/>
+              <a:gd name="connsiteY30" fmla="*/ 665194 h 2771642"/>
+              <a:gd name="connsiteX31" fmla="*/ 0 w 5704850"/>
+              <a:gd name="connsiteY31" fmla="*/ 0 h 2771642"/>
             </a:gdLst>
             <a:ahLst/>
             <a:cxnLst>
@@ -15443,324 +15551,319 @@
             </a:cxnLst>
             <a:rect l="l" t="t" r="r" b="b"/>
             <a:pathLst>
-              <a:path w="5553454" h="3170068" fill="none" extrusionOk="0">
+              <a:path w="5704850" h="2771642" fill="none" extrusionOk="0">
                 <a:moveTo>
                   <a:pt x="0" y="0"/>
                 </a:moveTo>
                 <a:cubicBezTo>
-                  <a:pt x="177136" y="-44415"/>
-                  <a:pt x="317937" y="5467"/>
-                  <a:pt x="444276" y="0"/>
-                </a:cubicBezTo>
-                <a:cubicBezTo>
-                  <a:pt x="570615" y="-5467"/>
-                  <a:pt x="671298" y="29442"/>
-                  <a:pt x="888553" y="0"/>
-                </a:cubicBezTo>
-                <a:cubicBezTo>
-                  <a:pt x="1105808" y="-29442"/>
-                  <a:pt x="1148522" y="19814"/>
-                  <a:pt x="1332829" y="0"/>
-                </a:cubicBezTo>
-                <a:cubicBezTo>
-                  <a:pt x="1517136" y="-19814"/>
-                  <a:pt x="1734210" y="18884"/>
-                  <a:pt x="1999243" y="0"/>
-                </a:cubicBezTo>
-                <a:cubicBezTo>
-                  <a:pt x="2264276" y="-18884"/>
-                  <a:pt x="2270089" y="19217"/>
-                  <a:pt x="2443520" y="0"/>
-                </a:cubicBezTo>
-                <a:cubicBezTo>
-                  <a:pt x="2616951" y="-19217"/>
-                  <a:pt x="2875526" y="73682"/>
-                  <a:pt x="3109934" y="0"/>
-                </a:cubicBezTo>
-                <a:cubicBezTo>
-                  <a:pt x="3344342" y="-73682"/>
-                  <a:pt x="3426857" y="42093"/>
-                  <a:pt x="3554211" y="0"/>
-                </a:cubicBezTo>
-                <a:cubicBezTo>
-                  <a:pt x="3681565" y="-42093"/>
-                  <a:pt x="3857935" y="33828"/>
-                  <a:pt x="4054021" y="0"/>
-                </a:cubicBezTo>
-                <a:cubicBezTo>
-                  <a:pt x="4250107" y="-33828"/>
-                  <a:pt x="4440703" y="77244"/>
-                  <a:pt x="4720436" y="0"/>
-                </a:cubicBezTo>
-                <a:cubicBezTo>
-                  <a:pt x="5000169" y="-77244"/>
-                  <a:pt x="5304973" y="9107"/>
-                  <a:pt x="5553454" y="0"/>
-                </a:cubicBezTo>
-                <a:cubicBezTo>
-                  <a:pt x="5602155" y="195589"/>
-                  <a:pt x="5519897" y="304861"/>
-                  <a:pt x="5553454" y="591746"/>
-                </a:cubicBezTo>
-                <a:cubicBezTo>
-                  <a:pt x="5587011" y="878631"/>
-                  <a:pt x="5539372" y="1033658"/>
-                  <a:pt x="5553454" y="1183492"/>
-                </a:cubicBezTo>
-                <a:cubicBezTo>
-                  <a:pt x="5567536" y="1333326"/>
-                  <a:pt x="5525837" y="1607822"/>
-                  <a:pt x="5553454" y="1775238"/>
-                </a:cubicBezTo>
-                <a:cubicBezTo>
-                  <a:pt x="5581071" y="1942654"/>
-                  <a:pt x="5483814" y="2084444"/>
-                  <a:pt x="5553454" y="2366984"/>
-                </a:cubicBezTo>
-                <a:cubicBezTo>
-                  <a:pt x="5623094" y="2649524"/>
-                  <a:pt x="5533361" y="2931214"/>
-                  <a:pt x="5553454" y="3170068"/>
-                </a:cubicBezTo>
-                <a:cubicBezTo>
-                  <a:pt x="5311607" y="3187927"/>
-                  <a:pt x="5176331" y="3145606"/>
-                  <a:pt x="5053643" y="3170068"/>
-                </a:cubicBezTo>
-                <a:cubicBezTo>
-                  <a:pt x="4930955" y="3194530"/>
-                  <a:pt x="4667596" y="3113898"/>
-                  <a:pt x="4387229" y="3170068"/>
-                </a:cubicBezTo>
-                <a:cubicBezTo>
-                  <a:pt x="4106862" y="3226238"/>
-                  <a:pt x="4136565" y="3148349"/>
-                  <a:pt x="3998487" y="3170068"/>
-                </a:cubicBezTo>
-                <a:cubicBezTo>
-                  <a:pt x="3860409" y="3191787"/>
-                  <a:pt x="3728813" y="3135589"/>
-                  <a:pt x="3498676" y="3170068"/>
-                </a:cubicBezTo>
-                <a:cubicBezTo>
-                  <a:pt x="3268539" y="3204547"/>
-                  <a:pt x="3237789" y="3130472"/>
-                  <a:pt x="3109934" y="3170068"/>
-                </a:cubicBezTo>
-                <a:cubicBezTo>
-                  <a:pt x="2982079" y="3209664"/>
-                  <a:pt x="2729974" y="3159208"/>
-                  <a:pt x="2443520" y="3170068"/>
-                </a:cubicBezTo>
-                <a:cubicBezTo>
-                  <a:pt x="2157066" y="3180928"/>
-                  <a:pt x="2055821" y="3110133"/>
-                  <a:pt x="1777105" y="3170068"/>
-                </a:cubicBezTo>
-                <a:cubicBezTo>
-                  <a:pt x="1498389" y="3230003"/>
-                  <a:pt x="1467239" y="3155767"/>
-                  <a:pt x="1388364" y="3170068"/>
-                </a:cubicBezTo>
-                <a:cubicBezTo>
-                  <a:pt x="1309489" y="3184369"/>
-                  <a:pt x="1045678" y="3129561"/>
-                  <a:pt x="833018" y="3170068"/>
-                </a:cubicBezTo>
-                <a:cubicBezTo>
-                  <a:pt x="620358" y="3210575"/>
-                  <a:pt x="253164" y="3072798"/>
-                  <a:pt x="0" y="3170068"/>
-                </a:cubicBezTo>
-                <a:cubicBezTo>
-                  <a:pt x="-48884" y="2955585"/>
-                  <a:pt x="39910" y="2754481"/>
-                  <a:pt x="0" y="2641723"/>
-                </a:cubicBezTo>
-                <a:cubicBezTo>
-                  <a:pt x="-39910" y="2528965"/>
-                  <a:pt x="7111" y="2375732"/>
-                  <a:pt x="0" y="2176780"/>
-                </a:cubicBezTo>
-                <a:cubicBezTo>
-                  <a:pt x="-7111" y="1977828"/>
-                  <a:pt x="62566" y="1756450"/>
-                  <a:pt x="0" y="1616735"/>
-                </a:cubicBezTo>
-                <a:cubicBezTo>
-                  <a:pt x="-62566" y="1477020"/>
-                  <a:pt x="47031" y="1309600"/>
-                  <a:pt x="0" y="1183492"/>
-                </a:cubicBezTo>
-                <a:cubicBezTo>
-                  <a:pt x="-47031" y="1057384"/>
-                  <a:pt x="59492" y="837574"/>
-                  <a:pt x="0" y="655147"/>
-                </a:cubicBezTo>
-                <a:cubicBezTo>
-                  <a:pt x="-59492" y="472721"/>
-                  <a:pt x="32151" y="250890"/>
+                  <a:pt x="308164" y="-36625"/>
+                  <a:pt x="536164" y="5085"/>
+                  <a:pt x="684582" y="0"/>
+                </a:cubicBezTo>
+                <a:cubicBezTo>
+                  <a:pt x="833000" y="-5085"/>
+                  <a:pt x="1190440" y="81583"/>
+                  <a:pt x="1369164" y="0"/>
+                </a:cubicBezTo>
+                <a:cubicBezTo>
+                  <a:pt x="1547888" y="-81583"/>
+                  <a:pt x="1687041" y="32185"/>
+                  <a:pt x="1825552" y="0"/>
+                </a:cubicBezTo>
+                <a:cubicBezTo>
+                  <a:pt x="1964063" y="-32185"/>
+                  <a:pt x="2119404" y="48317"/>
+                  <a:pt x="2281940" y="0"/>
+                </a:cubicBezTo>
+                <a:cubicBezTo>
+                  <a:pt x="2444476" y="-48317"/>
+                  <a:pt x="2823970" y="77508"/>
+                  <a:pt x="2966522" y="0"/>
+                </a:cubicBezTo>
+                <a:cubicBezTo>
+                  <a:pt x="3109074" y="-77508"/>
+                  <a:pt x="3317164" y="15610"/>
+                  <a:pt x="3422910" y="0"/>
+                </a:cubicBezTo>
+                <a:cubicBezTo>
+                  <a:pt x="3528656" y="-15610"/>
+                  <a:pt x="3931253" y="76013"/>
+                  <a:pt x="4107492" y="0"/>
+                </a:cubicBezTo>
+                <a:cubicBezTo>
+                  <a:pt x="4283731" y="-76013"/>
+                  <a:pt x="4418038" y="37283"/>
+                  <a:pt x="4563880" y="0"/>
+                </a:cubicBezTo>
+                <a:cubicBezTo>
+                  <a:pt x="4709722" y="-37283"/>
+                  <a:pt x="4891212" y="54111"/>
+                  <a:pt x="5077316" y="0"/>
+                </a:cubicBezTo>
+                <a:cubicBezTo>
+                  <a:pt x="5263420" y="-54111"/>
+                  <a:pt x="5494663" y="58200"/>
+                  <a:pt x="5704850" y="0"/>
+                </a:cubicBezTo>
+                <a:cubicBezTo>
+                  <a:pt x="5746221" y="228308"/>
+                  <a:pt x="5700592" y="298365"/>
+                  <a:pt x="5704850" y="554328"/>
+                </a:cubicBezTo>
+                <a:cubicBezTo>
+                  <a:pt x="5709108" y="810291"/>
+                  <a:pt x="5685855" y="928256"/>
+                  <a:pt x="5704850" y="1053224"/>
+                </a:cubicBezTo>
+                <a:cubicBezTo>
+                  <a:pt x="5723845" y="1178192"/>
+                  <a:pt x="5690276" y="1424825"/>
+                  <a:pt x="5704850" y="1662985"/>
+                </a:cubicBezTo>
+                <a:cubicBezTo>
+                  <a:pt x="5719424" y="1901145"/>
+                  <a:pt x="5662795" y="2127665"/>
+                  <a:pt x="5704850" y="2272746"/>
+                </a:cubicBezTo>
+                <a:cubicBezTo>
+                  <a:pt x="5746905" y="2417827"/>
+                  <a:pt x="5668023" y="2642457"/>
+                  <a:pt x="5704850" y="2771642"/>
+                </a:cubicBezTo>
+                <a:cubicBezTo>
+                  <a:pt x="5612392" y="2794337"/>
+                  <a:pt x="5397895" y="2762558"/>
+                  <a:pt x="5305511" y="2771642"/>
+                </a:cubicBezTo>
+                <a:cubicBezTo>
+                  <a:pt x="5213127" y="2780726"/>
+                  <a:pt x="4944028" y="2719323"/>
+                  <a:pt x="4849123" y="2771642"/>
+                </a:cubicBezTo>
+                <a:cubicBezTo>
+                  <a:pt x="4754218" y="2823961"/>
+                  <a:pt x="4400703" y="2694413"/>
+                  <a:pt x="4164541" y="2771642"/>
+                </a:cubicBezTo>
+                <a:cubicBezTo>
+                  <a:pt x="3928379" y="2848871"/>
+                  <a:pt x="3964713" y="2762982"/>
+                  <a:pt x="3765201" y="2771642"/>
+                </a:cubicBezTo>
+                <a:cubicBezTo>
+                  <a:pt x="3565689" y="2780302"/>
+                  <a:pt x="3429830" y="2719773"/>
+                  <a:pt x="3251764" y="2771642"/>
+                </a:cubicBezTo>
+                <a:cubicBezTo>
+                  <a:pt x="3073698" y="2823511"/>
+                  <a:pt x="3028747" y="2754409"/>
+                  <a:pt x="2852425" y="2771642"/>
+                </a:cubicBezTo>
+                <a:cubicBezTo>
+                  <a:pt x="2676103" y="2788875"/>
+                  <a:pt x="2392228" y="2712780"/>
+                  <a:pt x="2167843" y="2771642"/>
+                </a:cubicBezTo>
+                <a:cubicBezTo>
+                  <a:pt x="1943458" y="2830504"/>
+                  <a:pt x="1737342" y="2770418"/>
+                  <a:pt x="1483261" y="2771642"/>
+                </a:cubicBezTo>
+                <a:cubicBezTo>
+                  <a:pt x="1229180" y="2772866"/>
+                  <a:pt x="1272281" y="2771577"/>
+                  <a:pt x="1083921" y="2771642"/>
+                </a:cubicBezTo>
+                <a:cubicBezTo>
+                  <a:pt x="895561" y="2771707"/>
+                  <a:pt x="655404" y="2761182"/>
+                  <a:pt x="513436" y="2771642"/>
+                </a:cubicBezTo>
+                <a:cubicBezTo>
+                  <a:pt x="371468" y="2782102"/>
+                  <a:pt x="223253" y="2753773"/>
+                  <a:pt x="0" y="2771642"/>
+                </a:cubicBezTo>
+                <a:cubicBezTo>
+                  <a:pt x="-63760" y="2657967"/>
+                  <a:pt x="31421" y="2404216"/>
+                  <a:pt x="0" y="2217314"/>
+                </a:cubicBezTo>
+                <a:cubicBezTo>
+                  <a:pt x="-31421" y="2030412"/>
+                  <a:pt x="32379" y="1889113"/>
+                  <a:pt x="0" y="1718418"/>
+                </a:cubicBezTo>
+                <a:cubicBezTo>
+                  <a:pt x="-32379" y="1547723"/>
+                  <a:pt x="35731" y="1302288"/>
+                  <a:pt x="0" y="1136373"/>
+                </a:cubicBezTo>
+                <a:cubicBezTo>
+                  <a:pt x="-35731" y="970458"/>
+                  <a:pt x="30672" y="767206"/>
+                  <a:pt x="0" y="665194"/>
+                </a:cubicBezTo>
+                <a:cubicBezTo>
+                  <a:pt x="-30672" y="563182"/>
+                  <a:pt x="37271" y="209730"/>
                   <a:pt x="0" y="0"/>
                 </a:cubicBezTo>
                 <a:close/>
               </a:path>
-              <a:path w="5553454" h="3170068" stroke="0" extrusionOk="0">
+              <a:path w="5704850" h="2771642" stroke="0" extrusionOk="0">
                 <a:moveTo>
                   <a:pt x="0" y="0"/>
                 </a:moveTo>
                 <a:cubicBezTo>
-                  <a:pt x="158045" y="-27453"/>
-                  <a:pt x="281285" y="28787"/>
-                  <a:pt x="499811" y="0"/>
-                </a:cubicBezTo>
-                <a:cubicBezTo>
-                  <a:pt x="718337" y="-28787"/>
-                  <a:pt x="901542" y="24554"/>
-                  <a:pt x="1110691" y="0"/>
-                </a:cubicBezTo>
-                <a:cubicBezTo>
-                  <a:pt x="1319840" y="-24554"/>
-                  <a:pt x="1448802" y="21973"/>
-                  <a:pt x="1610502" y="0"/>
-                </a:cubicBezTo>
-                <a:cubicBezTo>
-                  <a:pt x="1772202" y="-21973"/>
-                  <a:pt x="2025192" y="17884"/>
-                  <a:pt x="2276916" y="0"/>
-                </a:cubicBezTo>
-                <a:cubicBezTo>
-                  <a:pt x="2528640" y="-17884"/>
-                  <a:pt x="2529700" y="32803"/>
-                  <a:pt x="2665658" y="0"/>
-                </a:cubicBezTo>
-                <a:cubicBezTo>
-                  <a:pt x="2801616" y="-32803"/>
-                  <a:pt x="3063531" y="23535"/>
-                  <a:pt x="3276538" y="0"/>
-                </a:cubicBezTo>
-                <a:cubicBezTo>
-                  <a:pt x="3489545" y="-23535"/>
-                  <a:pt x="3668755" y="64107"/>
-                  <a:pt x="3942952" y="0"/>
-                </a:cubicBezTo>
-                <a:cubicBezTo>
-                  <a:pt x="4217149" y="-64107"/>
-                  <a:pt x="4340107" y="78028"/>
-                  <a:pt x="4609367" y="0"/>
-                </a:cubicBezTo>
-                <a:cubicBezTo>
-                  <a:pt x="4878627" y="-78028"/>
-                  <a:pt x="4821808" y="24192"/>
-                  <a:pt x="4998109" y="0"/>
-                </a:cubicBezTo>
-                <a:cubicBezTo>
-                  <a:pt x="5174410" y="-24192"/>
-                  <a:pt x="5413729" y="43250"/>
-                  <a:pt x="5553454" y="0"/>
-                </a:cubicBezTo>
-                <a:cubicBezTo>
-                  <a:pt x="5569306" y="214739"/>
-                  <a:pt x="5548027" y="217740"/>
-                  <a:pt x="5553454" y="433243"/>
-                </a:cubicBezTo>
-                <a:cubicBezTo>
-                  <a:pt x="5558881" y="648746"/>
-                  <a:pt x="5527615" y="759682"/>
-                  <a:pt x="5553454" y="929887"/>
-                </a:cubicBezTo>
-                <a:cubicBezTo>
-                  <a:pt x="5579293" y="1100092"/>
-                  <a:pt x="5507727" y="1335960"/>
-                  <a:pt x="5553454" y="1458231"/>
-                </a:cubicBezTo>
-                <a:cubicBezTo>
-                  <a:pt x="5599181" y="1580502"/>
-                  <a:pt x="5511290" y="1760524"/>
-                  <a:pt x="5553454" y="1954875"/>
-                </a:cubicBezTo>
-                <a:cubicBezTo>
-                  <a:pt x="5595618" y="2149226"/>
-                  <a:pt x="5510854" y="2211971"/>
-                  <a:pt x="5553454" y="2451519"/>
-                </a:cubicBezTo>
-                <a:cubicBezTo>
-                  <a:pt x="5596054" y="2691067"/>
-                  <a:pt x="5506568" y="2838023"/>
-                  <a:pt x="5553454" y="3170068"/>
-                </a:cubicBezTo>
-                <a:cubicBezTo>
-                  <a:pt x="5265091" y="3228221"/>
-                  <a:pt x="5152790" y="3112910"/>
-                  <a:pt x="4887040" y="3170068"/>
-                </a:cubicBezTo>
-                <a:cubicBezTo>
-                  <a:pt x="4621290" y="3227226"/>
-                  <a:pt x="4358827" y="3146143"/>
-                  <a:pt x="4220625" y="3170068"/>
-                </a:cubicBezTo>
-                <a:cubicBezTo>
-                  <a:pt x="4082424" y="3193993"/>
-                  <a:pt x="3723599" y="3141107"/>
-                  <a:pt x="3554211" y="3170068"/>
-                </a:cubicBezTo>
-                <a:cubicBezTo>
-                  <a:pt x="3384823" y="3199029"/>
-                  <a:pt x="3296764" y="3134160"/>
-                  <a:pt x="3109934" y="3170068"/>
-                </a:cubicBezTo>
-                <a:cubicBezTo>
-                  <a:pt x="2923104" y="3205976"/>
-                  <a:pt x="2756272" y="3147317"/>
-                  <a:pt x="2499054" y="3170068"/>
-                </a:cubicBezTo>
-                <a:cubicBezTo>
-                  <a:pt x="2241836" y="3192819"/>
-                  <a:pt x="2203812" y="3140243"/>
-                  <a:pt x="1943709" y="3170068"/>
-                </a:cubicBezTo>
-                <a:cubicBezTo>
-                  <a:pt x="1683607" y="3199893"/>
-                  <a:pt x="1649048" y="3124064"/>
-                  <a:pt x="1443898" y="3170068"/>
-                </a:cubicBezTo>
-                <a:cubicBezTo>
-                  <a:pt x="1238748" y="3216072"/>
-                  <a:pt x="1210909" y="3167654"/>
-                  <a:pt x="999622" y="3170068"/>
-                </a:cubicBezTo>
-                <a:cubicBezTo>
-                  <a:pt x="788335" y="3172482"/>
-                  <a:pt x="413303" y="3076239"/>
-                  <a:pt x="0" y="3170068"/>
-                </a:cubicBezTo>
-                <a:cubicBezTo>
-                  <a:pt x="-17630" y="2971177"/>
-                  <a:pt x="35486" y="2866970"/>
-                  <a:pt x="0" y="2736825"/>
-                </a:cubicBezTo>
-                <a:cubicBezTo>
-                  <a:pt x="-35486" y="2606680"/>
-                  <a:pt x="17862" y="2448233"/>
-                  <a:pt x="0" y="2271882"/>
-                </a:cubicBezTo>
-                <a:cubicBezTo>
-                  <a:pt x="-17862" y="2095531"/>
-                  <a:pt x="16772" y="1926256"/>
-                  <a:pt x="0" y="1711837"/>
-                </a:cubicBezTo>
-                <a:cubicBezTo>
-                  <a:pt x="-16772" y="1497419"/>
-                  <a:pt x="4810" y="1369715"/>
-                  <a:pt x="0" y="1278594"/>
-                </a:cubicBezTo>
-                <a:cubicBezTo>
-                  <a:pt x="-4810" y="1187473"/>
-                  <a:pt x="20342" y="1000439"/>
-                  <a:pt x="0" y="781950"/>
-                </a:cubicBezTo>
-                <a:cubicBezTo>
-                  <a:pt x="-20342" y="563461"/>
-                  <a:pt x="20908" y="269075"/>
+                  <a:pt x="211137" y="-28982"/>
+                  <a:pt x="408838" y="58819"/>
+                  <a:pt x="513437" y="0"/>
+                </a:cubicBezTo>
+                <a:cubicBezTo>
+                  <a:pt x="618036" y="-58819"/>
+                  <a:pt x="951350" y="36451"/>
+                  <a:pt x="1140970" y="0"/>
+                </a:cubicBezTo>
+                <a:cubicBezTo>
+                  <a:pt x="1330590" y="-36451"/>
+                  <a:pt x="1446774" y="17989"/>
+                  <a:pt x="1654407" y="0"/>
+                </a:cubicBezTo>
+                <a:cubicBezTo>
+                  <a:pt x="1862040" y="-17989"/>
+                  <a:pt x="2107491" y="25732"/>
+                  <a:pt x="2338989" y="0"/>
+                </a:cubicBezTo>
+                <a:cubicBezTo>
+                  <a:pt x="2570487" y="-25732"/>
+                  <a:pt x="2554538" y="12382"/>
+                  <a:pt x="2738328" y="0"/>
+                </a:cubicBezTo>
+                <a:cubicBezTo>
+                  <a:pt x="2922118" y="-12382"/>
+                  <a:pt x="3235117" y="5053"/>
+                  <a:pt x="3365862" y="0"/>
+                </a:cubicBezTo>
+                <a:cubicBezTo>
+                  <a:pt x="3496607" y="-5053"/>
+                  <a:pt x="3853520" y="6096"/>
+                  <a:pt x="4050444" y="0"/>
+                </a:cubicBezTo>
+                <a:cubicBezTo>
+                  <a:pt x="4247368" y="-6096"/>
+                  <a:pt x="4580538" y="15859"/>
+                  <a:pt x="4735026" y="0"/>
+                </a:cubicBezTo>
+                <a:cubicBezTo>
+                  <a:pt x="4889514" y="-15859"/>
+                  <a:pt x="5031230" y="32618"/>
+                  <a:pt x="5134365" y="0"/>
+                </a:cubicBezTo>
+                <a:cubicBezTo>
+                  <a:pt x="5237500" y="-32618"/>
+                  <a:pt x="5545111" y="54581"/>
+                  <a:pt x="5704850" y="0"/>
+                </a:cubicBezTo>
+                <a:cubicBezTo>
+                  <a:pt x="5732924" y="219206"/>
+                  <a:pt x="5678912" y="242643"/>
+                  <a:pt x="5704850" y="471179"/>
+                </a:cubicBezTo>
+                <a:cubicBezTo>
+                  <a:pt x="5730788" y="699715"/>
+                  <a:pt x="5641933" y="869091"/>
+                  <a:pt x="5704850" y="997791"/>
+                </a:cubicBezTo>
+                <a:cubicBezTo>
+                  <a:pt x="5767767" y="1126491"/>
+                  <a:pt x="5655308" y="1299485"/>
+                  <a:pt x="5704850" y="1552120"/>
+                </a:cubicBezTo>
+                <a:cubicBezTo>
+                  <a:pt x="5754392" y="1804755"/>
+                  <a:pt x="5685936" y="1892870"/>
+                  <a:pt x="5704850" y="2078732"/>
+                </a:cubicBezTo>
+                <a:cubicBezTo>
+                  <a:pt x="5723764" y="2264594"/>
+                  <a:pt x="5634382" y="2464753"/>
+                  <a:pt x="5704850" y="2771642"/>
+                </a:cubicBezTo>
+                <a:cubicBezTo>
+                  <a:pt x="5442852" y="2811602"/>
+                  <a:pt x="5264698" y="2759854"/>
+                  <a:pt x="5020268" y="2771642"/>
+                </a:cubicBezTo>
+                <a:cubicBezTo>
+                  <a:pt x="4775838" y="2783430"/>
+                  <a:pt x="4683186" y="2770299"/>
+                  <a:pt x="4506832" y="2771642"/>
+                </a:cubicBezTo>
+                <a:cubicBezTo>
+                  <a:pt x="4330478" y="2772985"/>
+                  <a:pt x="4146375" y="2758273"/>
+                  <a:pt x="3822249" y="2771642"/>
+                </a:cubicBezTo>
+                <a:cubicBezTo>
+                  <a:pt x="3498123" y="2785011"/>
+                  <a:pt x="3287862" y="2748669"/>
+                  <a:pt x="3137668" y="2771642"/>
+                </a:cubicBezTo>
+                <a:cubicBezTo>
+                  <a:pt x="2987474" y="2794615"/>
+                  <a:pt x="2786618" y="2723974"/>
+                  <a:pt x="2681280" y="2771642"/>
+                </a:cubicBezTo>
+                <a:cubicBezTo>
+                  <a:pt x="2575942" y="2819310"/>
+                  <a:pt x="2225707" y="2712105"/>
+                  <a:pt x="2053746" y="2771642"/>
+                </a:cubicBezTo>
+                <a:cubicBezTo>
+                  <a:pt x="1881785" y="2831179"/>
+                  <a:pt x="1669839" y="2716109"/>
+                  <a:pt x="1483261" y="2771642"/>
+                </a:cubicBezTo>
+                <a:cubicBezTo>
+                  <a:pt x="1296683" y="2827175"/>
+                  <a:pt x="1187069" y="2727487"/>
+                  <a:pt x="969825" y="2771642"/>
+                </a:cubicBezTo>
+                <a:cubicBezTo>
+                  <a:pt x="752581" y="2815797"/>
+                  <a:pt x="609901" y="2760722"/>
+                  <a:pt x="513437" y="2771642"/>
+                </a:cubicBezTo>
+                <a:cubicBezTo>
+                  <a:pt x="416973" y="2782562"/>
+                  <a:pt x="176020" y="2737717"/>
+                  <a:pt x="0" y="2771642"/>
+                </a:cubicBezTo>
+                <a:cubicBezTo>
+                  <a:pt x="-45659" y="2630748"/>
+                  <a:pt x="5315" y="2470411"/>
+                  <a:pt x="0" y="2300463"/>
+                </a:cubicBezTo>
+                <a:cubicBezTo>
+                  <a:pt x="-5315" y="2130515"/>
+                  <a:pt x="13813" y="2024059"/>
+                  <a:pt x="0" y="1801567"/>
+                </a:cubicBezTo>
+                <a:cubicBezTo>
+                  <a:pt x="-13813" y="1579075"/>
+                  <a:pt x="21159" y="1351593"/>
+                  <a:pt x="0" y="1219522"/>
+                </a:cubicBezTo>
+                <a:cubicBezTo>
+                  <a:pt x="-21159" y="1087451"/>
+                  <a:pt x="12363" y="982849"/>
+                  <a:pt x="0" y="748343"/>
+                </a:cubicBezTo>
+                <a:cubicBezTo>
+                  <a:pt x="-12363" y="513837"/>
+                  <a:pt x="21799" y="292437"/>
                   <a:pt x="0" y="0"/>
                 </a:cubicBezTo>
                 <a:close/>
@@ -15884,7 +15987,7 @@
                 <a:latin typeface="Cavolini" panose="020B0502040204020203" pitchFamily="66" charset="0"/>
                 <a:cs typeface="Cavolini" panose="020B0502040204020203" pitchFamily="66" charset="0"/>
               </a:rPr>
-              <a:t>Data exchanges:</a:t>
+              <a:t>Data exchanges through IDS Connector</a:t>
             </a:r>
           </a:p>
           <a:p>
@@ -15900,7 +16003,7 @@
               <a:buAutoNum type="arabicPeriod"/>
             </a:pPr>
             <a:r>
-              <a:rPr lang="en-US" sz="1600" dirty="0">
+              <a:rPr lang="en-US" sz="1500" dirty="0">
                 <a:latin typeface="Cavolini" panose="020B0502040204020203" pitchFamily="66" charset="0"/>
                 <a:cs typeface="Cavolini" panose="020B0502040204020203" pitchFamily="66" charset="0"/>
               </a:rPr>
@@ -15913,11 +16016,11 @@
               <a:buAutoNum type="arabicPeriod"/>
             </a:pPr>
             <a:r>
-              <a:rPr lang="en-US" sz="1600" dirty="0">
-                <a:latin typeface="Cavolini" panose="020B0502040204020203" pitchFamily="66" charset="0"/>
-                <a:cs typeface="Cavolini" panose="020B0502040204020203" pitchFamily="66" charset="0"/>
-              </a:rPr>
-              <a:t>CSP consolidates requests from all subscribers and runs optimization algorithms to arrive at allocation for each subscriber</a:t>
+              <a:rPr lang="en-US" sz="1500" dirty="0">
+                <a:latin typeface="Cavolini" panose="020B0502040204020203" pitchFamily="66" charset="0"/>
+                <a:cs typeface="Cavolini" panose="020B0502040204020203" pitchFamily="66" charset="0"/>
+              </a:rPr>
+              <a:t>CSP runs optimization algorithms to arrive at allocation for each subscriber and communicates the allotment details to each subscriber </a:t>
             </a:r>
           </a:p>
           <a:p>
@@ -15926,24 +16029,11 @@
               <a:buAutoNum type="arabicPeriod"/>
             </a:pPr>
             <a:r>
-              <a:rPr lang="en-US" sz="1600" dirty="0">
-                <a:latin typeface="Cavolini" panose="020B0502040204020203" pitchFamily="66" charset="0"/>
-                <a:cs typeface="Cavolini" panose="020B0502040204020203" pitchFamily="66" charset="0"/>
-              </a:rPr>
-              <a:t>CSP communicates the RAN slice allocation for each subscriber </a:t>
-            </a:r>
-          </a:p>
-          <a:p>
-            <a:pPr marL="342900" indent="-342900" algn="l">
-              <a:buFont typeface="+mj-lt"/>
-              <a:buAutoNum type="arabicPeriod"/>
-            </a:pPr>
-            <a:r>
-              <a:rPr lang="en-US" sz="1600" dirty="0">
-                <a:latin typeface="Cavolini" panose="020B0502040204020203" pitchFamily="66" charset="0"/>
-                <a:cs typeface="Cavolini" panose="020B0502040204020203" pitchFamily="66" charset="0"/>
-              </a:rPr>
-              <a:t>Subscriber accepts or rejects the allocation</a:t>
+              <a:rPr lang="en-US" sz="1500" dirty="0">
+                <a:latin typeface="Cavolini" panose="020B0502040204020203" pitchFamily="66" charset="0"/>
+                <a:cs typeface="Cavolini" panose="020B0502040204020203" pitchFamily="66" charset="0"/>
+              </a:rPr>
+              <a:t>CSP tracks the slice allocation and sends out the allocation status periodically for each subscriber</a:t>
             </a:r>
           </a:p>
           <a:p>
@@ -15955,38 +16045,6 @@
               <a:latin typeface="Cavolini" panose="020B0502040204020203" pitchFamily="66" charset="0"/>
               <a:cs typeface="Cavolini" panose="020B0502040204020203" pitchFamily="66" charset="0"/>
             </a:endParaRPr>
-          </a:p>
-        </p:txBody>
-      </p:sp>
-      <p:sp>
-        <p:nvSpPr>
-          <p:cNvPr id="48" name="ZoneTexte 47"/>
-          <p:cNvSpPr txBox="1"/>
-          <p:nvPr/>
-        </p:nvSpPr>
-        <p:spPr>
-          <a:xfrm>
-            <a:off x="8148323" y="3581697"/>
-            <a:ext cx="1103957" cy="215444"/>
-          </a:xfrm>
-          <a:prstGeom prst="rect">
-            <a:avLst/>
-          </a:prstGeom>
-        </p:spPr>
-        <p:txBody>
-          <a:bodyPr wrap="none" lIns="0" tIns="0" rIns="0" bIns="0" rtlCol="0">
-            <a:spAutoFit/>
-          </a:bodyPr>
-          <a:lstStyle/>
-          <a:p>
-            <a:r>
-              <a:rPr lang="fr-FR" sz="1400" dirty="0">
-                <a:solidFill>
-                  <a:schemeClr val="bg1"/>
-                </a:solidFill>
-              </a:rPr>
-              <a:t>Data consumer</a:t>
-            </a:r>
           </a:p>
         </p:txBody>
       </p:sp>
@@ -16004,7 +16062,7 @@
         </p:nvSpPr>
         <p:spPr>
           <a:xfrm rot="10800000" flipV="1">
-            <a:off x="8292252" y="1177291"/>
+            <a:off x="8292252" y="932744"/>
             <a:ext cx="2375316" cy="840306"/>
           </a:xfrm>
           <a:custGeom>
@@ -16223,26 +16281,35 @@
           <a:p>
             <a:pPr algn="ctr"/>
             <a:r>
-              <a:rPr lang="fr-FR" sz="2000" b="1" dirty="0" err="1">
+              <a:rPr lang="fr-FR" sz="2000" dirty="0" err="1">
                 <a:latin typeface="Segoe Script" panose="030B0504020000000003" pitchFamily="66" charset="0"/>
               </a:rPr>
               <a:t>Subscriber</a:t>
             </a:r>
-            <a:r>
-              <a:rPr lang="fr-FR" sz="2000" b="1" dirty="0">
-                <a:latin typeface="Segoe Script" panose="030B0504020000000003" pitchFamily="66" charset="0"/>
-              </a:rPr>
-              <a:t> 1</a:t>
-            </a:r>
-          </a:p>
-          <a:p>
-            <a:pPr algn="ctr"/>
             <a:r>
               <a:rPr lang="fr-FR" sz="2000" dirty="0">
                 <a:latin typeface="Segoe Script" panose="030B0504020000000003" pitchFamily="66" charset="0"/>
               </a:rPr>
-              <a:t>Hospital</a:t>
-            </a:r>
+              <a:t> 1</a:t>
+            </a:r>
+          </a:p>
+          <a:p>
+            <a:pPr algn="ctr"/>
+            <a:r>
+              <a:rPr lang="fr-FR" sz="2000" dirty="0">
+                <a:latin typeface="Segoe Script" panose="030B0504020000000003" pitchFamily="66" charset="0"/>
+              </a:rPr>
+              <a:t>IDS </a:t>
+            </a:r>
+            <a:r>
+              <a:rPr lang="fr-FR" sz="2000" dirty="0" err="1">
+                <a:latin typeface="Segoe Script" panose="030B0504020000000003" pitchFamily="66" charset="0"/>
+              </a:rPr>
+              <a:t>Connector</a:t>
+            </a:r>
+            <a:endParaRPr lang="fr-FR" sz="2000" dirty="0">
+              <a:latin typeface="Segoe Script" panose="030B0504020000000003" pitchFamily="66" charset="0"/>
+            </a:endParaRPr>
           </a:p>
         </p:txBody>
       </p:sp>
@@ -16260,34 +16327,38 @@
         </p:nvSpPr>
         <p:spPr>
           <a:xfrm rot="10800000" flipV="1">
-            <a:off x="2100054" y="4332281"/>
-            <a:ext cx="2322761" cy="1058946"/>
+            <a:off x="1683683" y="4023929"/>
+            <a:ext cx="2739131" cy="1058946"/>
           </a:xfrm>
           <a:custGeom>
             <a:avLst/>
             <a:gdLst>
-              <a:gd name="connsiteX0" fmla="*/ 373684 w 2322761"/>
+              <a:gd name="connsiteX0" fmla="*/ 440670 w 2739131"/>
               <a:gd name="connsiteY0" fmla="*/ 0 h 1058946"/>
-              <a:gd name="connsiteX1" fmla="*/ 898815 w 2322761"/>
+              <a:gd name="connsiteX1" fmla="*/ 942273 w 2739131"/>
               <a:gd name="connsiteY1" fmla="*/ 0 h 1058946"/>
-              <a:gd name="connsiteX2" fmla="*/ 1455453 w 2322761"/>
+              <a:gd name="connsiteX2" fmla="*/ 1388143 w 2739131"/>
               <a:gd name="connsiteY2" fmla="*/ 0 h 1058946"/>
-              <a:gd name="connsiteX3" fmla="*/ 1949076 w 2322761"/>
+              <a:gd name="connsiteX3" fmla="*/ 1796857 w 2739131"/>
               <a:gd name="connsiteY3" fmla="*/ 0 h 1058946"/>
-              <a:gd name="connsiteX4" fmla="*/ 2322761 w 2322761"/>
-              <a:gd name="connsiteY4" fmla="*/ 529473 h 1058946"/>
-              <a:gd name="connsiteX5" fmla="*/ 1949076 w 2322761"/>
-              <a:gd name="connsiteY5" fmla="*/ 1058946 h 1058946"/>
-              <a:gd name="connsiteX6" fmla="*/ 1392437 w 2322761"/>
+              <a:gd name="connsiteX4" fmla="*/ 2298460 w 2739131"/>
+              <a:gd name="connsiteY4" fmla="*/ 0 h 1058946"/>
+              <a:gd name="connsiteX5" fmla="*/ 2739131 w 2739131"/>
+              <a:gd name="connsiteY5" fmla="*/ 529473 h 1058946"/>
+              <a:gd name="connsiteX6" fmla="*/ 2298460 w 2739131"/>
               <a:gd name="connsiteY6" fmla="*/ 1058946 h 1058946"/>
-              <a:gd name="connsiteX7" fmla="*/ 835799 w 2322761"/>
+              <a:gd name="connsiteX7" fmla="*/ 1852590 w 2739131"/>
               <a:gd name="connsiteY7" fmla="*/ 1058946 h 1058946"/>
-              <a:gd name="connsiteX8" fmla="*/ 373684 w 2322761"/>
+              <a:gd name="connsiteX8" fmla="*/ 1443877 w 2739131"/>
               <a:gd name="connsiteY8" fmla="*/ 1058946 h 1058946"/>
-              <a:gd name="connsiteX9" fmla="*/ 0 w 2322761"/>
-              <a:gd name="connsiteY9" fmla="*/ 529473 h 1058946"/>
-              <a:gd name="connsiteX10" fmla="*/ 373684 w 2322761"/>
-              <a:gd name="connsiteY10" fmla="*/ 0 h 1058946"/>
+              <a:gd name="connsiteX9" fmla="*/ 1035163 w 2739131"/>
+              <a:gd name="connsiteY9" fmla="*/ 1058946 h 1058946"/>
+              <a:gd name="connsiteX10" fmla="*/ 440670 w 2739131"/>
+              <a:gd name="connsiteY10" fmla="*/ 1058946 h 1058946"/>
+              <a:gd name="connsiteX11" fmla="*/ 0 w 2739131"/>
+              <a:gd name="connsiteY11" fmla="*/ 529473 h 1058946"/>
+              <a:gd name="connsiteX12" fmla="*/ 440670 w 2739131"/>
+              <a:gd name="connsiteY12" fmla="*/ 0 h 1058946"/>
             </a:gdLst>
             <a:ahLst/>
             <a:cxnLst>
@@ -16324,118 +16395,144 @@
               <a:cxn ang="0">
                 <a:pos x="connsiteX10" y="connsiteY10"/>
               </a:cxn>
+              <a:cxn ang="0">
+                <a:pos x="connsiteX11" y="connsiteY11"/>
+              </a:cxn>
+              <a:cxn ang="0">
+                <a:pos x="connsiteX12" y="connsiteY12"/>
+              </a:cxn>
             </a:cxnLst>
             <a:rect l="l" t="t" r="r" b="b"/>
             <a:pathLst>
-              <a:path w="2322761" h="1058946" fill="none" extrusionOk="0">
+              <a:path w="2739131" h="1058946" fill="none" extrusionOk="0">
                 <a:moveTo>
-                  <a:pt x="373684" y="0"/>
+                  <a:pt x="440670" y="0"/>
                 </a:moveTo>
                 <a:cubicBezTo>
-                  <a:pt x="515496" y="-17618"/>
-                  <a:pt x="703710" y="52497"/>
-                  <a:pt x="898815" y="0"/>
-                </a:cubicBezTo>
-                <a:cubicBezTo>
-                  <a:pt x="1093920" y="-52497"/>
-                  <a:pt x="1300817" y="57781"/>
-                  <a:pt x="1455453" y="0"/>
-                </a:cubicBezTo>
-                <a:cubicBezTo>
-                  <a:pt x="1610089" y="-57781"/>
-                  <a:pt x="1777401" y="2916"/>
-                  <a:pt x="1949076" y="0"/>
-                </a:cubicBezTo>
-                <a:cubicBezTo>
-                  <a:pt x="2180207" y="60498"/>
-                  <a:pt x="2347443" y="199494"/>
-                  <a:pt x="2322761" y="529473"/>
-                </a:cubicBezTo>
-                <a:cubicBezTo>
-                  <a:pt x="2316060" y="867426"/>
-                  <a:pt x="2167994" y="1067301"/>
-                  <a:pt x="1949076" y="1058946"/>
-                </a:cubicBezTo>
-                <a:cubicBezTo>
-                  <a:pt x="1824807" y="1068460"/>
-                  <a:pt x="1516867" y="1021950"/>
-                  <a:pt x="1392437" y="1058946"/>
-                </a:cubicBezTo>
-                <a:cubicBezTo>
-                  <a:pt x="1268007" y="1095942"/>
-                  <a:pt x="1103265" y="1048206"/>
-                  <a:pt x="835799" y="1058946"/>
-                </a:cubicBezTo>
-                <a:cubicBezTo>
-                  <a:pt x="568333" y="1069686"/>
-                  <a:pt x="540546" y="1054206"/>
-                  <a:pt x="373684" y="1058946"/>
-                </a:cubicBezTo>
-                <a:cubicBezTo>
-                  <a:pt x="243432" y="1072718"/>
-                  <a:pt x="29871" y="808472"/>
+                  <a:pt x="684275" y="-26554"/>
+                  <a:pt x="821516" y="35919"/>
+                  <a:pt x="942273" y="0"/>
+                </a:cubicBezTo>
+                <a:cubicBezTo>
+                  <a:pt x="1063030" y="-35919"/>
+                  <a:pt x="1224271" y="35068"/>
+                  <a:pt x="1388143" y="0"/>
+                </a:cubicBezTo>
+                <a:cubicBezTo>
+                  <a:pt x="1552015" y="-35068"/>
+                  <a:pt x="1683356" y="897"/>
+                  <a:pt x="1796857" y="0"/>
+                </a:cubicBezTo>
+                <a:cubicBezTo>
+                  <a:pt x="1910358" y="-897"/>
+                  <a:pt x="2121575" y="42835"/>
+                  <a:pt x="2298460" y="0"/>
+                </a:cubicBezTo>
+                <a:cubicBezTo>
+                  <a:pt x="2555046" y="33159"/>
+                  <a:pt x="2737430" y="210698"/>
+                  <a:pt x="2739131" y="529473"/>
+                </a:cubicBezTo>
+                <a:cubicBezTo>
+                  <a:pt x="2756456" y="811806"/>
+                  <a:pt x="2570672" y="1101341"/>
+                  <a:pt x="2298460" y="1058946"/>
+                </a:cubicBezTo>
+                <a:cubicBezTo>
+                  <a:pt x="2101405" y="1072206"/>
+                  <a:pt x="2042657" y="1037448"/>
+                  <a:pt x="1852590" y="1058946"/>
+                </a:cubicBezTo>
+                <a:cubicBezTo>
+                  <a:pt x="1662523" y="1080444"/>
+                  <a:pt x="1571190" y="1019298"/>
+                  <a:pt x="1443877" y="1058946"/>
+                </a:cubicBezTo>
+                <a:cubicBezTo>
+                  <a:pt x="1316564" y="1098594"/>
+                  <a:pt x="1203544" y="1021396"/>
+                  <a:pt x="1035163" y="1058946"/>
+                </a:cubicBezTo>
+                <a:cubicBezTo>
+                  <a:pt x="866782" y="1096496"/>
+                  <a:pt x="572911" y="1005301"/>
+                  <a:pt x="440670" y="1058946"/>
+                </a:cubicBezTo>
+                <a:cubicBezTo>
+                  <a:pt x="196932" y="998763"/>
+                  <a:pt x="-24877" y="816236"/>
                   <a:pt x="0" y="529473"/>
                 </a:cubicBezTo>
                 <a:cubicBezTo>
-                  <a:pt x="-10907" y="228142"/>
-                  <a:pt x="204802" y="7213"/>
-                  <a:pt x="373684" y="0"/>
+                  <a:pt x="30840" y="253188"/>
+                  <a:pt x="211395" y="-23"/>
+                  <a:pt x="440670" y="0"/>
                 </a:cubicBezTo>
                 <a:close/>
               </a:path>
-              <a:path w="2322761" h="1058946" stroke="0" extrusionOk="0">
+              <a:path w="2739131" h="1058946" stroke="0" extrusionOk="0">
                 <a:moveTo>
-                  <a:pt x="373684" y="0"/>
+                  <a:pt x="440670" y="0"/>
                 </a:moveTo>
                 <a:cubicBezTo>
-                  <a:pt x="650204" y="-13978"/>
-                  <a:pt x="799723" y="26171"/>
-                  <a:pt x="930323" y="0"/>
-                </a:cubicBezTo>
-                <a:cubicBezTo>
-                  <a:pt x="1060923" y="-26171"/>
-                  <a:pt x="1243729" y="25291"/>
-                  <a:pt x="1423945" y="0"/>
-                </a:cubicBezTo>
-                <a:cubicBezTo>
-                  <a:pt x="1604161" y="-25291"/>
-                  <a:pt x="1842041" y="61879"/>
-                  <a:pt x="1949076" y="0"/>
-                </a:cubicBezTo>
-                <a:cubicBezTo>
-                  <a:pt x="2171022" y="33874"/>
-                  <a:pt x="2354831" y="292861"/>
-                  <a:pt x="2322761" y="529473"/>
-                </a:cubicBezTo>
-                <a:cubicBezTo>
-                  <a:pt x="2318269" y="804734"/>
-                  <a:pt x="2185605" y="1042020"/>
-                  <a:pt x="1949076" y="1058946"/>
-                </a:cubicBezTo>
-                <a:cubicBezTo>
-                  <a:pt x="1779647" y="1105408"/>
-                  <a:pt x="1605744" y="1019076"/>
-                  <a:pt x="1423945" y="1058946"/>
-                </a:cubicBezTo>
-                <a:cubicBezTo>
-                  <a:pt x="1242146" y="1098816"/>
-                  <a:pt x="1146243" y="1006694"/>
-                  <a:pt x="930323" y="1058946"/>
-                </a:cubicBezTo>
-                <a:cubicBezTo>
-                  <a:pt x="714403" y="1111198"/>
-                  <a:pt x="510428" y="1025109"/>
-                  <a:pt x="373684" y="1058946"/>
-                </a:cubicBezTo>
-                <a:cubicBezTo>
-                  <a:pt x="85500" y="1034933"/>
-                  <a:pt x="-3325" y="769599"/>
+                  <a:pt x="661153" y="-1648"/>
+                  <a:pt x="749127" y="39863"/>
+                  <a:pt x="942273" y="0"/>
+                </a:cubicBezTo>
+                <a:cubicBezTo>
+                  <a:pt x="1135419" y="-39863"/>
+                  <a:pt x="1187388" y="40031"/>
+                  <a:pt x="1369565" y="0"/>
+                </a:cubicBezTo>
+                <a:cubicBezTo>
+                  <a:pt x="1551742" y="-40031"/>
+                  <a:pt x="1691484" y="3519"/>
+                  <a:pt x="1852590" y="0"/>
+                </a:cubicBezTo>
+                <a:cubicBezTo>
+                  <a:pt x="2013697" y="-3519"/>
+                  <a:pt x="2084783" y="37238"/>
+                  <a:pt x="2298460" y="0"/>
+                </a:cubicBezTo>
+                <a:cubicBezTo>
+                  <a:pt x="2475886" y="44022"/>
+                  <a:pt x="2776404" y="194077"/>
+                  <a:pt x="2739131" y="529473"/>
+                </a:cubicBezTo>
+                <a:cubicBezTo>
+                  <a:pt x="2724723" y="866849"/>
+                  <a:pt x="2559520" y="1045543"/>
+                  <a:pt x="2298460" y="1058946"/>
+                </a:cubicBezTo>
+                <a:cubicBezTo>
+                  <a:pt x="2082559" y="1064847"/>
+                  <a:pt x="1954105" y="1011498"/>
+                  <a:pt x="1796857" y="1058946"/>
+                </a:cubicBezTo>
+                <a:cubicBezTo>
+                  <a:pt x="1639609" y="1106394"/>
+                  <a:pt x="1565907" y="1036956"/>
+                  <a:pt x="1369565" y="1058946"/>
+                </a:cubicBezTo>
+                <a:cubicBezTo>
+                  <a:pt x="1173223" y="1080936"/>
+                  <a:pt x="1101781" y="1033870"/>
+                  <a:pt x="942273" y="1058946"/>
+                </a:cubicBezTo>
+                <a:cubicBezTo>
+                  <a:pt x="782765" y="1084022"/>
+                  <a:pt x="594149" y="1054258"/>
+                  <a:pt x="440670" y="1058946"/>
+                </a:cubicBezTo>
+                <a:cubicBezTo>
+                  <a:pt x="227644" y="1101135"/>
+                  <a:pt x="-971" y="738579"/>
                   <a:pt x="0" y="529473"/>
                 </a:cubicBezTo>
                 <a:cubicBezTo>
-                  <a:pt x="48583" y="253252"/>
-                  <a:pt x="198479" y="43341"/>
-                  <a:pt x="373684" y="0"/>
+                  <a:pt x="17871" y="241197"/>
+                  <a:pt x="200183" y="16120"/>
+                  <a:pt x="440670" y="0"/>
                 </a:cubicBezTo>
                 <a:close/>
               </a:path>
@@ -16494,206 +16591,16 @@
                 <a:latin typeface="Cavolini" panose="020B0502040204020203" pitchFamily="66" charset="0"/>
                 <a:cs typeface="Cavolini" panose="020B0502040204020203" pitchFamily="66" charset="0"/>
               </a:rPr>
-              <a:t>Resource Admin</a:t>
-            </a:r>
-          </a:p>
-        </p:txBody>
-      </p:sp>
-      <p:sp>
-        <p:nvSpPr>
-          <p:cNvPr id="26" name="TextBox 25">
-            <a:extLst>
-              <a:ext uri="{FF2B5EF4-FFF2-40B4-BE49-F238E27FC236}">
-                <a16:creationId xmlns:a16="http://schemas.microsoft.com/office/drawing/2014/main" id="{F41DE333-8745-419F-BC72-07A18BC25874}"/>
-              </a:ext>
-            </a:extLst>
-          </p:cNvPr>
-          <p:cNvSpPr txBox="1"/>
-          <p:nvPr/>
-        </p:nvSpPr>
-        <p:spPr>
-          <a:xfrm>
-            <a:off x="1926517" y="5560338"/>
-            <a:ext cx="3064449" cy="954107"/>
-          </a:xfrm>
-          <a:prstGeom prst="rect">
-            <a:avLst/>
-          </a:prstGeom>
-          <a:noFill/>
-        </p:spPr>
-        <p:txBody>
-          <a:bodyPr wrap="square" rtlCol="0">
-            <a:spAutoFit/>
-          </a:bodyPr>
-          <a:lstStyle/>
-          <a:p>
-            <a:r>
-              <a:rPr lang="en-US" sz="1400" b="1" dirty="0">
-                <a:latin typeface="Cavolini" panose="020B0502040204020203" pitchFamily="66" charset="0"/>
-                <a:cs typeface="Cavolini" panose="020B0502040204020203" pitchFamily="66" charset="0"/>
-              </a:rPr>
-              <a:t>Data Apps:</a:t>
-            </a:r>
-          </a:p>
-          <a:p>
-            <a:r>
-              <a:rPr lang="en-US" sz="1400" dirty="0">
-                <a:latin typeface="Cavolini" panose="020B0502040204020203" pitchFamily="66" charset="0"/>
-                <a:cs typeface="Cavolini" panose="020B0502040204020203" pitchFamily="66" charset="0"/>
-              </a:rPr>
-              <a:t>Resource Management App</a:t>
-            </a:r>
-          </a:p>
-          <a:p>
-            <a:r>
-              <a:rPr lang="en-US" sz="1400" dirty="0">
-                <a:latin typeface="Cavolini" panose="020B0502040204020203" pitchFamily="66" charset="0"/>
-                <a:cs typeface="Cavolini" panose="020B0502040204020203" pitchFamily="66" charset="0"/>
-              </a:rPr>
-              <a:t>Load Optimizer App</a:t>
-            </a:r>
-          </a:p>
-          <a:p>
-            <a:r>
-              <a:rPr lang="en-US" sz="1400" dirty="0">
-                <a:latin typeface="Cavolini" panose="020B0502040204020203" pitchFamily="66" charset="0"/>
-                <a:cs typeface="Cavolini" panose="020B0502040204020203" pitchFamily="66" charset="0"/>
-              </a:rPr>
-              <a:t>RAN Slice Allocation App</a:t>
-            </a:r>
-          </a:p>
-        </p:txBody>
-      </p:sp>
-      <p:sp>
-        <p:nvSpPr>
-          <p:cNvPr id="91" name="TextBox 90">
-            <a:extLst>
-              <a:ext uri="{FF2B5EF4-FFF2-40B4-BE49-F238E27FC236}">
-                <a16:creationId xmlns:a16="http://schemas.microsoft.com/office/drawing/2014/main" id="{83D34846-755B-465F-9434-CDD819265034}"/>
-              </a:ext>
-            </a:extLst>
-          </p:cNvPr>
-          <p:cNvSpPr txBox="1"/>
-          <p:nvPr/>
-        </p:nvSpPr>
-        <p:spPr>
-          <a:xfrm>
-            <a:off x="8922111" y="2168650"/>
-            <a:ext cx="3064449" cy="954107"/>
-          </a:xfrm>
-          <a:prstGeom prst="rect">
-            <a:avLst/>
-          </a:prstGeom>
-          <a:noFill/>
-        </p:spPr>
-        <p:txBody>
-          <a:bodyPr wrap="square" rtlCol="0">
-            <a:spAutoFit/>
-          </a:bodyPr>
-          <a:lstStyle/>
-          <a:p>
-            <a:r>
-              <a:rPr lang="en-US" sz="1400" b="1" dirty="0">
-                <a:latin typeface="Cavolini" panose="020B0502040204020203" pitchFamily="66" charset="0"/>
-                <a:cs typeface="Cavolini" panose="020B0502040204020203" pitchFamily="66" charset="0"/>
-              </a:rPr>
-              <a:t>Data Apps:</a:t>
-            </a:r>
-          </a:p>
-          <a:p>
-            <a:r>
-              <a:rPr lang="en-US" sz="1400" dirty="0">
-                <a:latin typeface="Cavolini" panose="020B0502040204020203" pitchFamily="66" charset="0"/>
-                <a:cs typeface="Cavolini" panose="020B0502040204020203" pitchFamily="66" charset="0"/>
-              </a:rPr>
-              <a:t>Demand Forecast App</a:t>
-            </a:r>
-          </a:p>
-          <a:p>
-            <a:r>
-              <a:rPr lang="en-US" sz="1400" dirty="0">
-                <a:latin typeface="Cavolini" panose="020B0502040204020203" pitchFamily="66" charset="0"/>
-                <a:cs typeface="Cavolini" panose="020B0502040204020203" pitchFamily="66" charset="0"/>
-              </a:rPr>
-              <a:t>Optimizer Feedback App</a:t>
-            </a:r>
-          </a:p>
-          <a:p>
-            <a:r>
-              <a:rPr lang="en-US" sz="1400" dirty="0">
-                <a:latin typeface="Cavolini" panose="020B0502040204020203" pitchFamily="66" charset="0"/>
-                <a:cs typeface="Cavolini" panose="020B0502040204020203" pitchFamily="66" charset="0"/>
-              </a:rPr>
-              <a:t>Allocation Confirmation App</a:t>
-            </a:r>
-          </a:p>
-        </p:txBody>
-      </p:sp>
-      <p:sp>
-        <p:nvSpPr>
-          <p:cNvPr id="94" name="TextBox 93">
-            <a:extLst>
-              <a:ext uri="{FF2B5EF4-FFF2-40B4-BE49-F238E27FC236}">
-                <a16:creationId xmlns:a16="http://schemas.microsoft.com/office/drawing/2014/main" id="{23804252-C640-4BFB-921B-0686F446CD9B}"/>
-              </a:ext>
-            </a:extLst>
-          </p:cNvPr>
-          <p:cNvSpPr txBox="1"/>
-          <p:nvPr/>
-        </p:nvSpPr>
-        <p:spPr>
-          <a:xfrm>
-            <a:off x="8870740" y="5265940"/>
-            <a:ext cx="3064449" cy="1169551"/>
-          </a:xfrm>
-          <a:prstGeom prst="rect">
-            <a:avLst/>
-          </a:prstGeom>
-          <a:noFill/>
-        </p:spPr>
-        <p:txBody>
-          <a:bodyPr wrap="square" rtlCol="0">
-            <a:spAutoFit/>
-          </a:bodyPr>
-          <a:lstStyle/>
-          <a:p>
-            <a:r>
-              <a:rPr lang="en-US" sz="1400" b="1" dirty="0">
-                <a:latin typeface="Cavolini" panose="020B0502040204020203" pitchFamily="66" charset="0"/>
-                <a:cs typeface="Cavolini" panose="020B0502040204020203" pitchFamily="66" charset="0"/>
-              </a:rPr>
-              <a:t>Data Apps:</a:t>
-            </a:r>
-          </a:p>
-          <a:p>
-            <a:r>
-              <a:rPr lang="en-US" sz="1400" dirty="0">
-                <a:latin typeface="Cavolini" panose="020B0502040204020203" pitchFamily="66" charset="0"/>
-                <a:cs typeface="Cavolini" panose="020B0502040204020203" pitchFamily="66" charset="0"/>
-              </a:rPr>
-              <a:t>Demand Forecast App</a:t>
-            </a:r>
-          </a:p>
-          <a:p>
-            <a:r>
-              <a:rPr lang="en-US" sz="1400" dirty="0">
-                <a:latin typeface="Cavolini" panose="020B0502040204020203" pitchFamily="66" charset="0"/>
-                <a:cs typeface="Cavolini" panose="020B0502040204020203" pitchFamily="66" charset="0"/>
-              </a:rPr>
-              <a:t>Optimizer Feedback App</a:t>
-            </a:r>
-          </a:p>
-          <a:p>
-            <a:r>
-              <a:rPr lang="en-US" sz="1400" dirty="0">
-                <a:latin typeface="Cavolini" panose="020B0502040204020203" pitchFamily="66" charset="0"/>
-                <a:cs typeface="Cavolini" panose="020B0502040204020203" pitchFamily="66" charset="0"/>
-              </a:rPr>
-              <a:t>Allocation Confirmation App</a:t>
-            </a:r>
-          </a:p>
-          <a:p>
-            <a:endParaRPr lang="en-US" sz="1400" dirty="0">
+              <a:t>IDS </a:t>
+            </a:r>
+            <a:r>
+              <a:rPr lang="fr-FR" sz="2000" dirty="0" err="1">
+                <a:latin typeface="Cavolini" panose="020B0502040204020203" pitchFamily="66" charset="0"/>
+                <a:cs typeface="Cavolini" panose="020B0502040204020203" pitchFamily="66" charset="0"/>
+              </a:rPr>
+              <a:t>Connector</a:t>
+            </a:r>
+            <a:endParaRPr lang="fr-FR" sz="2000" dirty="0">
               <a:latin typeface="Cavolini" panose="020B0502040204020203" pitchFamily="66" charset="0"/>
               <a:cs typeface="Cavolini" panose="020B0502040204020203" pitchFamily="66" charset="0"/>
             </a:endParaRPr>
@@ -16717,15 +16624,21 @@
         </p:nvCxnSpPr>
         <p:spPr>
           <a:xfrm flipV="1">
-            <a:off x="4466585" y="1597444"/>
-            <a:ext cx="3825667" cy="3204645"/>
+            <a:off x="4466585" y="1352897"/>
+            <a:ext cx="3825667" cy="3059615"/>
           </a:xfrm>
           <a:prstGeom prst="curvedConnector3">
             <a:avLst>
-              <a:gd name="adj1" fmla="val 67456"/>
+              <a:gd name="adj1" fmla="val 65564"/>
             </a:avLst>
           </a:prstGeom>
           <a:ln w="38100">
+            <a:solidFill>
+              <a:schemeClr val="tx1">
+                <a:lumMod val="65000"/>
+                <a:lumOff val="35000"/>
+              </a:schemeClr>
+            </a:solidFill>
             <a:headEnd type="triangle" w="med" len="med"/>
             <a:tailEnd type="triangle" w="med" len="med"/>
           </a:ln>
@@ -16761,16 +16674,22 @@
           <p:nvPr/>
         </p:nvCxnSpPr>
         <p:spPr>
-          <a:xfrm flipV="1">
-            <a:off x="4466585" y="4641215"/>
-            <a:ext cx="3774297" cy="329984"/>
+          <a:xfrm>
+            <a:off x="4466585" y="4595390"/>
+            <a:ext cx="3774297" cy="141522"/>
           </a:xfrm>
           <a:prstGeom prst="curvedConnector3">
             <a:avLst>
-              <a:gd name="adj1" fmla="val 50000"/>
+              <a:gd name="adj1" fmla="val 73100"/>
             </a:avLst>
           </a:prstGeom>
           <a:ln w="38100">
+            <a:solidFill>
+              <a:schemeClr val="tx1">
+                <a:lumMod val="65000"/>
+                <a:lumOff val="35000"/>
+              </a:schemeClr>
+            </a:solidFill>
             <a:headEnd type="triangle" w="med" len="med"/>
             <a:tailEnd type="triangle" w="med" len="med"/>
           </a:ln>
@@ -16804,7 +16723,7 @@
         </p:nvSpPr>
         <p:spPr>
           <a:xfrm rot="10800000" flipV="1">
-            <a:off x="8240882" y="4221062"/>
+            <a:off x="8240882" y="4316759"/>
             <a:ext cx="2375316" cy="840306"/>
           </a:xfrm>
           <a:custGeom>
@@ -16987,7 +16906,9 @@
           </a:custGeom>
           <a:ln w="57150">
             <a:solidFill>
-              <a:srgbClr val="00B0F0"/>
+              <a:schemeClr val="accent6">
+                <a:lumMod val="75000"/>
+              </a:schemeClr>
             </a:solidFill>
             <a:extLst>
               <a:ext uri="{C807C97D-BFC1-408E-A445-0C87EB9F89A2}">
@@ -17023,26 +16944,35 @@
           <a:p>
             <a:pPr algn="ctr"/>
             <a:r>
-              <a:rPr lang="fr-FR" sz="2000" b="1" dirty="0" err="1">
+              <a:rPr lang="fr-FR" sz="2000" dirty="0" err="1">
                 <a:latin typeface="Segoe Script" panose="030B0504020000000003" pitchFamily="66" charset="0"/>
               </a:rPr>
               <a:t>Subscriber</a:t>
             </a:r>
-            <a:r>
-              <a:rPr lang="fr-FR" sz="2000" b="1" dirty="0">
-                <a:latin typeface="Segoe Script" panose="030B0504020000000003" pitchFamily="66" charset="0"/>
-              </a:rPr>
-              <a:t> 2</a:t>
-            </a:r>
-          </a:p>
-          <a:p>
-            <a:pPr algn="ctr"/>
             <a:r>
               <a:rPr lang="fr-FR" sz="2000" dirty="0">
                 <a:latin typeface="Segoe Script" panose="030B0504020000000003" pitchFamily="66" charset="0"/>
               </a:rPr>
-              <a:t>Airport</a:t>
-            </a:r>
+              <a:t> 2</a:t>
+            </a:r>
+          </a:p>
+          <a:p>
+            <a:pPr algn="ctr"/>
+            <a:r>
+              <a:rPr lang="fr-FR" sz="2000" dirty="0">
+                <a:latin typeface="Segoe Script" panose="030B0504020000000003" pitchFamily="66" charset="0"/>
+              </a:rPr>
+              <a:t>IDS </a:t>
+            </a:r>
+            <a:r>
+              <a:rPr lang="fr-FR" sz="2000" dirty="0" err="1">
+                <a:latin typeface="Segoe Script" panose="030B0504020000000003" pitchFamily="66" charset="0"/>
+              </a:rPr>
+              <a:t>Connector</a:t>
+            </a:r>
+            <a:endParaRPr lang="fr-FR" sz="2000" dirty="0">
+              <a:latin typeface="Segoe Script" panose="030B0504020000000003" pitchFamily="66" charset="0"/>
+            </a:endParaRPr>
           </a:p>
         </p:txBody>
       </p:sp>
@@ -17074,7 +17004,7 @@
         </p:blipFill>
         <p:spPr>
           <a:xfrm>
-            <a:off x="1942332" y="4113071"/>
+            <a:off x="1311713" y="3804719"/>
             <a:ext cx="689018" cy="689018"/>
           </a:xfrm>
           <a:prstGeom prst="rect">
@@ -17082,10 +17012,2395 @@
           </a:prstGeom>
         </p:spPr>
       </p:pic>
+      <p:grpSp>
+        <p:nvGrpSpPr>
+          <p:cNvPr id="6" name="Group 5">
+            <a:extLst>
+              <a:ext uri="{FF2B5EF4-FFF2-40B4-BE49-F238E27FC236}">
+                <a16:creationId xmlns:a16="http://schemas.microsoft.com/office/drawing/2014/main" id="{137B3B97-B3FB-4B1F-AB4F-F7D2701A8085}"/>
+              </a:ext>
+            </a:extLst>
+          </p:cNvPr>
+          <p:cNvGrpSpPr/>
+          <p:nvPr/>
+        </p:nvGrpSpPr>
+        <p:grpSpPr>
+          <a:xfrm>
+            <a:off x="1332803" y="5265812"/>
+            <a:ext cx="1240219" cy="689018"/>
+            <a:chOff x="1886608" y="5696607"/>
+            <a:chExt cx="1240219" cy="689018"/>
+          </a:xfrm>
+        </p:grpSpPr>
+        <p:sp>
+          <p:nvSpPr>
+            <p:cNvPr id="2" name="Oval 1">
+              <a:extLst>
+                <a:ext uri="{FF2B5EF4-FFF2-40B4-BE49-F238E27FC236}">
+                  <a16:creationId xmlns:a16="http://schemas.microsoft.com/office/drawing/2014/main" id="{BD11937E-8A92-4A4D-9BE0-2447FDD99E75}"/>
+                </a:ext>
+              </a:extLst>
+            </p:cNvPr>
+            <p:cNvSpPr/>
+            <p:nvPr/>
+          </p:nvSpPr>
+          <p:spPr>
+            <a:xfrm>
+              <a:off x="1939158" y="5696607"/>
+              <a:ext cx="1135118" cy="689018"/>
+            </a:xfrm>
+            <a:custGeom>
+              <a:avLst/>
+              <a:gdLst>
+                <a:gd name="connsiteX0" fmla="*/ 0 w 1135118"/>
+                <a:gd name="connsiteY0" fmla="*/ 344509 h 689018"/>
+                <a:gd name="connsiteX1" fmla="*/ 567559 w 1135118"/>
+                <a:gd name="connsiteY1" fmla="*/ 0 h 689018"/>
+                <a:gd name="connsiteX2" fmla="*/ 1135118 w 1135118"/>
+                <a:gd name="connsiteY2" fmla="*/ 344509 h 689018"/>
+                <a:gd name="connsiteX3" fmla="*/ 567559 w 1135118"/>
+                <a:gd name="connsiteY3" fmla="*/ 689018 h 689018"/>
+                <a:gd name="connsiteX4" fmla="*/ 0 w 1135118"/>
+                <a:gd name="connsiteY4" fmla="*/ 344509 h 689018"/>
+              </a:gdLst>
+              <a:ahLst/>
+              <a:cxnLst>
+                <a:cxn ang="0">
+                  <a:pos x="connsiteX0" y="connsiteY0"/>
+                </a:cxn>
+                <a:cxn ang="0">
+                  <a:pos x="connsiteX1" y="connsiteY1"/>
+                </a:cxn>
+                <a:cxn ang="0">
+                  <a:pos x="connsiteX2" y="connsiteY2"/>
+                </a:cxn>
+                <a:cxn ang="0">
+                  <a:pos x="connsiteX3" y="connsiteY3"/>
+                </a:cxn>
+                <a:cxn ang="0">
+                  <a:pos x="connsiteX4" y="connsiteY4"/>
+                </a:cxn>
+              </a:cxnLst>
+              <a:rect l="l" t="t" r="r" b="b"/>
+              <a:pathLst>
+                <a:path w="1135118" h="689018" fill="none" extrusionOk="0">
+                  <a:moveTo>
+                    <a:pt x="0" y="344509"/>
+                  </a:moveTo>
+                  <a:cubicBezTo>
+                    <a:pt x="72767" y="185961"/>
+                    <a:pt x="251145" y="42054"/>
+                    <a:pt x="567559" y="0"/>
+                  </a:cubicBezTo>
+                  <a:cubicBezTo>
+                    <a:pt x="883138" y="-10268"/>
+                    <a:pt x="1085983" y="158796"/>
+                    <a:pt x="1135118" y="344509"/>
+                  </a:cubicBezTo>
+                  <a:cubicBezTo>
+                    <a:pt x="1175048" y="594593"/>
+                    <a:pt x="899929" y="752581"/>
+                    <a:pt x="567559" y="689018"/>
+                  </a:cubicBezTo>
+                  <a:cubicBezTo>
+                    <a:pt x="262937" y="702654"/>
+                    <a:pt x="-2461" y="526093"/>
+                    <a:pt x="0" y="344509"/>
+                  </a:cubicBezTo>
+                  <a:close/>
+                </a:path>
+                <a:path w="1135118" h="689018" stroke="0" extrusionOk="0">
+                  <a:moveTo>
+                    <a:pt x="0" y="344509"/>
+                  </a:moveTo>
+                  <a:cubicBezTo>
+                    <a:pt x="-2896" y="169656"/>
+                    <a:pt x="224554" y="-38146"/>
+                    <a:pt x="567559" y="0"/>
+                  </a:cubicBezTo>
+                  <a:cubicBezTo>
+                    <a:pt x="884884" y="-9071"/>
+                    <a:pt x="1143645" y="169998"/>
+                    <a:pt x="1135118" y="344509"/>
+                  </a:cubicBezTo>
+                  <a:cubicBezTo>
+                    <a:pt x="1147898" y="471924"/>
+                    <a:pt x="866751" y="649878"/>
+                    <a:pt x="567559" y="689018"/>
+                  </a:cubicBezTo>
+                  <a:cubicBezTo>
+                    <a:pt x="290668" y="655861"/>
+                    <a:pt x="-7422" y="534032"/>
+                    <a:pt x="0" y="344509"/>
+                  </a:cubicBezTo>
+                  <a:close/>
+                </a:path>
+              </a:pathLst>
+            </a:custGeom>
+            <a:ln w="12700">
+              <a:solidFill>
+                <a:srgbClr val="FF7415"/>
+              </a:solidFill>
+              <a:prstDash val="dash"/>
+              <a:extLst>
+                <a:ext uri="{C807C97D-BFC1-408E-A445-0C87EB9F89A2}">
+                  <ask:lineSketchStyleProps xmlns:ask="http://schemas.microsoft.com/office/drawing/2018/sketchyshapes" sd="3055301081">
+                    <a:prstGeom prst="ellipse">
+                      <a:avLst/>
+                    </a:prstGeom>
+                    <ask:type>
+                      <ask:lineSketchScribble/>
+                    </ask:type>
+                  </ask:lineSketchStyleProps>
+                </a:ext>
+              </a:extLst>
+            </a:ln>
+          </p:spPr>
+          <p:style>
+            <a:lnRef idx="2">
+              <a:schemeClr val="accent2"/>
+            </a:lnRef>
+            <a:fillRef idx="1">
+              <a:schemeClr val="lt1"/>
+            </a:fillRef>
+            <a:effectRef idx="0">
+              <a:schemeClr val="accent2"/>
+            </a:effectRef>
+            <a:fontRef idx="minor">
+              <a:schemeClr val="dk1"/>
+            </a:fontRef>
+          </p:style>
+          <p:txBody>
+            <a:bodyPr rtlCol="0" anchor="ctr"/>
+            <a:lstStyle/>
+            <a:p>
+              <a:pPr algn="ctr"/>
+              <a:endParaRPr lang="en-US" sz="1000" b="1" dirty="0">
+                <a:solidFill>
+                  <a:schemeClr val="dk1"/>
+                </a:solidFill>
+                <a:latin typeface="Cavolini" panose="020B0502040204020203" pitchFamily="66" charset="0"/>
+                <a:cs typeface="Cavolini" panose="020B0502040204020203" pitchFamily="66" charset="0"/>
+              </a:endParaRPr>
+            </a:p>
+          </p:txBody>
+        </p:sp>
+        <p:sp>
+          <p:nvSpPr>
+            <p:cNvPr id="4" name="TextBox 3">
+              <a:extLst>
+                <a:ext uri="{FF2B5EF4-FFF2-40B4-BE49-F238E27FC236}">
+                  <a16:creationId xmlns:a16="http://schemas.microsoft.com/office/drawing/2014/main" id="{78B076CB-4ADE-491F-9FC0-B9AD18B76E3A}"/>
+                </a:ext>
+              </a:extLst>
+            </p:cNvPr>
+            <p:cNvSpPr txBox="1"/>
+            <p:nvPr/>
+          </p:nvSpPr>
+          <p:spPr>
+            <a:xfrm>
+              <a:off x="1886608" y="5875282"/>
+              <a:ext cx="1240219" cy="410463"/>
+            </a:xfrm>
+            <a:prstGeom prst="rect">
+              <a:avLst/>
+            </a:prstGeom>
+            <a:noFill/>
+          </p:spPr>
+          <p:txBody>
+            <a:bodyPr wrap="square" rtlCol="0">
+              <a:spAutoFit/>
+            </a:bodyPr>
+            <a:lstStyle/>
+            <a:p>
+              <a:pPr algn="ctr"/>
+              <a:r>
+                <a:rPr lang="en-US" sz="1000" dirty="0">
+                  <a:latin typeface="Cavolini" panose="020B0502040204020203" pitchFamily="66" charset="0"/>
+                  <a:cs typeface="Cavolini" panose="020B0502040204020203" pitchFamily="66" charset="0"/>
+                </a:rPr>
+                <a:t>Resource Management</a:t>
+              </a:r>
+              <a:endParaRPr lang="en-US" sz="1000" dirty="0"/>
+            </a:p>
+          </p:txBody>
+        </p:sp>
+      </p:grpSp>
+      <p:grpSp>
+        <p:nvGrpSpPr>
+          <p:cNvPr id="18" name="Group 17">
+            <a:extLst>
+              <a:ext uri="{FF2B5EF4-FFF2-40B4-BE49-F238E27FC236}">
+                <a16:creationId xmlns:a16="http://schemas.microsoft.com/office/drawing/2014/main" id="{779F12C6-9F07-4A1C-AE9C-4C801F122EA7}"/>
+              </a:ext>
+            </a:extLst>
+          </p:cNvPr>
+          <p:cNvGrpSpPr/>
+          <p:nvPr/>
+        </p:nvGrpSpPr>
+        <p:grpSpPr>
+          <a:xfrm>
+            <a:off x="3617581" y="5337811"/>
+            <a:ext cx="1240219" cy="689018"/>
+            <a:chOff x="1886608" y="5696607"/>
+            <a:chExt cx="1240219" cy="689018"/>
+          </a:xfrm>
+        </p:grpSpPr>
+        <p:sp>
+          <p:nvSpPr>
+            <p:cNvPr id="19" name="Oval 18">
+              <a:extLst>
+                <a:ext uri="{FF2B5EF4-FFF2-40B4-BE49-F238E27FC236}">
+                  <a16:creationId xmlns:a16="http://schemas.microsoft.com/office/drawing/2014/main" id="{630E8FAA-7A37-4452-8D8C-7CD0F293B66A}"/>
+                </a:ext>
+              </a:extLst>
+            </p:cNvPr>
+            <p:cNvSpPr/>
+            <p:nvPr/>
+          </p:nvSpPr>
+          <p:spPr>
+            <a:xfrm>
+              <a:off x="1939158" y="5696607"/>
+              <a:ext cx="1135118" cy="689018"/>
+            </a:xfrm>
+            <a:custGeom>
+              <a:avLst/>
+              <a:gdLst>
+                <a:gd name="connsiteX0" fmla="*/ 0 w 1135118"/>
+                <a:gd name="connsiteY0" fmla="*/ 344509 h 689018"/>
+                <a:gd name="connsiteX1" fmla="*/ 567559 w 1135118"/>
+                <a:gd name="connsiteY1" fmla="*/ 0 h 689018"/>
+                <a:gd name="connsiteX2" fmla="*/ 1135118 w 1135118"/>
+                <a:gd name="connsiteY2" fmla="*/ 344509 h 689018"/>
+                <a:gd name="connsiteX3" fmla="*/ 567559 w 1135118"/>
+                <a:gd name="connsiteY3" fmla="*/ 689018 h 689018"/>
+                <a:gd name="connsiteX4" fmla="*/ 0 w 1135118"/>
+                <a:gd name="connsiteY4" fmla="*/ 344509 h 689018"/>
+              </a:gdLst>
+              <a:ahLst/>
+              <a:cxnLst>
+                <a:cxn ang="0">
+                  <a:pos x="connsiteX0" y="connsiteY0"/>
+                </a:cxn>
+                <a:cxn ang="0">
+                  <a:pos x="connsiteX1" y="connsiteY1"/>
+                </a:cxn>
+                <a:cxn ang="0">
+                  <a:pos x="connsiteX2" y="connsiteY2"/>
+                </a:cxn>
+                <a:cxn ang="0">
+                  <a:pos x="connsiteX3" y="connsiteY3"/>
+                </a:cxn>
+                <a:cxn ang="0">
+                  <a:pos x="connsiteX4" y="connsiteY4"/>
+                </a:cxn>
+              </a:cxnLst>
+              <a:rect l="l" t="t" r="r" b="b"/>
+              <a:pathLst>
+                <a:path w="1135118" h="689018" fill="none" extrusionOk="0">
+                  <a:moveTo>
+                    <a:pt x="0" y="344509"/>
+                  </a:moveTo>
+                  <a:cubicBezTo>
+                    <a:pt x="72767" y="185961"/>
+                    <a:pt x="251145" y="42054"/>
+                    <a:pt x="567559" y="0"/>
+                  </a:cubicBezTo>
+                  <a:cubicBezTo>
+                    <a:pt x="883138" y="-10268"/>
+                    <a:pt x="1085983" y="158796"/>
+                    <a:pt x="1135118" y="344509"/>
+                  </a:cubicBezTo>
+                  <a:cubicBezTo>
+                    <a:pt x="1175048" y="594593"/>
+                    <a:pt x="899929" y="752581"/>
+                    <a:pt x="567559" y="689018"/>
+                  </a:cubicBezTo>
+                  <a:cubicBezTo>
+                    <a:pt x="262937" y="702654"/>
+                    <a:pt x="-2461" y="526093"/>
+                    <a:pt x="0" y="344509"/>
+                  </a:cubicBezTo>
+                  <a:close/>
+                </a:path>
+                <a:path w="1135118" h="689018" stroke="0" extrusionOk="0">
+                  <a:moveTo>
+                    <a:pt x="0" y="344509"/>
+                  </a:moveTo>
+                  <a:cubicBezTo>
+                    <a:pt x="-2896" y="169656"/>
+                    <a:pt x="224554" y="-38146"/>
+                    <a:pt x="567559" y="0"/>
+                  </a:cubicBezTo>
+                  <a:cubicBezTo>
+                    <a:pt x="884884" y="-9071"/>
+                    <a:pt x="1143645" y="169998"/>
+                    <a:pt x="1135118" y="344509"/>
+                  </a:cubicBezTo>
+                  <a:cubicBezTo>
+                    <a:pt x="1147898" y="471924"/>
+                    <a:pt x="866751" y="649878"/>
+                    <a:pt x="567559" y="689018"/>
+                  </a:cubicBezTo>
+                  <a:cubicBezTo>
+                    <a:pt x="290668" y="655861"/>
+                    <a:pt x="-7422" y="534032"/>
+                    <a:pt x="0" y="344509"/>
+                  </a:cubicBezTo>
+                  <a:close/>
+                </a:path>
+              </a:pathLst>
+            </a:custGeom>
+            <a:ln w="12700">
+              <a:solidFill>
+                <a:srgbClr val="FF7415"/>
+              </a:solidFill>
+              <a:prstDash val="dash"/>
+              <a:extLst>
+                <a:ext uri="{C807C97D-BFC1-408E-A445-0C87EB9F89A2}">
+                  <ask:lineSketchStyleProps xmlns:ask="http://schemas.microsoft.com/office/drawing/2018/sketchyshapes" sd="3055301081">
+                    <a:prstGeom prst="ellipse">
+                      <a:avLst/>
+                    </a:prstGeom>
+                    <ask:type>
+                      <ask:lineSketchScribble/>
+                    </ask:type>
+                  </ask:lineSketchStyleProps>
+                </a:ext>
+              </a:extLst>
+            </a:ln>
+          </p:spPr>
+          <p:style>
+            <a:lnRef idx="2">
+              <a:schemeClr val="accent2"/>
+            </a:lnRef>
+            <a:fillRef idx="1">
+              <a:schemeClr val="lt1"/>
+            </a:fillRef>
+            <a:effectRef idx="0">
+              <a:schemeClr val="accent2"/>
+            </a:effectRef>
+            <a:fontRef idx="minor">
+              <a:schemeClr val="dk1"/>
+            </a:fontRef>
+          </p:style>
+          <p:txBody>
+            <a:bodyPr rtlCol="0" anchor="ctr"/>
+            <a:lstStyle/>
+            <a:p>
+              <a:pPr algn="ctr"/>
+              <a:endParaRPr lang="en-US" sz="1000" b="1" dirty="0">
+                <a:solidFill>
+                  <a:schemeClr val="dk1"/>
+                </a:solidFill>
+                <a:latin typeface="Cavolini" panose="020B0502040204020203" pitchFamily="66" charset="0"/>
+                <a:cs typeface="Cavolini" panose="020B0502040204020203" pitchFamily="66" charset="0"/>
+              </a:endParaRPr>
+            </a:p>
+          </p:txBody>
+        </p:sp>
+        <p:sp>
+          <p:nvSpPr>
+            <p:cNvPr id="20" name="TextBox 19">
+              <a:extLst>
+                <a:ext uri="{FF2B5EF4-FFF2-40B4-BE49-F238E27FC236}">
+                  <a16:creationId xmlns:a16="http://schemas.microsoft.com/office/drawing/2014/main" id="{4636EAB9-AE66-4F38-95E1-CD2D0C17258D}"/>
+                </a:ext>
+              </a:extLst>
+            </p:cNvPr>
+            <p:cNvSpPr txBox="1"/>
+            <p:nvPr/>
+          </p:nvSpPr>
+          <p:spPr>
+            <a:xfrm>
+              <a:off x="1886608" y="5875282"/>
+              <a:ext cx="1240219" cy="410463"/>
+            </a:xfrm>
+            <a:prstGeom prst="rect">
+              <a:avLst/>
+            </a:prstGeom>
+            <a:noFill/>
+          </p:spPr>
+          <p:txBody>
+            <a:bodyPr wrap="square" rtlCol="0">
+              <a:spAutoFit/>
+            </a:bodyPr>
+            <a:lstStyle/>
+            <a:p>
+              <a:pPr algn="ctr"/>
+              <a:r>
+                <a:rPr lang="en-US" sz="1000" dirty="0">
+                  <a:latin typeface="Cavolini" panose="020B0502040204020203" pitchFamily="66" charset="0"/>
+                  <a:cs typeface="Cavolini" panose="020B0502040204020203" pitchFamily="66" charset="0"/>
+                </a:rPr>
+                <a:t>RAN Slice Allocation</a:t>
+              </a:r>
+              <a:endParaRPr lang="en-US" sz="1000" dirty="0"/>
+            </a:p>
+          </p:txBody>
+        </p:sp>
+      </p:grpSp>
+      <p:grpSp>
+        <p:nvGrpSpPr>
+          <p:cNvPr id="21" name="Group 20">
+            <a:extLst>
+              <a:ext uri="{FF2B5EF4-FFF2-40B4-BE49-F238E27FC236}">
+                <a16:creationId xmlns:a16="http://schemas.microsoft.com/office/drawing/2014/main" id="{BBD4CCF9-5850-4492-94F4-221A8BA1619D}"/>
+              </a:ext>
+            </a:extLst>
+          </p:cNvPr>
+          <p:cNvGrpSpPr/>
+          <p:nvPr/>
+        </p:nvGrpSpPr>
+        <p:grpSpPr>
+          <a:xfrm>
+            <a:off x="2462655" y="5540655"/>
+            <a:ext cx="1240219" cy="689018"/>
+            <a:chOff x="1886608" y="5696607"/>
+            <a:chExt cx="1240219" cy="689018"/>
+          </a:xfrm>
+        </p:grpSpPr>
+        <p:sp>
+          <p:nvSpPr>
+            <p:cNvPr id="22" name="Oval 21">
+              <a:extLst>
+                <a:ext uri="{FF2B5EF4-FFF2-40B4-BE49-F238E27FC236}">
+                  <a16:creationId xmlns:a16="http://schemas.microsoft.com/office/drawing/2014/main" id="{DE6805B0-7D8D-43B8-92A4-75787E8A4220}"/>
+                </a:ext>
+              </a:extLst>
+            </p:cNvPr>
+            <p:cNvSpPr/>
+            <p:nvPr/>
+          </p:nvSpPr>
+          <p:spPr>
+            <a:xfrm>
+              <a:off x="1939158" y="5696607"/>
+              <a:ext cx="1135118" cy="689018"/>
+            </a:xfrm>
+            <a:custGeom>
+              <a:avLst/>
+              <a:gdLst>
+                <a:gd name="connsiteX0" fmla="*/ 0 w 1135118"/>
+                <a:gd name="connsiteY0" fmla="*/ 344509 h 689018"/>
+                <a:gd name="connsiteX1" fmla="*/ 567559 w 1135118"/>
+                <a:gd name="connsiteY1" fmla="*/ 0 h 689018"/>
+                <a:gd name="connsiteX2" fmla="*/ 1135118 w 1135118"/>
+                <a:gd name="connsiteY2" fmla="*/ 344509 h 689018"/>
+                <a:gd name="connsiteX3" fmla="*/ 567559 w 1135118"/>
+                <a:gd name="connsiteY3" fmla="*/ 689018 h 689018"/>
+                <a:gd name="connsiteX4" fmla="*/ 0 w 1135118"/>
+                <a:gd name="connsiteY4" fmla="*/ 344509 h 689018"/>
+              </a:gdLst>
+              <a:ahLst/>
+              <a:cxnLst>
+                <a:cxn ang="0">
+                  <a:pos x="connsiteX0" y="connsiteY0"/>
+                </a:cxn>
+                <a:cxn ang="0">
+                  <a:pos x="connsiteX1" y="connsiteY1"/>
+                </a:cxn>
+                <a:cxn ang="0">
+                  <a:pos x="connsiteX2" y="connsiteY2"/>
+                </a:cxn>
+                <a:cxn ang="0">
+                  <a:pos x="connsiteX3" y="connsiteY3"/>
+                </a:cxn>
+                <a:cxn ang="0">
+                  <a:pos x="connsiteX4" y="connsiteY4"/>
+                </a:cxn>
+              </a:cxnLst>
+              <a:rect l="l" t="t" r="r" b="b"/>
+              <a:pathLst>
+                <a:path w="1135118" h="689018" fill="none" extrusionOk="0">
+                  <a:moveTo>
+                    <a:pt x="0" y="344509"/>
+                  </a:moveTo>
+                  <a:cubicBezTo>
+                    <a:pt x="72767" y="185961"/>
+                    <a:pt x="251145" y="42054"/>
+                    <a:pt x="567559" y="0"/>
+                  </a:cubicBezTo>
+                  <a:cubicBezTo>
+                    <a:pt x="883138" y="-10268"/>
+                    <a:pt x="1085983" y="158796"/>
+                    <a:pt x="1135118" y="344509"/>
+                  </a:cubicBezTo>
+                  <a:cubicBezTo>
+                    <a:pt x="1175048" y="594593"/>
+                    <a:pt x="899929" y="752581"/>
+                    <a:pt x="567559" y="689018"/>
+                  </a:cubicBezTo>
+                  <a:cubicBezTo>
+                    <a:pt x="262937" y="702654"/>
+                    <a:pt x="-2461" y="526093"/>
+                    <a:pt x="0" y="344509"/>
+                  </a:cubicBezTo>
+                  <a:close/>
+                </a:path>
+                <a:path w="1135118" h="689018" stroke="0" extrusionOk="0">
+                  <a:moveTo>
+                    <a:pt x="0" y="344509"/>
+                  </a:moveTo>
+                  <a:cubicBezTo>
+                    <a:pt x="-2896" y="169656"/>
+                    <a:pt x="224554" y="-38146"/>
+                    <a:pt x="567559" y="0"/>
+                  </a:cubicBezTo>
+                  <a:cubicBezTo>
+                    <a:pt x="884884" y="-9071"/>
+                    <a:pt x="1143645" y="169998"/>
+                    <a:pt x="1135118" y="344509"/>
+                  </a:cubicBezTo>
+                  <a:cubicBezTo>
+                    <a:pt x="1147898" y="471924"/>
+                    <a:pt x="866751" y="649878"/>
+                    <a:pt x="567559" y="689018"/>
+                  </a:cubicBezTo>
+                  <a:cubicBezTo>
+                    <a:pt x="290668" y="655861"/>
+                    <a:pt x="-7422" y="534032"/>
+                    <a:pt x="0" y="344509"/>
+                  </a:cubicBezTo>
+                  <a:close/>
+                </a:path>
+              </a:pathLst>
+            </a:custGeom>
+            <a:ln w="12700">
+              <a:solidFill>
+                <a:srgbClr val="FF7415"/>
+              </a:solidFill>
+              <a:prstDash val="dash"/>
+              <a:extLst>
+                <a:ext uri="{C807C97D-BFC1-408E-A445-0C87EB9F89A2}">
+                  <ask:lineSketchStyleProps xmlns:ask="http://schemas.microsoft.com/office/drawing/2018/sketchyshapes" sd="3055301081">
+                    <a:prstGeom prst="ellipse">
+                      <a:avLst/>
+                    </a:prstGeom>
+                    <ask:type>
+                      <ask:lineSketchScribble/>
+                    </ask:type>
+                  </ask:lineSketchStyleProps>
+                </a:ext>
+              </a:extLst>
+            </a:ln>
+          </p:spPr>
+          <p:style>
+            <a:lnRef idx="2">
+              <a:schemeClr val="accent2"/>
+            </a:lnRef>
+            <a:fillRef idx="1">
+              <a:schemeClr val="lt1"/>
+            </a:fillRef>
+            <a:effectRef idx="0">
+              <a:schemeClr val="accent2"/>
+            </a:effectRef>
+            <a:fontRef idx="minor">
+              <a:schemeClr val="dk1"/>
+            </a:fontRef>
+          </p:style>
+          <p:txBody>
+            <a:bodyPr rtlCol="0" anchor="ctr"/>
+            <a:lstStyle/>
+            <a:p>
+              <a:pPr algn="ctr"/>
+              <a:endParaRPr lang="en-US" sz="1000" b="1" dirty="0">
+                <a:solidFill>
+                  <a:schemeClr val="dk1"/>
+                </a:solidFill>
+                <a:latin typeface="Cavolini" panose="020B0502040204020203" pitchFamily="66" charset="0"/>
+                <a:cs typeface="Cavolini" panose="020B0502040204020203" pitchFamily="66" charset="0"/>
+              </a:endParaRPr>
+            </a:p>
+          </p:txBody>
+        </p:sp>
+        <p:sp>
+          <p:nvSpPr>
+            <p:cNvPr id="23" name="TextBox 22">
+              <a:extLst>
+                <a:ext uri="{FF2B5EF4-FFF2-40B4-BE49-F238E27FC236}">
+                  <a16:creationId xmlns:a16="http://schemas.microsoft.com/office/drawing/2014/main" id="{36C49226-9408-44DF-9D9B-80E283ECF0CE}"/>
+                </a:ext>
+              </a:extLst>
+            </p:cNvPr>
+            <p:cNvSpPr txBox="1"/>
+            <p:nvPr/>
+          </p:nvSpPr>
+          <p:spPr>
+            <a:xfrm>
+              <a:off x="1886608" y="5875282"/>
+              <a:ext cx="1240219" cy="410463"/>
+            </a:xfrm>
+            <a:prstGeom prst="rect">
+              <a:avLst/>
+            </a:prstGeom>
+            <a:noFill/>
+          </p:spPr>
+          <p:txBody>
+            <a:bodyPr wrap="square" rtlCol="0">
+              <a:spAutoFit/>
+            </a:bodyPr>
+            <a:lstStyle/>
+            <a:p>
+              <a:pPr algn="ctr"/>
+              <a:r>
+                <a:rPr lang="en-US" sz="1000" dirty="0">
+                  <a:latin typeface="Cavolini" panose="020B0502040204020203" pitchFamily="66" charset="0"/>
+                  <a:cs typeface="Cavolini" panose="020B0502040204020203" pitchFamily="66" charset="0"/>
+                </a:rPr>
+                <a:t>Load Optimizer</a:t>
+              </a:r>
+              <a:endParaRPr lang="en-US" sz="1000" dirty="0"/>
+            </a:p>
+          </p:txBody>
+        </p:sp>
+      </p:grpSp>
+      <p:cxnSp>
+        <p:nvCxnSpPr>
+          <p:cNvPr id="8" name="Straight Connector 7">
+            <a:extLst>
+              <a:ext uri="{FF2B5EF4-FFF2-40B4-BE49-F238E27FC236}">
+                <a16:creationId xmlns:a16="http://schemas.microsoft.com/office/drawing/2014/main" id="{F0F2B79D-03A1-4BE4-A5E9-7C6B7E9D86F1}"/>
+              </a:ext>
+            </a:extLst>
+          </p:cNvPr>
+          <p:cNvCxnSpPr>
+            <a:cxnSpLocks/>
+          </p:cNvCxnSpPr>
+          <p:nvPr/>
+        </p:nvCxnSpPr>
+        <p:spPr>
+          <a:xfrm flipH="1">
+            <a:off x="2435176" y="5130466"/>
+            <a:ext cx="280743" cy="289289"/>
+          </a:xfrm>
+          <a:prstGeom prst="line">
+            <a:avLst/>
+          </a:prstGeom>
+          <a:ln w="19050">
+            <a:solidFill>
+              <a:srgbClr val="FF7415"/>
+            </a:solidFill>
+          </a:ln>
+        </p:spPr>
+        <p:style>
+          <a:lnRef idx="1">
+            <a:schemeClr val="accent1"/>
+          </a:lnRef>
+          <a:fillRef idx="0">
+            <a:schemeClr val="accent1"/>
+          </a:fillRef>
+          <a:effectRef idx="0">
+            <a:schemeClr val="accent1"/>
+          </a:effectRef>
+          <a:fontRef idx="minor">
+            <a:schemeClr val="tx1"/>
+          </a:fontRef>
+        </p:style>
+      </p:cxnSp>
+      <p:cxnSp>
+        <p:nvCxnSpPr>
+          <p:cNvPr id="28" name="Straight Connector 27">
+            <a:extLst>
+              <a:ext uri="{FF2B5EF4-FFF2-40B4-BE49-F238E27FC236}">
+                <a16:creationId xmlns:a16="http://schemas.microsoft.com/office/drawing/2014/main" id="{DB272FFA-75B7-41FF-9A8E-0797C90BF475}"/>
+              </a:ext>
+            </a:extLst>
+          </p:cNvPr>
+          <p:cNvCxnSpPr>
+            <a:cxnSpLocks/>
+          </p:cNvCxnSpPr>
+          <p:nvPr/>
+        </p:nvCxnSpPr>
+        <p:spPr>
+          <a:xfrm flipH="1">
+            <a:off x="3082764" y="5190113"/>
+            <a:ext cx="2030" cy="340032"/>
+          </a:xfrm>
+          <a:prstGeom prst="line">
+            <a:avLst/>
+          </a:prstGeom>
+          <a:ln w="19050">
+            <a:solidFill>
+              <a:srgbClr val="FF7415"/>
+            </a:solidFill>
+          </a:ln>
+        </p:spPr>
+        <p:style>
+          <a:lnRef idx="1">
+            <a:schemeClr val="accent1"/>
+          </a:lnRef>
+          <a:fillRef idx="0">
+            <a:schemeClr val="accent1"/>
+          </a:fillRef>
+          <a:effectRef idx="0">
+            <a:schemeClr val="accent1"/>
+          </a:effectRef>
+          <a:fontRef idx="minor">
+            <a:schemeClr val="tx1"/>
+          </a:fontRef>
+        </p:style>
+      </p:cxnSp>
+      <p:cxnSp>
+        <p:nvCxnSpPr>
+          <p:cNvPr id="30" name="Straight Connector 29">
+            <a:extLst>
+              <a:ext uri="{FF2B5EF4-FFF2-40B4-BE49-F238E27FC236}">
+                <a16:creationId xmlns:a16="http://schemas.microsoft.com/office/drawing/2014/main" id="{3E67ECA8-47C3-48D7-BC9A-A551B33405EE}"/>
+              </a:ext>
+            </a:extLst>
+          </p:cNvPr>
+          <p:cNvCxnSpPr>
+            <a:cxnSpLocks/>
+            <a:endCxn id="19" idx="1"/>
+          </p:cNvCxnSpPr>
+          <p:nvPr/>
+        </p:nvCxnSpPr>
+        <p:spPr>
+          <a:xfrm>
+            <a:off x="3373483" y="5130466"/>
+            <a:ext cx="462882" cy="308249"/>
+          </a:xfrm>
+          <a:prstGeom prst="line">
+            <a:avLst/>
+          </a:prstGeom>
+          <a:ln w="19050">
+            <a:solidFill>
+              <a:srgbClr val="FF7415"/>
+            </a:solidFill>
+          </a:ln>
+        </p:spPr>
+        <p:style>
+          <a:lnRef idx="1">
+            <a:schemeClr val="accent1"/>
+          </a:lnRef>
+          <a:fillRef idx="0">
+            <a:schemeClr val="accent1"/>
+          </a:fillRef>
+          <a:effectRef idx="0">
+            <a:schemeClr val="accent1"/>
+          </a:effectRef>
+          <a:fontRef idx="minor">
+            <a:schemeClr val="tx1"/>
+          </a:fontRef>
+        </p:style>
+      </p:cxnSp>
+      <p:grpSp>
+        <p:nvGrpSpPr>
+          <p:cNvPr id="35" name="Group 34">
+            <a:extLst>
+              <a:ext uri="{FF2B5EF4-FFF2-40B4-BE49-F238E27FC236}">
+                <a16:creationId xmlns:a16="http://schemas.microsoft.com/office/drawing/2014/main" id="{623DB51D-D58C-4020-B63C-152AD2D7466D}"/>
+              </a:ext>
+            </a:extLst>
+          </p:cNvPr>
+          <p:cNvGrpSpPr/>
+          <p:nvPr/>
+        </p:nvGrpSpPr>
+        <p:grpSpPr>
+          <a:xfrm>
+            <a:off x="7822919" y="1919021"/>
+            <a:ext cx="1240219" cy="689018"/>
+            <a:chOff x="1886608" y="5696607"/>
+            <a:chExt cx="1240219" cy="689018"/>
+          </a:xfrm>
+        </p:grpSpPr>
+        <p:sp>
+          <p:nvSpPr>
+            <p:cNvPr id="36" name="Oval 35">
+              <a:extLst>
+                <a:ext uri="{FF2B5EF4-FFF2-40B4-BE49-F238E27FC236}">
+                  <a16:creationId xmlns:a16="http://schemas.microsoft.com/office/drawing/2014/main" id="{10520D19-E0D2-42EF-80CC-B87475E63B3B}"/>
+                </a:ext>
+              </a:extLst>
+            </p:cNvPr>
+            <p:cNvSpPr/>
+            <p:nvPr/>
+          </p:nvSpPr>
+          <p:spPr>
+            <a:xfrm>
+              <a:off x="1939158" y="5696607"/>
+              <a:ext cx="1135118" cy="689018"/>
+            </a:xfrm>
+            <a:custGeom>
+              <a:avLst/>
+              <a:gdLst>
+                <a:gd name="connsiteX0" fmla="*/ 0 w 1135118"/>
+                <a:gd name="connsiteY0" fmla="*/ 344509 h 689018"/>
+                <a:gd name="connsiteX1" fmla="*/ 567559 w 1135118"/>
+                <a:gd name="connsiteY1" fmla="*/ 0 h 689018"/>
+                <a:gd name="connsiteX2" fmla="*/ 1135118 w 1135118"/>
+                <a:gd name="connsiteY2" fmla="*/ 344509 h 689018"/>
+                <a:gd name="connsiteX3" fmla="*/ 567559 w 1135118"/>
+                <a:gd name="connsiteY3" fmla="*/ 689018 h 689018"/>
+                <a:gd name="connsiteX4" fmla="*/ 0 w 1135118"/>
+                <a:gd name="connsiteY4" fmla="*/ 344509 h 689018"/>
+              </a:gdLst>
+              <a:ahLst/>
+              <a:cxnLst>
+                <a:cxn ang="0">
+                  <a:pos x="connsiteX0" y="connsiteY0"/>
+                </a:cxn>
+                <a:cxn ang="0">
+                  <a:pos x="connsiteX1" y="connsiteY1"/>
+                </a:cxn>
+                <a:cxn ang="0">
+                  <a:pos x="connsiteX2" y="connsiteY2"/>
+                </a:cxn>
+                <a:cxn ang="0">
+                  <a:pos x="connsiteX3" y="connsiteY3"/>
+                </a:cxn>
+                <a:cxn ang="0">
+                  <a:pos x="connsiteX4" y="connsiteY4"/>
+                </a:cxn>
+              </a:cxnLst>
+              <a:rect l="l" t="t" r="r" b="b"/>
+              <a:pathLst>
+                <a:path w="1135118" h="689018" fill="none" extrusionOk="0">
+                  <a:moveTo>
+                    <a:pt x="0" y="344509"/>
+                  </a:moveTo>
+                  <a:cubicBezTo>
+                    <a:pt x="72767" y="185961"/>
+                    <a:pt x="251145" y="42054"/>
+                    <a:pt x="567559" y="0"/>
+                  </a:cubicBezTo>
+                  <a:cubicBezTo>
+                    <a:pt x="883138" y="-10268"/>
+                    <a:pt x="1085983" y="158796"/>
+                    <a:pt x="1135118" y="344509"/>
+                  </a:cubicBezTo>
+                  <a:cubicBezTo>
+                    <a:pt x="1175048" y="594593"/>
+                    <a:pt x="899929" y="752581"/>
+                    <a:pt x="567559" y="689018"/>
+                  </a:cubicBezTo>
+                  <a:cubicBezTo>
+                    <a:pt x="262937" y="702654"/>
+                    <a:pt x="-2461" y="526093"/>
+                    <a:pt x="0" y="344509"/>
+                  </a:cubicBezTo>
+                  <a:close/>
+                </a:path>
+                <a:path w="1135118" h="689018" stroke="0" extrusionOk="0">
+                  <a:moveTo>
+                    <a:pt x="0" y="344509"/>
+                  </a:moveTo>
+                  <a:cubicBezTo>
+                    <a:pt x="-2896" y="169656"/>
+                    <a:pt x="224554" y="-38146"/>
+                    <a:pt x="567559" y="0"/>
+                  </a:cubicBezTo>
+                  <a:cubicBezTo>
+                    <a:pt x="884884" y="-9071"/>
+                    <a:pt x="1143645" y="169998"/>
+                    <a:pt x="1135118" y="344509"/>
+                  </a:cubicBezTo>
+                  <a:cubicBezTo>
+                    <a:pt x="1147898" y="471924"/>
+                    <a:pt x="866751" y="649878"/>
+                    <a:pt x="567559" y="689018"/>
+                  </a:cubicBezTo>
+                  <a:cubicBezTo>
+                    <a:pt x="290668" y="655861"/>
+                    <a:pt x="-7422" y="534032"/>
+                    <a:pt x="0" y="344509"/>
+                  </a:cubicBezTo>
+                  <a:close/>
+                </a:path>
+              </a:pathLst>
+            </a:custGeom>
+            <a:ln w="12700">
+              <a:solidFill>
+                <a:schemeClr val="accent1"/>
+              </a:solidFill>
+              <a:prstDash val="dash"/>
+              <a:extLst>
+                <a:ext uri="{C807C97D-BFC1-408E-A445-0C87EB9F89A2}">
+                  <ask:lineSketchStyleProps xmlns:ask="http://schemas.microsoft.com/office/drawing/2018/sketchyshapes" sd="3055301081">
+                    <a:prstGeom prst="ellipse">
+                      <a:avLst/>
+                    </a:prstGeom>
+                    <ask:type>
+                      <ask:lineSketchScribble/>
+                    </ask:type>
+                  </ask:lineSketchStyleProps>
+                </a:ext>
+              </a:extLst>
+            </a:ln>
+          </p:spPr>
+          <p:style>
+            <a:lnRef idx="2">
+              <a:schemeClr val="accent2"/>
+            </a:lnRef>
+            <a:fillRef idx="1">
+              <a:schemeClr val="lt1"/>
+            </a:fillRef>
+            <a:effectRef idx="0">
+              <a:schemeClr val="accent2"/>
+            </a:effectRef>
+            <a:fontRef idx="minor">
+              <a:schemeClr val="dk1"/>
+            </a:fontRef>
+          </p:style>
+          <p:txBody>
+            <a:bodyPr rtlCol="0" anchor="ctr"/>
+            <a:lstStyle/>
+            <a:p>
+              <a:pPr algn="ctr"/>
+              <a:endParaRPr lang="en-US" sz="1000" b="1" dirty="0">
+                <a:solidFill>
+                  <a:schemeClr val="dk1"/>
+                </a:solidFill>
+                <a:latin typeface="Cavolini" panose="020B0502040204020203" pitchFamily="66" charset="0"/>
+                <a:cs typeface="Cavolini" panose="020B0502040204020203" pitchFamily="66" charset="0"/>
+              </a:endParaRPr>
+            </a:p>
+          </p:txBody>
+        </p:sp>
+        <p:sp>
+          <p:nvSpPr>
+            <p:cNvPr id="37" name="TextBox 36">
+              <a:extLst>
+                <a:ext uri="{FF2B5EF4-FFF2-40B4-BE49-F238E27FC236}">
+                  <a16:creationId xmlns:a16="http://schemas.microsoft.com/office/drawing/2014/main" id="{2FF5553F-4EE3-4AE1-A666-598A5387FB80}"/>
+                </a:ext>
+              </a:extLst>
+            </p:cNvPr>
+            <p:cNvSpPr txBox="1"/>
+            <p:nvPr/>
+          </p:nvSpPr>
+          <p:spPr>
+            <a:xfrm>
+              <a:off x="1886608" y="5875282"/>
+              <a:ext cx="1240219" cy="400110"/>
+            </a:xfrm>
+            <a:prstGeom prst="rect">
+              <a:avLst/>
+            </a:prstGeom>
+            <a:noFill/>
+          </p:spPr>
+          <p:txBody>
+            <a:bodyPr wrap="square" rtlCol="0">
+              <a:spAutoFit/>
+            </a:bodyPr>
+            <a:lstStyle/>
+            <a:p>
+              <a:pPr algn="ctr"/>
+              <a:r>
+                <a:rPr lang="en-US" sz="1000" dirty="0">
+                  <a:latin typeface="Cavolini" panose="020B0502040204020203" pitchFamily="66" charset="0"/>
+                  <a:cs typeface="Cavolini" panose="020B0502040204020203" pitchFamily="66" charset="0"/>
+                </a:rPr>
+                <a:t>Demand Forecast</a:t>
+              </a:r>
+              <a:endParaRPr lang="en-US" sz="1000" dirty="0"/>
+            </a:p>
+          </p:txBody>
+        </p:sp>
+      </p:grpSp>
+      <p:grpSp>
+        <p:nvGrpSpPr>
+          <p:cNvPr id="38" name="Group 37">
+            <a:extLst>
+              <a:ext uri="{FF2B5EF4-FFF2-40B4-BE49-F238E27FC236}">
+                <a16:creationId xmlns:a16="http://schemas.microsoft.com/office/drawing/2014/main" id="{48669198-033C-4A97-A90E-809EAE311BF4}"/>
+              </a:ext>
+            </a:extLst>
+          </p:cNvPr>
+          <p:cNvGrpSpPr/>
+          <p:nvPr/>
+        </p:nvGrpSpPr>
+        <p:grpSpPr>
+          <a:xfrm>
+            <a:off x="10107697" y="1991020"/>
+            <a:ext cx="1240219" cy="689018"/>
+            <a:chOff x="1886608" y="5696607"/>
+            <a:chExt cx="1240219" cy="689018"/>
+          </a:xfrm>
+        </p:grpSpPr>
+        <p:sp>
+          <p:nvSpPr>
+            <p:cNvPr id="39" name="Oval 38">
+              <a:extLst>
+                <a:ext uri="{FF2B5EF4-FFF2-40B4-BE49-F238E27FC236}">
+                  <a16:creationId xmlns:a16="http://schemas.microsoft.com/office/drawing/2014/main" id="{8991861F-A8D2-47B4-8F5E-319041B88006}"/>
+                </a:ext>
+              </a:extLst>
+            </p:cNvPr>
+            <p:cNvSpPr/>
+            <p:nvPr/>
+          </p:nvSpPr>
+          <p:spPr>
+            <a:xfrm>
+              <a:off x="1939158" y="5696607"/>
+              <a:ext cx="1135118" cy="689018"/>
+            </a:xfrm>
+            <a:custGeom>
+              <a:avLst/>
+              <a:gdLst>
+                <a:gd name="connsiteX0" fmla="*/ 0 w 1135118"/>
+                <a:gd name="connsiteY0" fmla="*/ 344509 h 689018"/>
+                <a:gd name="connsiteX1" fmla="*/ 567559 w 1135118"/>
+                <a:gd name="connsiteY1" fmla="*/ 0 h 689018"/>
+                <a:gd name="connsiteX2" fmla="*/ 1135118 w 1135118"/>
+                <a:gd name="connsiteY2" fmla="*/ 344509 h 689018"/>
+                <a:gd name="connsiteX3" fmla="*/ 567559 w 1135118"/>
+                <a:gd name="connsiteY3" fmla="*/ 689018 h 689018"/>
+                <a:gd name="connsiteX4" fmla="*/ 0 w 1135118"/>
+                <a:gd name="connsiteY4" fmla="*/ 344509 h 689018"/>
+              </a:gdLst>
+              <a:ahLst/>
+              <a:cxnLst>
+                <a:cxn ang="0">
+                  <a:pos x="connsiteX0" y="connsiteY0"/>
+                </a:cxn>
+                <a:cxn ang="0">
+                  <a:pos x="connsiteX1" y="connsiteY1"/>
+                </a:cxn>
+                <a:cxn ang="0">
+                  <a:pos x="connsiteX2" y="connsiteY2"/>
+                </a:cxn>
+                <a:cxn ang="0">
+                  <a:pos x="connsiteX3" y="connsiteY3"/>
+                </a:cxn>
+                <a:cxn ang="0">
+                  <a:pos x="connsiteX4" y="connsiteY4"/>
+                </a:cxn>
+              </a:cxnLst>
+              <a:rect l="l" t="t" r="r" b="b"/>
+              <a:pathLst>
+                <a:path w="1135118" h="689018" fill="none" extrusionOk="0">
+                  <a:moveTo>
+                    <a:pt x="0" y="344509"/>
+                  </a:moveTo>
+                  <a:cubicBezTo>
+                    <a:pt x="72767" y="185961"/>
+                    <a:pt x="251145" y="42054"/>
+                    <a:pt x="567559" y="0"/>
+                  </a:cubicBezTo>
+                  <a:cubicBezTo>
+                    <a:pt x="883138" y="-10268"/>
+                    <a:pt x="1085983" y="158796"/>
+                    <a:pt x="1135118" y="344509"/>
+                  </a:cubicBezTo>
+                  <a:cubicBezTo>
+                    <a:pt x="1175048" y="594593"/>
+                    <a:pt x="899929" y="752581"/>
+                    <a:pt x="567559" y="689018"/>
+                  </a:cubicBezTo>
+                  <a:cubicBezTo>
+                    <a:pt x="262937" y="702654"/>
+                    <a:pt x="-2461" y="526093"/>
+                    <a:pt x="0" y="344509"/>
+                  </a:cubicBezTo>
+                  <a:close/>
+                </a:path>
+                <a:path w="1135118" h="689018" stroke="0" extrusionOk="0">
+                  <a:moveTo>
+                    <a:pt x="0" y="344509"/>
+                  </a:moveTo>
+                  <a:cubicBezTo>
+                    <a:pt x="-2896" y="169656"/>
+                    <a:pt x="224554" y="-38146"/>
+                    <a:pt x="567559" y="0"/>
+                  </a:cubicBezTo>
+                  <a:cubicBezTo>
+                    <a:pt x="884884" y="-9071"/>
+                    <a:pt x="1143645" y="169998"/>
+                    <a:pt x="1135118" y="344509"/>
+                  </a:cubicBezTo>
+                  <a:cubicBezTo>
+                    <a:pt x="1147898" y="471924"/>
+                    <a:pt x="866751" y="649878"/>
+                    <a:pt x="567559" y="689018"/>
+                  </a:cubicBezTo>
+                  <a:cubicBezTo>
+                    <a:pt x="290668" y="655861"/>
+                    <a:pt x="-7422" y="534032"/>
+                    <a:pt x="0" y="344509"/>
+                  </a:cubicBezTo>
+                  <a:close/>
+                </a:path>
+              </a:pathLst>
+            </a:custGeom>
+            <a:ln w="12700">
+              <a:solidFill>
+                <a:schemeClr val="accent1"/>
+              </a:solidFill>
+              <a:prstDash val="dash"/>
+              <a:extLst>
+                <a:ext uri="{C807C97D-BFC1-408E-A445-0C87EB9F89A2}">
+                  <ask:lineSketchStyleProps xmlns:ask="http://schemas.microsoft.com/office/drawing/2018/sketchyshapes" sd="3055301081">
+                    <a:prstGeom prst="ellipse">
+                      <a:avLst/>
+                    </a:prstGeom>
+                    <ask:type>
+                      <ask:lineSketchScribble/>
+                    </ask:type>
+                  </ask:lineSketchStyleProps>
+                </a:ext>
+              </a:extLst>
+            </a:ln>
+          </p:spPr>
+          <p:style>
+            <a:lnRef idx="2">
+              <a:schemeClr val="accent2"/>
+            </a:lnRef>
+            <a:fillRef idx="1">
+              <a:schemeClr val="lt1"/>
+            </a:fillRef>
+            <a:effectRef idx="0">
+              <a:schemeClr val="accent2"/>
+            </a:effectRef>
+            <a:fontRef idx="minor">
+              <a:schemeClr val="dk1"/>
+            </a:fontRef>
+          </p:style>
+          <p:txBody>
+            <a:bodyPr rtlCol="0" anchor="ctr"/>
+            <a:lstStyle/>
+            <a:p>
+              <a:pPr algn="ctr"/>
+              <a:endParaRPr lang="en-US" sz="1000" b="1" dirty="0">
+                <a:solidFill>
+                  <a:schemeClr val="dk1"/>
+                </a:solidFill>
+                <a:latin typeface="Cavolini" panose="020B0502040204020203" pitchFamily="66" charset="0"/>
+                <a:cs typeface="Cavolini" panose="020B0502040204020203" pitchFamily="66" charset="0"/>
+              </a:endParaRPr>
+            </a:p>
+          </p:txBody>
+        </p:sp>
+        <p:sp>
+          <p:nvSpPr>
+            <p:cNvPr id="40" name="TextBox 39">
+              <a:extLst>
+                <a:ext uri="{FF2B5EF4-FFF2-40B4-BE49-F238E27FC236}">
+                  <a16:creationId xmlns:a16="http://schemas.microsoft.com/office/drawing/2014/main" id="{3E77F80C-5EEE-4AE7-A2D7-F1CDE1AFE2C4}"/>
+                </a:ext>
+              </a:extLst>
+            </p:cNvPr>
+            <p:cNvSpPr txBox="1"/>
+            <p:nvPr/>
+          </p:nvSpPr>
+          <p:spPr>
+            <a:xfrm>
+              <a:off x="1886608" y="5875282"/>
+              <a:ext cx="1240219" cy="400110"/>
+            </a:xfrm>
+            <a:prstGeom prst="rect">
+              <a:avLst/>
+            </a:prstGeom>
+            <a:noFill/>
+          </p:spPr>
+          <p:txBody>
+            <a:bodyPr wrap="square" rtlCol="0">
+              <a:spAutoFit/>
+            </a:bodyPr>
+            <a:lstStyle/>
+            <a:p>
+              <a:pPr algn="ctr"/>
+              <a:r>
+                <a:rPr lang="en-US" sz="1000" dirty="0">
+                  <a:latin typeface="Cavolini" panose="020B0502040204020203" pitchFamily="66" charset="0"/>
+                  <a:cs typeface="Cavolini" panose="020B0502040204020203" pitchFamily="66" charset="0"/>
+                </a:rPr>
+                <a:t>Allocation Confirmation</a:t>
+              </a:r>
+              <a:endParaRPr lang="en-US" sz="1000" dirty="0"/>
+            </a:p>
+          </p:txBody>
+        </p:sp>
+      </p:grpSp>
+      <p:grpSp>
+        <p:nvGrpSpPr>
+          <p:cNvPr id="41" name="Group 40">
+            <a:extLst>
+              <a:ext uri="{FF2B5EF4-FFF2-40B4-BE49-F238E27FC236}">
+                <a16:creationId xmlns:a16="http://schemas.microsoft.com/office/drawing/2014/main" id="{D6785E34-0A1A-4A0E-929B-DE03C1A858DC}"/>
+              </a:ext>
+            </a:extLst>
+          </p:cNvPr>
+          <p:cNvGrpSpPr/>
+          <p:nvPr/>
+        </p:nvGrpSpPr>
+        <p:grpSpPr>
+          <a:xfrm>
+            <a:off x="8962068" y="2130804"/>
+            <a:ext cx="1240219" cy="689018"/>
+            <a:chOff x="1886608" y="5696607"/>
+            <a:chExt cx="1240219" cy="689018"/>
+          </a:xfrm>
+        </p:grpSpPr>
+        <p:sp>
+          <p:nvSpPr>
+            <p:cNvPr id="42" name="Oval 41">
+              <a:extLst>
+                <a:ext uri="{FF2B5EF4-FFF2-40B4-BE49-F238E27FC236}">
+                  <a16:creationId xmlns:a16="http://schemas.microsoft.com/office/drawing/2014/main" id="{C2D05FF0-DF54-4086-8C14-1DE119CFBBA5}"/>
+                </a:ext>
+              </a:extLst>
+            </p:cNvPr>
+            <p:cNvSpPr/>
+            <p:nvPr/>
+          </p:nvSpPr>
+          <p:spPr>
+            <a:xfrm>
+              <a:off x="1939158" y="5696607"/>
+              <a:ext cx="1135118" cy="689018"/>
+            </a:xfrm>
+            <a:custGeom>
+              <a:avLst/>
+              <a:gdLst>
+                <a:gd name="connsiteX0" fmla="*/ 0 w 1135118"/>
+                <a:gd name="connsiteY0" fmla="*/ 344509 h 689018"/>
+                <a:gd name="connsiteX1" fmla="*/ 567559 w 1135118"/>
+                <a:gd name="connsiteY1" fmla="*/ 0 h 689018"/>
+                <a:gd name="connsiteX2" fmla="*/ 1135118 w 1135118"/>
+                <a:gd name="connsiteY2" fmla="*/ 344509 h 689018"/>
+                <a:gd name="connsiteX3" fmla="*/ 567559 w 1135118"/>
+                <a:gd name="connsiteY3" fmla="*/ 689018 h 689018"/>
+                <a:gd name="connsiteX4" fmla="*/ 0 w 1135118"/>
+                <a:gd name="connsiteY4" fmla="*/ 344509 h 689018"/>
+              </a:gdLst>
+              <a:ahLst/>
+              <a:cxnLst>
+                <a:cxn ang="0">
+                  <a:pos x="connsiteX0" y="connsiteY0"/>
+                </a:cxn>
+                <a:cxn ang="0">
+                  <a:pos x="connsiteX1" y="connsiteY1"/>
+                </a:cxn>
+                <a:cxn ang="0">
+                  <a:pos x="connsiteX2" y="connsiteY2"/>
+                </a:cxn>
+                <a:cxn ang="0">
+                  <a:pos x="connsiteX3" y="connsiteY3"/>
+                </a:cxn>
+                <a:cxn ang="0">
+                  <a:pos x="connsiteX4" y="connsiteY4"/>
+                </a:cxn>
+              </a:cxnLst>
+              <a:rect l="l" t="t" r="r" b="b"/>
+              <a:pathLst>
+                <a:path w="1135118" h="689018" fill="none" extrusionOk="0">
+                  <a:moveTo>
+                    <a:pt x="0" y="344509"/>
+                  </a:moveTo>
+                  <a:cubicBezTo>
+                    <a:pt x="72767" y="185961"/>
+                    <a:pt x="251145" y="42054"/>
+                    <a:pt x="567559" y="0"/>
+                  </a:cubicBezTo>
+                  <a:cubicBezTo>
+                    <a:pt x="883138" y="-10268"/>
+                    <a:pt x="1085983" y="158796"/>
+                    <a:pt x="1135118" y="344509"/>
+                  </a:cubicBezTo>
+                  <a:cubicBezTo>
+                    <a:pt x="1175048" y="594593"/>
+                    <a:pt x="899929" y="752581"/>
+                    <a:pt x="567559" y="689018"/>
+                  </a:cubicBezTo>
+                  <a:cubicBezTo>
+                    <a:pt x="262937" y="702654"/>
+                    <a:pt x="-2461" y="526093"/>
+                    <a:pt x="0" y="344509"/>
+                  </a:cubicBezTo>
+                  <a:close/>
+                </a:path>
+                <a:path w="1135118" h="689018" stroke="0" extrusionOk="0">
+                  <a:moveTo>
+                    <a:pt x="0" y="344509"/>
+                  </a:moveTo>
+                  <a:cubicBezTo>
+                    <a:pt x="-2896" y="169656"/>
+                    <a:pt x="224554" y="-38146"/>
+                    <a:pt x="567559" y="0"/>
+                  </a:cubicBezTo>
+                  <a:cubicBezTo>
+                    <a:pt x="884884" y="-9071"/>
+                    <a:pt x="1143645" y="169998"/>
+                    <a:pt x="1135118" y="344509"/>
+                  </a:cubicBezTo>
+                  <a:cubicBezTo>
+                    <a:pt x="1147898" y="471924"/>
+                    <a:pt x="866751" y="649878"/>
+                    <a:pt x="567559" y="689018"/>
+                  </a:cubicBezTo>
+                  <a:cubicBezTo>
+                    <a:pt x="290668" y="655861"/>
+                    <a:pt x="-7422" y="534032"/>
+                    <a:pt x="0" y="344509"/>
+                  </a:cubicBezTo>
+                  <a:close/>
+                </a:path>
+              </a:pathLst>
+            </a:custGeom>
+            <a:ln w="12700">
+              <a:solidFill>
+                <a:schemeClr val="accent1"/>
+              </a:solidFill>
+              <a:prstDash val="dash"/>
+              <a:extLst>
+                <a:ext uri="{C807C97D-BFC1-408E-A445-0C87EB9F89A2}">
+                  <ask:lineSketchStyleProps xmlns:ask="http://schemas.microsoft.com/office/drawing/2018/sketchyshapes" sd="3055301081">
+                    <a:prstGeom prst="ellipse">
+                      <a:avLst/>
+                    </a:prstGeom>
+                    <ask:type>
+                      <ask:lineSketchScribble/>
+                    </ask:type>
+                  </ask:lineSketchStyleProps>
+                </a:ext>
+              </a:extLst>
+            </a:ln>
+          </p:spPr>
+          <p:style>
+            <a:lnRef idx="2">
+              <a:schemeClr val="accent2"/>
+            </a:lnRef>
+            <a:fillRef idx="1">
+              <a:schemeClr val="lt1"/>
+            </a:fillRef>
+            <a:effectRef idx="0">
+              <a:schemeClr val="accent2"/>
+            </a:effectRef>
+            <a:fontRef idx="minor">
+              <a:schemeClr val="dk1"/>
+            </a:fontRef>
+          </p:style>
+          <p:txBody>
+            <a:bodyPr rtlCol="0" anchor="ctr"/>
+            <a:lstStyle/>
+            <a:p>
+              <a:pPr algn="ctr"/>
+              <a:endParaRPr lang="en-US" sz="1000" b="1" dirty="0">
+                <a:solidFill>
+                  <a:schemeClr val="dk1"/>
+                </a:solidFill>
+                <a:latin typeface="Cavolini" panose="020B0502040204020203" pitchFamily="66" charset="0"/>
+                <a:cs typeface="Cavolini" panose="020B0502040204020203" pitchFamily="66" charset="0"/>
+              </a:endParaRPr>
+            </a:p>
+          </p:txBody>
+        </p:sp>
+        <p:sp>
+          <p:nvSpPr>
+            <p:cNvPr id="43" name="TextBox 42">
+              <a:extLst>
+                <a:ext uri="{FF2B5EF4-FFF2-40B4-BE49-F238E27FC236}">
+                  <a16:creationId xmlns:a16="http://schemas.microsoft.com/office/drawing/2014/main" id="{B1F2A87E-DF9C-42CE-B834-5F7C76B89B97}"/>
+                </a:ext>
+              </a:extLst>
+            </p:cNvPr>
+            <p:cNvSpPr txBox="1"/>
+            <p:nvPr/>
+          </p:nvSpPr>
+          <p:spPr>
+            <a:xfrm>
+              <a:off x="1886608" y="5875282"/>
+              <a:ext cx="1240219" cy="400110"/>
+            </a:xfrm>
+            <a:prstGeom prst="rect">
+              <a:avLst/>
+            </a:prstGeom>
+            <a:noFill/>
+          </p:spPr>
+          <p:txBody>
+            <a:bodyPr wrap="square" rtlCol="0">
+              <a:spAutoFit/>
+            </a:bodyPr>
+            <a:lstStyle/>
+            <a:p>
+              <a:pPr algn="ctr"/>
+              <a:r>
+                <a:rPr lang="en-US" sz="1000" dirty="0">
+                  <a:latin typeface="Cavolini" panose="020B0502040204020203" pitchFamily="66" charset="0"/>
+                  <a:cs typeface="Cavolini" panose="020B0502040204020203" pitchFamily="66" charset="0"/>
+                </a:rPr>
+                <a:t>Optimizer Feedback</a:t>
+              </a:r>
+              <a:endParaRPr lang="en-US" sz="1000" dirty="0"/>
+            </a:p>
+          </p:txBody>
+        </p:sp>
+      </p:grpSp>
+      <p:cxnSp>
+        <p:nvCxnSpPr>
+          <p:cNvPr id="44" name="Straight Connector 43">
+            <a:extLst>
+              <a:ext uri="{FF2B5EF4-FFF2-40B4-BE49-F238E27FC236}">
+                <a16:creationId xmlns:a16="http://schemas.microsoft.com/office/drawing/2014/main" id="{58134C7C-1501-42C1-B063-207DFBD89AC4}"/>
+              </a:ext>
+            </a:extLst>
+          </p:cNvPr>
+          <p:cNvCxnSpPr>
+            <a:cxnSpLocks/>
+          </p:cNvCxnSpPr>
+          <p:nvPr/>
+        </p:nvCxnSpPr>
+        <p:spPr>
+          <a:xfrm flipH="1">
+            <a:off x="8925292" y="1783675"/>
+            <a:ext cx="280743" cy="289289"/>
+          </a:xfrm>
+          <a:prstGeom prst="line">
+            <a:avLst/>
+          </a:prstGeom>
+          <a:ln w="19050">
+            <a:solidFill>
+              <a:schemeClr val="accent1"/>
+            </a:solidFill>
+          </a:ln>
+        </p:spPr>
+        <p:style>
+          <a:lnRef idx="1">
+            <a:schemeClr val="accent1"/>
+          </a:lnRef>
+          <a:fillRef idx="0">
+            <a:schemeClr val="accent1"/>
+          </a:fillRef>
+          <a:effectRef idx="0">
+            <a:schemeClr val="accent1"/>
+          </a:effectRef>
+          <a:fontRef idx="minor">
+            <a:schemeClr val="tx1"/>
+          </a:fontRef>
+        </p:style>
+      </p:cxnSp>
+      <p:cxnSp>
+        <p:nvCxnSpPr>
+          <p:cNvPr id="45" name="Straight Connector 44">
+            <a:extLst>
+              <a:ext uri="{FF2B5EF4-FFF2-40B4-BE49-F238E27FC236}">
+                <a16:creationId xmlns:a16="http://schemas.microsoft.com/office/drawing/2014/main" id="{0D645B89-7579-4BD0-A002-297E41DDE59E}"/>
+              </a:ext>
+            </a:extLst>
+          </p:cNvPr>
+          <p:cNvCxnSpPr>
+            <a:cxnSpLocks/>
+          </p:cNvCxnSpPr>
+          <p:nvPr/>
+        </p:nvCxnSpPr>
+        <p:spPr>
+          <a:xfrm flipH="1">
+            <a:off x="9593900" y="1801282"/>
+            <a:ext cx="2030" cy="340032"/>
+          </a:xfrm>
+          <a:prstGeom prst="line">
+            <a:avLst/>
+          </a:prstGeom>
+          <a:ln w="19050">
+            <a:solidFill>
+              <a:schemeClr val="accent1"/>
+            </a:solidFill>
+          </a:ln>
+        </p:spPr>
+        <p:style>
+          <a:lnRef idx="1">
+            <a:schemeClr val="accent1"/>
+          </a:lnRef>
+          <a:fillRef idx="0">
+            <a:schemeClr val="accent1"/>
+          </a:fillRef>
+          <a:effectRef idx="0">
+            <a:schemeClr val="accent1"/>
+          </a:effectRef>
+          <a:fontRef idx="minor">
+            <a:schemeClr val="tx1"/>
+          </a:fontRef>
+        </p:style>
+      </p:cxnSp>
+      <p:cxnSp>
+        <p:nvCxnSpPr>
+          <p:cNvPr id="46" name="Straight Connector 45">
+            <a:extLst>
+              <a:ext uri="{FF2B5EF4-FFF2-40B4-BE49-F238E27FC236}">
+                <a16:creationId xmlns:a16="http://schemas.microsoft.com/office/drawing/2014/main" id="{D5743EA1-FA6A-41D9-B404-512300CAD293}"/>
+              </a:ext>
+            </a:extLst>
+          </p:cNvPr>
+          <p:cNvCxnSpPr>
+            <a:cxnSpLocks/>
+            <a:endCxn id="39" idx="1"/>
+          </p:cNvCxnSpPr>
+          <p:nvPr/>
+        </p:nvCxnSpPr>
+        <p:spPr>
+          <a:xfrm>
+            <a:off x="9863599" y="1783675"/>
+            <a:ext cx="462882" cy="308249"/>
+          </a:xfrm>
+          <a:prstGeom prst="line">
+            <a:avLst/>
+          </a:prstGeom>
+          <a:ln w="19050">
+            <a:solidFill>
+              <a:schemeClr val="accent1"/>
+            </a:solidFill>
+          </a:ln>
+        </p:spPr>
+        <p:style>
+          <a:lnRef idx="1">
+            <a:schemeClr val="accent1"/>
+          </a:lnRef>
+          <a:fillRef idx="0">
+            <a:schemeClr val="accent1"/>
+          </a:fillRef>
+          <a:effectRef idx="0">
+            <a:schemeClr val="accent1"/>
+          </a:effectRef>
+          <a:fontRef idx="minor">
+            <a:schemeClr val="tx1"/>
+          </a:fontRef>
+        </p:style>
+      </p:cxnSp>
+      <p:grpSp>
+        <p:nvGrpSpPr>
+          <p:cNvPr id="47" name="Group 46">
+            <a:extLst>
+              <a:ext uri="{FF2B5EF4-FFF2-40B4-BE49-F238E27FC236}">
+                <a16:creationId xmlns:a16="http://schemas.microsoft.com/office/drawing/2014/main" id="{F927F425-450A-45F0-AF95-A86D349EBB6E}"/>
+              </a:ext>
+            </a:extLst>
+          </p:cNvPr>
+          <p:cNvGrpSpPr/>
+          <p:nvPr/>
+        </p:nvGrpSpPr>
+        <p:grpSpPr>
+          <a:xfrm>
+            <a:off x="7828179" y="5344046"/>
+            <a:ext cx="1240219" cy="689018"/>
+            <a:chOff x="1886608" y="5696607"/>
+            <a:chExt cx="1240219" cy="689018"/>
+          </a:xfrm>
+        </p:grpSpPr>
+        <p:sp>
+          <p:nvSpPr>
+            <p:cNvPr id="49" name="Oval 48">
+              <a:extLst>
+                <a:ext uri="{FF2B5EF4-FFF2-40B4-BE49-F238E27FC236}">
+                  <a16:creationId xmlns:a16="http://schemas.microsoft.com/office/drawing/2014/main" id="{69DFDC2C-725E-4754-9861-C772451E6555}"/>
+                </a:ext>
+              </a:extLst>
+            </p:cNvPr>
+            <p:cNvSpPr/>
+            <p:nvPr/>
+          </p:nvSpPr>
+          <p:spPr>
+            <a:xfrm>
+              <a:off x="1939158" y="5696607"/>
+              <a:ext cx="1135118" cy="689018"/>
+            </a:xfrm>
+            <a:custGeom>
+              <a:avLst/>
+              <a:gdLst>
+                <a:gd name="connsiteX0" fmla="*/ 0 w 1135118"/>
+                <a:gd name="connsiteY0" fmla="*/ 344509 h 689018"/>
+                <a:gd name="connsiteX1" fmla="*/ 567559 w 1135118"/>
+                <a:gd name="connsiteY1" fmla="*/ 0 h 689018"/>
+                <a:gd name="connsiteX2" fmla="*/ 1135118 w 1135118"/>
+                <a:gd name="connsiteY2" fmla="*/ 344509 h 689018"/>
+                <a:gd name="connsiteX3" fmla="*/ 567559 w 1135118"/>
+                <a:gd name="connsiteY3" fmla="*/ 689018 h 689018"/>
+                <a:gd name="connsiteX4" fmla="*/ 0 w 1135118"/>
+                <a:gd name="connsiteY4" fmla="*/ 344509 h 689018"/>
+              </a:gdLst>
+              <a:ahLst/>
+              <a:cxnLst>
+                <a:cxn ang="0">
+                  <a:pos x="connsiteX0" y="connsiteY0"/>
+                </a:cxn>
+                <a:cxn ang="0">
+                  <a:pos x="connsiteX1" y="connsiteY1"/>
+                </a:cxn>
+                <a:cxn ang="0">
+                  <a:pos x="connsiteX2" y="connsiteY2"/>
+                </a:cxn>
+                <a:cxn ang="0">
+                  <a:pos x="connsiteX3" y="connsiteY3"/>
+                </a:cxn>
+                <a:cxn ang="0">
+                  <a:pos x="connsiteX4" y="connsiteY4"/>
+                </a:cxn>
+              </a:cxnLst>
+              <a:rect l="l" t="t" r="r" b="b"/>
+              <a:pathLst>
+                <a:path w="1135118" h="689018" fill="none" extrusionOk="0">
+                  <a:moveTo>
+                    <a:pt x="0" y="344509"/>
+                  </a:moveTo>
+                  <a:cubicBezTo>
+                    <a:pt x="72767" y="185961"/>
+                    <a:pt x="251145" y="42054"/>
+                    <a:pt x="567559" y="0"/>
+                  </a:cubicBezTo>
+                  <a:cubicBezTo>
+                    <a:pt x="883138" y="-10268"/>
+                    <a:pt x="1085983" y="158796"/>
+                    <a:pt x="1135118" y="344509"/>
+                  </a:cubicBezTo>
+                  <a:cubicBezTo>
+                    <a:pt x="1175048" y="594593"/>
+                    <a:pt x="899929" y="752581"/>
+                    <a:pt x="567559" y="689018"/>
+                  </a:cubicBezTo>
+                  <a:cubicBezTo>
+                    <a:pt x="262937" y="702654"/>
+                    <a:pt x="-2461" y="526093"/>
+                    <a:pt x="0" y="344509"/>
+                  </a:cubicBezTo>
+                  <a:close/>
+                </a:path>
+                <a:path w="1135118" h="689018" stroke="0" extrusionOk="0">
+                  <a:moveTo>
+                    <a:pt x="0" y="344509"/>
+                  </a:moveTo>
+                  <a:cubicBezTo>
+                    <a:pt x="-2896" y="169656"/>
+                    <a:pt x="224554" y="-38146"/>
+                    <a:pt x="567559" y="0"/>
+                  </a:cubicBezTo>
+                  <a:cubicBezTo>
+                    <a:pt x="884884" y="-9071"/>
+                    <a:pt x="1143645" y="169998"/>
+                    <a:pt x="1135118" y="344509"/>
+                  </a:cubicBezTo>
+                  <a:cubicBezTo>
+                    <a:pt x="1147898" y="471924"/>
+                    <a:pt x="866751" y="649878"/>
+                    <a:pt x="567559" y="689018"/>
+                  </a:cubicBezTo>
+                  <a:cubicBezTo>
+                    <a:pt x="290668" y="655861"/>
+                    <a:pt x="-7422" y="534032"/>
+                    <a:pt x="0" y="344509"/>
+                  </a:cubicBezTo>
+                  <a:close/>
+                </a:path>
+              </a:pathLst>
+            </a:custGeom>
+            <a:ln w="12700">
+              <a:solidFill>
+                <a:schemeClr val="accent6">
+                  <a:lumMod val="75000"/>
+                </a:schemeClr>
+              </a:solidFill>
+              <a:prstDash val="dash"/>
+              <a:extLst>
+                <a:ext uri="{C807C97D-BFC1-408E-A445-0C87EB9F89A2}">
+                  <ask:lineSketchStyleProps xmlns:ask="http://schemas.microsoft.com/office/drawing/2018/sketchyshapes" sd="3055301081">
+                    <a:prstGeom prst="ellipse">
+                      <a:avLst/>
+                    </a:prstGeom>
+                    <ask:type>
+                      <ask:lineSketchScribble/>
+                    </ask:type>
+                  </ask:lineSketchStyleProps>
+                </a:ext>
+              </a:extLst>
+            </a:ln>
+          </p:spPr>
+          <p:style>
+            <a:lnRef idx="2">
+              <a:schemeClr val="accent2"/>
+            </a:lnRef>
+            <a:fillRef idx="1">
+              <a:schemeClr val="lt1"/>
+            </a:fillRef>
+            <a:effectRef idx="0">
+              <a:schemeClr val="accent2"/>
+            </a:effectRef>
+            <a:fontRef idx="minor">
+              <a:schemeClr val="dk1"/>
+            </a:fontRef>
+          </p:style>
+          <p:txBody>
+            <a:bodyPr rtlCol="0" anchor="ctr"/>
+            <a:lstStyle/>
+            <a:p>
+              <a:pPr algn="ctr"/>
+              <a:endParaRPr lang="en-US" sz="1000" b="1" dirty="0">
+                <a:solidFill>
+                  <a:schemeClr val="dk1"/>
+                </a:solidFill>
+                <a:latin typeface="Cavolini" panose="020B0502040204020203" pitchFamily="66" charset="0"/>
+                <a:cs typeface="Cavolini" panose="020B0502040204020203" pitchFamily="66" charset="0"/>
+              </a:endParaRPr>
+            </a:p>
+          </p:txBody>
+        </p:sp>
+        <p:sp>
+          <p:nvSpPr>
+            <p:cNvPr id="50" name="TextBox 49">
+              <a:extLst>
+                <a:ext uri="{FF2B5EF4-FFF2-40B4-BE49-F238E27FC236}">
+                  <a16:creationId xmlns:a16="http://schemas.microsoft.com/office/drawing/2014/main" id="{BF50ECF6-B83A-4DDF-9AA9-2A8920A6EC0D}"/>
+                </a:ext>
+              </a:extLst>
+            </p:cNvPr>
+            <p:cNvSpPr txBox="1"/>
+            <p:nvPr/>
+          </p:nvSpPr>
+          <p:spPr>
+            <a:xfrm>
+              <a:off x="1886608" y="5875282"/>
+              <a:ext cx="1240219" cy="400110"/>
+            </a:xfrm>
+            <a:prstGeom prst="rect">
+              <a:avLst/>
+            </a:prstGeom>
+            <a:noFill/>
+          </p:spPr>
+          <p:txBody>
+            <a:bodyPr wrap="square" rtlCol="0">
+              <a:spAutoFit/>
+            </a:bodyPr>
+            <a:lstStyle/>
+            <a:p>
+              <a:pPr algn="ctr"/>
+              <a:r>
+                <a:rPr lang="en-US" sz="1000" dirty="0">
+                  <a:latin typeface="Cavolini" panose="020B0502040204020203" pitchFamily="66" charset="0"/>
+                  <a:cs typeface="Cavolini" panose="020B0502040204020203" pitchFamily="66" charset="0"/>
+                </a:rPr>
+                <a:t>Demand Forecast</a:t>
+              </a:r>
+              <a:endParaRPr lang="en-US" sz="1000" dirty="0"/>
+            </a:p>
+          </p:txBody>
+        </p:sp>
+      </p:grpSp>
+      <p:grpSp>
+        <p:nvGrpSpPr>
+          <p:cNvPr id="51" name="Group 50">
+            <a:extLst>
+              <a:ext uri="{FF2B5EF4-FFF2-40B4-BE49-F238E27FC236}">
+                <a16:creationId xmlns:a16="http://schemas.microsoft.com/office/drawing/2014/main" id="{D82F3407-BA84-4C59-9F9F-C07F2C49D579}"/>
+              </a:ext>
+            </a:extLst>
+          </p:cNvPr>
+          <p:cNvGrpSpPr/>
+          <p:nvPr/>
+        </p:nvGrpSpPr>
+        <p:grpSpPr>
+          <a:xfrm>
+            <a:off x="10112957" y="5416045"/>
+            <a:ext cx="1240219" cy="689018"/>
+            <a:chOff x="1886608" y="5696607"/>
+            <a:chExt cx="1240219" cy="689018"/>
+          </a:xfrm>
+        </p:grpSpPr>
+        <p:sp>
+          <p:nvSpPr>
+            <p:cNvPr id="52" name="Oval 51">
+              <a:extLst>
+                <a:ext uri="{FF2B5EF4-FFF2-40B4-BE49-F238E27FC236}">
+                  <a16:creationId xmlns:a16="http://schemas.microsoft.com/office/drawing/2014/main" id="{E292E247-8566-4A75-9D49-A05605F246F4}"/>
+                </a:ext>
+              </a:extLst>
+            </p:cNvPr>
+            <p:cNvSpPr/>
+            <p:nvPr/>
+          </p:nvSpPr>
+          <p:spPr>
+            <a:xfrm>
+              <a:off x="1939158" y="5696607"/>
+              <a:ext cx="1135118" cy="689018"/>
+            </a:xfrm>
+            <a:custGeom>
+              <a:avLst/>
+              <a:gdLst>
+                <a:gd name="connsiteX0" fmla="*/ 0 w 1135118"/>
+                <a:gd name="connsiteY0" fmla="*/ 344509 h 689018"/>
+                <a:gd name="connsiteX1" fmla="*/ 567559 w 1135118"/>
+                <a:gd name="connsiteY1" fmla="*/ 0 h 689018"/>
+                <a:gd name="connsiteX2" fmla="*/ 1135118 w 1135118"/>
+                <a:gd name="connsiteY2" fmla="*/ 344509 h 689018"/>
+                <a:gd name="connsiteX3" fmla="*/ 567559 w 1135118"/>
+                <a:gd name="connsiteY3" fmla="*/ 689018 h 689018"/>
+                <a:gd name="connsiteX4" fmla="*/ 0 w 1135118"/>
+                <a:gd name="connsiteY4" fmla="*/ 344509 h 689018"/>
+              </a:gdLst>
+              <a:ahLst/>
+              <a:cxnLst>
+                <a:cxn ang="0">
+                  <a:pos x="connsiteX0" y="connsiteY0"/>
+                </a:cxn>
+                <a:cxn ang="0">
+                  <a:pos x="connsiteX1" y="connsiteY1"/>
+                </a:cxn>
+                <a:cxn ang="0">
+                  <a:pos x="connsiteX2" y="connsiteY2"/>
+                </a:cxn>
+                <a:cxn ang="0">
+                  <a:pos x="connsiteX3" y="connsiteY3"/>
+                </a:cxn>
+                <a:cxn ang="0">
+                  <a:pos x="connsiteX4" y="connsiteY4"/>
+                </a:cxn>
+              </a:cxnLst>
+              <a:rect l="l" t="t" r="r" b="b"/>
+              <a:pathLst>
+                <a:path w="1135118" h="689018" fill="none" extrusionOk="0">
+                  <a:moveTo>
+                    <a:pt x="0" y="344509"/>
+                  </a:moveTo>
+                  <a:cubicBezTo>
+                    <a:pt x="72767" y="185961"/>
+                    <a:pt x="251145" y="42054"/>
+                    <a:pt x="567559" y="0"/>
+                  </a:cubicBezTo>
+                  <a:cubicBezTo>
+                    <a:pt x="883138" y="-10268"/>
+                    <a:pt x="1085983" y="158796"/>
+                    <a:pt x="1135118" y="344509"/>
+                  </a:cubicBezTo>
+                  <a:cubicBezTo>
+                    <a:pt x="1175048" y="594593"/>
+                    <a:pt x="899929" y="752581"/>
+                    <a:pt x="567559" y="689018"/>
+                  </a:cubicBezTo>
+                  <a:cubicBezTo>
+                    <a:pt x="262937" y="702654"/>
+                    <a:pt x="-2461" y="526093"/>
+                    <a:pt x="0" y="344509"/>
+                  </a:cubicBezTo>
+                  <a:close/>
+                </a:path>
+                <a:path w="1135118" h="689018" stroke="0" extrusionOk="0">
+                  <a:moveTo>
+                    <a:pt x="0" y="344509"/>
+                  </a:moveTo>
+                  <a:cubicBezTo>
+                    <a:pt x="-2896" y="169656"/>
+                    <a:pt x="224554" y="-38146"/>
+                    <a:pt x="567559" y="0"/>
+                  </a:cubicBezTo>
+                  <a:cubicBezTo>
+                    <a:pt x="884884" y="-9071"/>
+                    <a:pt x="1143645" y="169998"/>
+                    <a:pt x="1135118" y="344509"/>
+                  </a:cubicBezTo>
+                  <a:cubicBezTo>
+                    <a:pt x="1147898" y="471924"/>
+                    <a:pt x="866751" y="649878"/>
+                    <a:pt x="567559" y="689018"/>
+                  </a:cubicBezTo>
+                  <a:cubicBezTo>
+                    <a:pt x="290668" y="655861"/>
+                    <a:pt x="-7422" y="534032"/>
+                    <a:pt x="0" y="344509"/>
+                  </a:cubicBezTo>
+                  <a:close/>
+                </a:path>
+              </a:pathLst>
+            </a:custGeom>
+            <a:noFill/>
+            <a:ln w="12700">
+              <a:solidFill>
+                <a:schemeClr val="accent6">
+                  <a:lumMod val="75000"/>
+                </a:schemeClr>
+              </a:solidFill>
+              <a:prstDash val="dash"/>
+              <a:extLst>
+                <a:ext uri="{C807C97D-BFC1-408E-A445-0C87EB9F89A2}">
+                  <ask:lineSketchStyleProps xmlns:ask="http://schemas.microsoft.com/office/drawing/2018/sketchyshapes" sd="3055301081">
+                    <a:prstGeom prst="ellipse">
+                      <a:avLst/>
+                    </a:prstGeom>
+                    <ask:type>
+                      <ask:lineSketchScribble/>
+                    </ask:type>
+                  </ask:lineSketchStyleProps>
+                </a:ext>
+              </a:extLst>
+            </a:ln>
+          </p:spPr>
+          <p:style>
+            <a:lnRef idx="2">
+              <a:schemeClr val="accent2"/>
+            </a:lnRef>
+            <a:fillRef idx="1">
+              <a:schemeClr val="lt1"/>
+            </a:fillRef>
+            <a:effectRef idx="0">
+              <a:schemeClr val="accent2"/>
+            </a:effectRef>
+            <a:fontRef idx="minor">
+              <a:schemeClr val="dk1"/>
+            </a:fontRef>
+          </p:style>
+          <p:txBody>
+            <a:bodyPr rtlCol="0" anchor="ctr"/>
+            <a:lstStyle/>
+            <a:p>
+              <a:pPr algn="ctr"/>
+              <a:endParaRPr lang="en-US" sz="1000" b="1" dirty="0">
+                <a:solidFill>
+                  <a:schemeClr val="dk1"/>
+                </a:solidFill>
+                <a:latin typeface="Cavolini" panose="020B0502040204020203" pitchFamily="66" charset="0"/>
+                <a:cs typeface="Cavolini" panose="020B0502040204020203" pitchFamily="66" charset="0"/>
+              </a:endParaRPr>
+            </a:p>
+          </p:txBody>
+        </p:sp>
+        <p:sp>
+          <p:nvSpPr>
+            <p:cNvPr id="53" name="TextBox 52">
+              <a:extLst>
+                <a:ext uri="{FF2B5EF4-FFF2-40B4-BE49-F238E27FC236}">
+                  <a16:creationId xmlns:a16="http://schemas.microsoft.com/office/drawing/2014/main" id="{3A520892-B1F5-4FC5-B296-92ED99C45FC6}"/>
+                </a:ext>
+              </a:extLst>
+            </p:cNvPr>
+            <p:cNvSpPr txBox="1"/>
+            <p:nvPr/>
+          </p:nvSpPr>
+          <p:spPr>
+            <a:xfrm>
+              <a:off x="1886608" y="5875282"/>
+              <a:ext cx="1240219" cy="400110"/>
+            </a:xfrm>
+            <a:prstGeom prst="rect">
+              <a:avLst/>
+            </a:prstGeom>
+            <a:noFill/>
+          </p:spPr>
+          <p:txBody>
+            <a:bodyPr wrap="square" rtlCol="0">
+              <a:spAutoFit/>
+            </a:bodyPr>
+            <a:lstStyle/>
+            <a:p>
+              <a:pPr algn="ctr"/>
+              <a:r>
+                <a:rPr lang="en-US" sz="1000" dirty="0">
+                  <a:latin typeface="Cavolini" panose="020B0502040204020203" pitchFamily="66" charset="0"/>
+                  <a:cs typeface="Cavolini" panose="020B0502040204020203" pitchFamily="66" charset="0"/>
+                </a:rPr>
+                <a:t>Allocation Confirmation</a:t>
+              </a:r>
+              <a:endParaRPr lang="en-US" sz="1000" dirty="0"/>
+            </a:p>
+          </p:txBody>
+        </p:sp>
+      </p:grpSp>
+      <p:grpSp>
+        <p:nvGrpSpPr>
+          <p:cNvPr id="54" name="Group 53">
+            <a:extLst>
+              <a:ext uri="{FF2B5EF4-FFF2-40B4-BE49-F238E27FC236}">
+                <a16:creationId xmlns:a16="http://schemas.microsoft.com/office/drawing/2014/main" id="{6DEBDE09-6597-418D-B147-90377161BACF}"/>
+              </a:ext>
+            </a:extLst>
+          </p:cNvPr>
+          <p:cNvGrpSpPr/>
+          <p:nvPr/>
+        </p:nvGrpSpPr>
+        <p:grpSpPr>
+          <a:xfrm>
+            <a:off x="8967328" y="5566339"/>
+            <a:ext cx="1240219" cy="689018"/>
+            <a:chOff x="1886608" y="5696607"/>
+            <a:chExt cx="1240219" cy="689018"/>
+          </a:xfrm>
+        </p:grpSpPr>
+        <p:sp>
+          <p:nvSpPr>
+            <p:cNvPr id="55" name="Oval 54">
+              <a:extLst>
+                <a:ext uri="{FF2B5EF4-FFF2-40B4-BE49-F238E27FC236}">
+                  <a16:creationId xmlns:a16="http://schemas.microsoft.com/office/drawing/2014/main" id="{4F243581-96D3-4B72-A6FA-6592C54C8AD4}"/>
+                </a:ext>
+              </a:extLst>
+            </p:cNvPr>
+            <p:cNvSpPr/>
+            <p:nvPr/>
+          </p:nvSpPr>
+          <p:spPr>
+            <a:xfrm>
+              <a:off x="1939158" y="5696607"/>
+              <a:ext cx="1135118" cy="689018"/>
+            </a:xfrm>
+            <a:custGeom>
+              <a:avLst/>
+              <a:gdLst>
+                <a:gd name="connsiteX0" fmla="*/ 0 w 1135118"/>
+                <a:gd name="connsiteY0" fmla="*/ 344509 h 689018"/>
+                <a:gd name="connsiteX1" fmla="*/ 567559 w 1135118"/>
+                <a:gd name="connsiteY1" fmla="*/ 0 h 689018"/>
+                <a:gd name="connsiteX2" fmla="*/ 1135118 w 1135118"/>
+                <a:gd name="connsiteY2" fmla="*/ 344509 h 689018"/>
+                <a:gd name="connsiteX3" fmla="*/ 567559 w 1135118"/>
+                <a:gd name="connsiteY3" fmla="*/ 689018 h 689018"/>
+                <a:gd name="connsiteX4" fmla="*/ 0 w 1135118"/>
+                <a:gd name="connsiteY4" fmla="*/ 344509 h 689018"/>
+              </a:gdLst>
+              <a:ahLst/>
+              <a:cxnLst>
+                <a:cxn ang="0">
+                  <a:pos x="connsiteX0" y="connsiteY0"/>
+                </a:cxn>
+                <a:cxn ang="0">
+                  <a:pos x="connsiteX1" y="connsiteY1"/>
+                </a:cxn>
+                <a:cxn ang="0">
+                  <a:pos x="connsiteX2" y="connsiteY2"/>
+                </a:cxn>
+                <a:cxn ang="0">
+                  <a:pos x="connsiteX3" y="connsiteY3"/>
+                </a:cxn>
+                <a:cxn ang="0">
+                  <a:pos x="connsiteX4" y="connsiteY4"/>
+                </a:cxn>
+              </a:cxnLst>
+              <a:rect l="l" t="t" r="r" b="b"/>
+              <a:pathLst>
+                <a:path w="1135118" h="689018" fill="none" extrusionOk="0">
+                  <a:moveTo>
+                    <a:pt x="0" y="344509"/>
+                  </a:moveTo>
+                  <a:cubicBezTo>
+                    <a:pt x="72767" y="185961"/>
+                    <a:pt x="251145" y="42054"/>
+                    <a:pt x="567559" y="0"/>
+                  </a:cubicBezTo>
+                  <a:cubicBezTo>
+                    <a:pt x="883138" y="-10268"/>
+                    <a:pt x="1085983" y="158796"/>
+                    <a:pt x="1135118" y="344509"/>
+                  </a:cubicBezTo>
+                  <a:cubicBezTo>
+                    <a:pt x="1175048" y="594593"/>
+                    <a:pt x="899929" y="752581"/>
+                    <a:pt x="567559" y="689018"/>
+                  </a:cubicBezTo>
+                  <a:cubicBezTo>
+                    <a:pt x="262937" y="702654"/>
+                    <a:pt x="-2461" y="526093"/>
+                    <a:pt x="0" y="344509"/>
+                  </a:cubicBezTo>
+                  <a:close/>
+                </a:path>
+                <a:path w="1135118" h="689018" stroke="0" extrusionOk="0">
+                  <a:moveTo>
+                    <a:pt x="0" y="344509"/>
+                  </a:moveTo>
+                  <a:cubicBezTo>
+                    <a:pt x="-2896" y="169656"/>
+                    <a:pt x="224554" y="-38146"/>
+                    <a:pt x="567559" y="0"/>
+                  </a:cubicBezTo>
+                  <a:cubicBezTo>
+                    <a:pt x="884884" y="-9071"/>
+                    <a:pt x="1143645" y="169998"/>
+                    <a:pt x="1135118" y="344509"/>
+                  </a:cubicBezTo>
+                  <a:cubicBezTo>
+                    <a:pt x="1147898" y="471924"/>
+                    <a:pt x="866751" y="649878"/>
+                    <a:pt x="567559" y="689018"/>
+                  </a:cubicBezTo>
+                  <a:cubicBezTo>
+                    <a:pt x="290668" y="655861"/>
+                    <a:pt x="-7422" y="534032"/>
+                    <a:pt x="0" y="344509"/>
+                  </a:cubicBezTo>
+                  <a:close/>
+                </a:path>
+              </a:pathLst>
+            </a:custGeom>
+            <a:noFill/>
+            <a:ln w="12700">
+              <a:solidFill>
+                <a:schemeClr val="accent6">
+                  <a:lumMod val="75000"/>
+                </a:schemeClr>
+              </a:solidFill>
+              <a:prstDash val="dash"/>
+              <a:extLst>
+                <a:ext uri="{C807C97D-BFC1-408E-A445-0C87EB9F89A2}">
+                  <ask:lineSketchStyleProps xmlns:ask="http://schemas.microsoft.com/office/drawing/2018/sketchyshapes" sd="3055301081">
+                    <a:prstGeom prst="ellipse">
+                      <a:avLst/>
+                    </a:prstGeom>
+                    <ask:type>
+                      <ask:lineSketchScribble/>
+                    </ask:type>
+                  </ask:lineSketchStyleProps>
+                </a:ext>
+              </a:extLst>
+            </a:ln>
+          </p:spPr>
+          <p:style>
+            <a:lnRef idx="2">
+              <a:schemeClr val="accent2"/>
+            </a:lnRef>
+            <a:fillRef idx="1">
+              <a:schemeClr val="lt1"/>
+            </a:fillRef>
+            <a:effectRef idx="0">
+              <a:schemeClr val="accent2"/>
+            </a:effectRef>
+            <a:fontRef idx="minor">
+              <a:schemeClr val="dk1"/>
+            </a:fontRef>
+          </p:style>
+          <p:txBody>
+            <a:bodyPr rtlCol="0" anchor="ctr"/>
+            <a:lstStyle/>
+            <a:p>
+              <a:pPr algn="ctr"/>
+              <a:endParaRPr lang="en-US" sz="1000" b="1" dirty="0">
+                <a:solidFill>
+                  <a:schemeClr val="dk1"/>
+                </a:solidFill>
+                <a:latin typeface="Cavolini" panose="020B0502040204020203" pitchFamily="66" charset="0"/>
+                <a:cs typeface="Cavolini" panose="020B0502040204020203" pitchFamily="66" charset="0"/>
+              </a:endParaRPr>
+            </a:p>
+          </p:txBody>
+        </p:sp>
+        <p:sp>
+          <p:nvSpPr>
+            <p:cNvPr id="56" name="TextBox 55">
+              <a:extLst>
+                <a:ext uri="{FF2B5EF4-FFF2-40B4-BE49-F238E27FC236}">
+                  <a16:creationId xmlns:a16="http://schemas.microsoft.com/office/drawing/2014/main" id="{E3BBD911-A291-4651-A820-88F6274CB5F4}"/>
+                </a:ext>
+              </a:extLst>
+            </p:cNvPr>
+            <p:cNvSpPr txBox="1"/>
+            <p:nvPr/>
+          </p:nvSpPr>
+          <p:spPr>
+            <a:xfrm>
+              <a:off x="1886608" y="5875282"/>
+              <a:ext cx="1240219" cy="400110"/>
+            </a:xfrm>
+            <a:prstGeom prst="rect">
+              <a:avLst/>
+            </a:prstGeom>
+            <a:noFill/>
+          </p:spPr>
+          <p:txBody>
+            <a:bodyPr wrap="square" rtlCol="0">
+              <a:spAutoFit/>
+            </a:bodyPr>
+            <a:lstStyle/>
+            <a:p>
+              <a:pPr algn="ctr"/>
+              <a:r>
+                <a:rPr lang="en-US" sz="1000" dirty="0">
+                  <a:latin typeface="Cavolini" panose="020B0502040204020203" pitchFamily="66" charset="0"/>
+                  <a:cs typeface="Cavolini" panose="020B0502040204020203" pitchFamily="66" charset="0"/>
+                </a:rPr>
+                <a:t>Optimizer Feedback</a:t>
+              </a:r>
+              <a:endParaRPr lang="en-US" sz="1000" dirty="0"/>
+            </a:p>
+          </p:txBody>
+        </p:sp>
+      </p:grpSp>
+      <p:cxnSp>
+        <p:nvCxnSpPr>
+          <p:cNvPr id="57" name="Straight Connector 56">
+            <a:extLst>
+              <a:ext uri="{FF2B5EF4-FFF2-40B4-BE49-F238E27FC236}">
+                <a16:creationId xmlns:a16="http://schemas.microsoft.com/office/drawing/2014/main" id="{D801077A-BFF1-4EB5-9953-1A138E8ABB7B}"/>
+              </a:ext>
+            </a:extLst>
+          </p:cNvPr>
+          <p:cNvCxnSpPr>
+            <a:cxnSpLocks/>
+          </p:cNvCxnSpPr>
+          <p:nvPr/>
+        </p:nvCxnSpPr>
+        <p:spPr>
+          <a:xfrm flipH="1">
+            <a:off x="8930552" y="5208700"/>
+            <a:ext cx="280743" cy="289289"/>
+          </a:xfrm>
+          <a:prstGeom prst="line">
+            <a:avLst/>
+          </a:prstGeom>
+          <a:ln w="19050">
+            <a:solidFill>
+              <a:schemeClr val="accent6">
+                <a:lumMod val="75000"/>
+              </a:schemeClr>
+            </a:solidFill>
+          </a:ln>
+        </p:spPr>
+        <p:style>
+          <a:lnRef idx="1">
+            <a:schemeClr val="accent1"/>
+          </a:lnRef>
+          <a:fillRef idx="0">
+            <a:schemeClr val="accent1"/>
+          </a:fillRef>
+          <a:effectRef idx="0">
+            <a:schemeClr val="accent1"/>
+          </a:effectRef>
+          <a:fontRef idx="minor">
+            <a:schemeClr val="tx1"/>
+          </a:fontRef>
+        </p:style>
+      </p:cxnSp>
+      <p:cxnSp>
+        <p:nvCxnSpPr>
+          <p:cNvPr id="58" name="Straight Connector 57">
+            <a:extLst>
+              <a:ext uri="{FF2B5EF4-FFF2-40B4-BE49-F238E27FC236}">
+                <a16:creationId xmlns:a16="http://schemas.microsoft.com/office/drawing/2014/main" id="{6FD040B2-3679-46B8-AB73-A23EACF0682B}"/>
+              </a:ext>
+            </a:extLst>
+          </p:cNvPr>
+          <p:cNvCxnSpPr>
+            <a:cxnSpLocks/>
+          </p:cNvCxnSpPr>
+          <p:nvPr/>
+        </p:nvCxnSpPr>
+        <p:spPr>
+          <a:xfrm flipH="1">
+            <a:off x="9620180" y="5226307"/>
+            <a:ext cx="2030" cy="340032"/>
+          </a:xfrm>
+          <a:prstGeom prst="line">
+            <a:avLst/>
+          </a:prstGeom>
+          <a:ln w="19050">
+            <a:solidFill>
+              <a:schemeClr val="accent6">
+                <a:lumMod val="75000"/>
+              </a:schemeClr>
+            </a:solidFill>
+          </a:ln>
+        </p:spPr>
+        <p:style>
+          <a:lnRef idx="1">
+            <a:schemeClr val="accent1"/>
+          </a:lnRef>
+          <a:fillRef idx="0">
+            <a:schemeClr val="accent1"/>
+          </a:fillRef>
+          <a:effectRef idx="0">
+            <a:schemeClr val="accent1"/>
+          </a:effectRef>
+          <a:fontRef idx="minor">
+            <a:schemeClr val="tx1"/>
+          </a:fontRef>
+        </p:style>
+      </p:cxnSp>
+      <p:cxnSp>
+        <p:nvCxnSpPr>
+          <p:cNvPr id="59" name="Straight Connector 58">
+            <a:extLst>
+              <a:ext uri="{FF2B5EF4-FFF2-40B4-BE49-F238E27FC236}">
+                <a16:creationId xmlns:a16="http://schemas.microsoft.com/office/drawing/2014/main" id="{C829F166-E1F6-4BD8-8905-269BF75AA53D}"/>
+              </a:ext>
+            </a:extLst>
+          </p:cNvPr>
+          <p:cNvCxnSpPr>
+            <a:cxnSpLocks/>
+            <a:endCxn id="52" idx="1"/>
+          </p:cNvCxnSpPr>
+          <p:nvPr/>
+        </p:nvCxnSpPr>
+        <p:spPr>
+          <a:xfrm>
+            <a:off x="9868859" y="5208700"/>
+            <a:ext cx="462882" cy="308249"/>
+          </a:xfrm>
+          <a:prstGeom prst="line">
+            <a:avLst/>
+          </a:prstGeom>
+          <a:ln w="19050">
+            <a:solidFill>
+              <a:schemeClr val="accent6">
+                <a:lumMod val="75000"/>
+              </a:schemeClr>
+            </a:solidFill>
+          </a:ln>
+        </p:spPr>
+        <p:style>
+          <a:lnRef idx="1">
+            <a:schemeClr val="accent1"/>
+          </a:lnRef>
+          <a:fillRef idx="0">
+            <a:schemeClr val="accent1"/>
+          </a:fillRef>
+          <a:effectRef idx="0">
+            <a:schemeClr val="accent1"/>
+          </a:effectRef>
+          <a:fontRef idx="minor">
+            <a:schemeClr val="tx1"/>
+          </a:fontRef>
+        </p:style>
+      </p:cxnSp>
+      <p:sp>
+        <p:nvSpPr>
+          <p:cNvPr id="62" name="Oval 61">
+            <a:extLst>
+              <a:ext uri="{FF2B5EF4-FFF2-40B4-BE49-F238E27FC236}">
+                <a16:creationId xmlns:a16="http://schemas.microsoft.com/office/drawing/2014/main" id="{F623FB87-4DDC-40DB-A525-6F9A2BA9FA64}"/>
+              </a:ext>
+            </a:extLst>
+          </p:cNvPr>
+          <p:cNvSpPr/>
+          <p:nvPr/>
+        </p:nvSpPr>
+        <p:spPr>
+          <a:xfrm>
+            <a:off x="7536058" y="301326"/>
+            <a:ext cx="4167599" cy="2980274"/>
+          </a:xfrm>
+          <a:prstGeom prst="ellipse">
+            <a:avLst/>
+          </a:prstGeom>
+          <a:noFill/>
+          <a:ln w="28575">
+            <a:solidFill>
+              <a:schemeClr val="accent5">
+                <a:lumMod val="75000"/>
+              </a:schemeClr>
+            </a:solidFill>
+            <a:prstDash val="dash"/>
+          </a:ln>
+        </p:spPr>
+        <p:style>
+          <a:lnRef idx="2">
+            <a:schemeClr val="accent1">
+              <a:shade val="50000"/>
+            </a:schemeClr>
+          </a:lnRef>
+          <a:fillRef idx="1">
+            <a:schemeClr val="accent1"/>
+          </a:fillRef>
+          <a:effectRef idx="0">
+            <a:schemeClr val="accent1"/>
+          </a:effectRef>
+          <a:fontRef idx="minor">
+            <a:schemeClr val="lt1"/>
+          </a:fontRef>
+        </p:style>
+        <p:txBody>
+          <a:bodyPr rtlCol="0" anchor="ctr"/>
+          <a:lstStyle/>
+          <a:p>
+            <a:pPr algn="ctr"/>
+            <a:endParaRPr lang="en-US"/>
+          </a:p>
+        </p:txBody>
+      </p:sp>
     </p:spTree>
     <p:extLst>
       <p:ext uri="{BB962C8B-B14F-4D97-AF65-F5344CB8AC3E}">
-        <p14:creationId xmlns:p14="http://schemas.microsoft.com/office/powerpoint/2010/main" val="2426810899"/>
+        <p14:creationId xmlns:p14="http://schemas.microsoft.com/office/powerpoint/2010/main" val="2695256491"/>
       </p:ext>
     </p:extLst>
   </p:cSld>
@@ -17483,60 +19798,66 @@
         </p:nvSpPr>
         <p:spPr>
           <a:xfrm>
-            <a:off x="2994227" y="635619"/>
-            <a:ext cx="5924785" cy="992273"/>
+            <a:off x="2994227" y="412334"/>
+            <a:ext cx="5924785" cy="1353494"/>
           </a:xfrm>
           <a:custGeom>
             <a:avLst/>
             <a:gdLst>
               <a:gd name="connsiteX0" fmla="*/ 0 w 5924785"/>
-              <a:gd name="connsiteY0" fmla="*/ 0 h 992273"/>
-              <a:gd name="connsiteX1" fmla="*/ 592479 w 5924785"/>
-              <a:gd name="connsiteY1" fmla="*/ 0 h 992273"/>
-              <a:gd name="connsiteX2" fmla="*/ 1066461 w 5924785"/>
-              <a:gd name="connsiteY2" fmla="*/ 0 h 992273"/>
-              <a:gd name="connsiteX3" fmla="*/ 1777436 w 5924785"/>
-              <a:gd name="connsiteY3" fmla="*/ 0 h 992273"/>
+              <a:gd name="connsiteY0" fmla="*/ 0 h 1353494"/>
+              <a:gd name="connsiteX1" fmla="*/ 651726 w 5924785"/>
+              <a:gd name="connsiteY1" fmla="*/ 0 h 1353494"/>
+              <a:gd name="connsiteX2" fmla="*/ 1303453 w 5924785"/>
+              <a:gd name="connsiteY2" fmla="*/ 0 h 1353494"/>
+              <a:gd name="connsiteX3" fmla="*/ 2014427 w 5924785"/>
+              <a:gd name="connsiteY3" fmla="*/ 0 h 1353494"/>
               <a:gd name="connsiteX4" fmla="*/ 2429162 w 5924785"/>
-              <a:gd name="connsiteY4" fmla="*/ 0 h 992273"/>
-              <a:gd name="connsiteX5" fmla="*/ 3140136 w 5924785"/>
-              <a:gd name="connsiteY5" fmla="*/ 0 h 992273"/>
-              <a:gd name="connsiteX6" fmla="*/ 3554871 w 5924785"/>
-              <a:gd name="connsiteY6" fmla="*/ 0 h 992273"/>
-              <a:gd name="connsiteX7" fmla="*/ 4206597 w 5924785"/>
-              <a:gd name="connsiteY7" fmla="*/ 0 h 992273"/>
-              <a:gd name="connsiteX8" fmla="*/ 4858324 w 5924785"/>
-              <a:gd name="connsiteY8" fmla="*/ 0 h 992273"/>
-              <a:gd name="connsiteX9" fmla="*/ 5924785 w 5924785"/>
-              <a:gd name="connsiteY9" fmla="*/ 0 h 992273"/>
+              <a:gd name="connsiteY4" fmla="*/ 0 h 1353494"/>
+              <a:gd name="connsiteX5" fmla="*/ 3080888 w 5924785"/>
+              <a:gd name="connsiteY5" fmla="*/ 0 h 1353494"/>
+              <a:gd name="connsiteX6" fmla="*/ 3732615 w 5924785"/>
+              <a:gd name="connsiteY6" fmla="*/ 0 h 1353494"/>
+              <a:gd name="connsiteX7" fmla="*/ 4443589 w 5924785"/>
+              <a:gd name="connsiteY7" fmla="*/ 0 h 1353494"/>
+              <a:gd name="connsiteX8" fmla="*/ 4917572 w 5924785"/>
+              <a:gd name="connsiteY8" fmla="*/ 0 h 1353494"/>
+              <a:gd name="connsiteX9" fmla="*/ 5391554 w 5924785"/>
+              <a:gd name="connsiteY9" fmla="*/ 0 h 1353494"/>
               <a:gd name="connsiteX10" fmla="*/ 5924785 w 5924785"/>
-              <a:gd name="connsiteY10" fmla="*/ 476291 h 992273"/>
+              <a:gd name="connsiteY10" fmla="*/ 0 h 1353494"/>
               <a:gd name="connsiteX11" fmla="*/ 5924785 w 5924785"/>
-              <a:gd name="connsiteY11" fmla="*/ 992273 h 992273"/>
-              <a:gd name="connsiteX12" fmla="*/ 5213811 w 5924785"/>
-              <a:gd name="connsiteY12" fmla="*/ 992273 h 992273"/>
-              <a:gd name="connsiteX13" fmla="*/ 4621332 w 5924785"/>
-              <a:gd name="connsiteY13" fmla="*/ 992273 h 992273"/>
-              <a:gd name="connsiteX14" fmla="*/ 4147349 w 5924785"/>
-              <a:gd name="connsiteY14" fmla="*/ 992273 h 992273"/>
-              <a:gd name="connsiteX15" fmla="*/ 3554871 w 5924785"/>
-              <a:gd name="connsiteY15" fmla="*/ 992273 h 992273"/>
-              <a:gd name="connsiteX16" fmla="*/ 2903145 w 5924785"/>
-              <a:gd name="connsiteY16" fmla="*/ 992273 h 992273"/>
-              <a:gd name="connsiteX17" fmla="*/ 2369914 w 5924785"/>
-              <a:gd name="connsiteY17" fmla="*/ 992273 h 992273"/>
-              <a:gd name="connsiteX18" fmla="*/ 1718188 w 5924785"/>
-              <a:gd name="connsiteY18" fmla="*/ 992273 h 992273"/>
-              <a:gd name="connsiteX19" fmla="*/ 1244205 w 5924785"/>
-              <a:gd name="connsiteY19" fmla="*/ 992273 h 992273"/>
-              <a:gd name="connsiteX20" fmla="*/ 770222 w 5924785"/>
-              <a:gd name="connsiteY20" fmla="*/ 992273 h 992273"/>
-              <a:gd name="connsiteX21" fmla="*/ 0 w 5924785"/>
-              <a:gd name="connsiteY21" fmla="*/ 992273 h 992273"/>
-              <a:gd name="connsiteX22" fmla="*/ 0 w 5924785"/>
-              <a:gd name="connsiteY22" fmla="*/ 486214 h 992273"/>
+              <a:gd name="connsiteY11" fmla="*/ 424095 h 1353494"/>
+              <a:gd name="connsiteX12" fmla="*/ 5924785 w 5924785"/>
+              <a:gd name="connsiteY12" fmla="*/ 834655 h 1353494"/>
+              <a:gd name="connsiteX13" fmla="*/ 5924785 w 5924785"/>
+              <a:gd name="connsiteY13" fmla="*/ 1353494 h 1353494"/>
+              <a:gd name="connsiteX14" fmla="*/ 5450802 w 5924785"/>
+              <a:gd name="connsiteY14" fmla="*/ 1353494 h 1353494"/>
+              <a:gd name="connsiteX15" fmla="*/ 4917572 w 5924785"/>
+              <a:gd name="connsiteY15" fmla="*/ 1353494 h 1353494"/>
+              <a:gd name="connsiteX16" fmla="*/ 4265845 w 5924785"/>
+              <a:gd name="connsiteY16" fmla="*/ 1353494 h 1353494"/>
+              <a:gd name="connsiteX17" fmla="*/ 3791862 w 5924785"/>
+              <a:gd name="connsiteY17" fmla="*/ 1353494 h 1353494"/>
+              <a:gd name="connsiteX18" fmla="*/ 3317880 w 5924785"/>
+              <a:gd name="connsiteY18" fmla="*/ 1353494 h 1353494"/>
+              <a:gd name="connsiteX19" fmla="*/ 2784649 w 5924785"/>
+              <a:gd name="connsiteY19" fmla="*/ 1353494 h 1353494"/>
+              <a:gd name="connsiteX20" fmla="*/ 2132923 w 5924785"/>
+              <a:gd name="connsiteY20" fmla="*/ 1353494 h 1353494"/>
+              <a:gd name="connsiteX21" fmla="*/ 1540444 w 5924785"/>
+              <a:gd name="connsiteY21" fmla="*/ 1353494 h 1353494"/>
+              <a:gd name="connsiteX22" fmla="*/ 1066461 w 5924785"/>
+              <a:gd name="connsiteY22" fmla="*/ 1353494 h 1353494"/>
               <a:gd name="connsiteX23" fmla="*/ 0 w 5924785"/>
-              <a:gd name="connsiteY23" fmla="*/ 0 h 992273"/>
+              <a:gd name="connsiteY23" fmla="*/ 1353494 h 1353494"/>
+              <a:gd name="connsiteX24" fmla="*/ 0 w 5924785"/>
+              <a:gd name="connsiteY24" fmla="*/ 942934 h 1353494"/>
+              <a:gd name="connsiteX25" fmla="*/ 0 w 5924785"/>
+              <a:gd name="connsiteY25" fmla="*/ 478235 h 1353494"/>
+              <a:gd name="connsiteX26" fmla="*/ 0 w 5924785"/>
+              <a:gd name="connsiteY26" fmla="*/ 0 h 1353494"/>
             </a:gdLst>
             <a:ahLst/>
             <a:cxnLst>
@@ -17612,131 +19933,155 @@
               <a:cxn ang="0">
                 <a:pos x="connsiteX23" y="connsiteY23"/>
               </a:cxn>
+              <a:cxn ang="0">
+                <a:pos x="connsiteX24" y="connsiteY24"/>
+              </a:cxn>
+              <a:cxn ang="0">
+                <a:pos x="connsiteX25" y="connsiteY25"/>
+              </a:cxn>
+              <a:cxn ang="0">
+                <a:pos x="connsiteX26" y="connsiteY26"/>
+              </a:cxn>
             </a:cxnLst>
             <a:rect l="l" t="t" r="r" b="b"/>
             <a:pathLst>
-              <a:path w="5924785" h="992273" fill="none" extrusionOk="0">
+              <a:path w="5924785" h="1353494" fill="none" extrusionOk="0">
                 <a:moveTo>
                   <a:pt x="0" y="0"/>
                 </a:moveTo>
                 <a:cubicBezTo>
-                  <a:pt x="237101" y="-60470"/>
-                  <a:pt x="347669" y="65126"/>
-                  <a:pt x="592479" y="0"/>
-                </a:cubicBezTo>
-                <a:cubicBezTo>
-                  <a:pt x="837289" y="-65126"/>
-                  <a:pt x="839142" y="49989"/>
-                  <a:pt x="1066461" y="0"/>
-                </a:cubicBezTo>
-                <a:cubicBezTo>
-                  <a:pt x="1293780" y="-49989"/>
-                  <a:pt x="1614310" y="73189"/>
-                  <a:pt x="1777436" y="0"/>
-                </a:cubicBezTo>
-                <a:cubicBezTo>
-                  <a:pt x="1940562" y="-73189"/>
-                  <a:pt x="2155454" y="66738"/>
+                  <a:pt x="179633" y="-28524"/>
+                  <a:pt x="362469" y="41756"/>
+                  <a:pt x="651726" y="0"/>
+                </a:cubicBezTo>
+                <a:cubicBezTo>
+                  <a:pt x="940983" y="-41756"/>
+                  <a:pt x="1023568" y="64321"/>
+                  <a:pt x="1303453" y="0"/>
+                </a:cubicBezTo>
+                <a:cubicBezTo>
+                  <a:pt x="1583338" y="-64321"/>
+                  <a:pt x="1757348" y="67050"/>
+                  <a:pt x="2014427" y="0"/>
+                </a:cubicBezTo>
+                <a:cubicBezTo>
+                  <a:pt x="2271506" y="-67050"/>
+                  <a:pt x="2309293" y="40557"/>
                   <a:pt x="2429162" y="0"/>
                 </a:cubicBezTo>
                 <a:cubicBezTo>
-                  <a:pt x="2702870" y="-66738"/>
-                  <a:pt x="2883057" y="67050"/>
-                  <a:pt x="3140136" y="0"/>
-                </a:cubicBezTo>
-                <a:cubicBezTo>
-                  <a:pt x="3397215" y="-67050"/>
-                  <a:pt x="3435002" y="40557"/>
-                  <a:pt x="3554871" y="0"/>
-                </a:cubicBezTo>
-                <a:cubicBezTo>
-                  <a:pt x="3674741" y="-40557"/>
-                  <a:pt x="3962974" y="50525"/>
-                  <a:pt x="4206597" y="0"/>
-                </a:cubicBezTo>
-                <a:cubicBezTo>
-                  <a:pt x="4450220" y="-50525"/>
-                  <a:pt x="4607267" y="35352"/>
-                  <a:pt x="4858324" y="0"/>
-                </a:cubicBezTo>
-                <a:cubicBezTo>
-                  <a:pt x="5109381" y="-35352"/>
-                  <a:pt x="5406603" y="23594"/>
+                  <a:pt x="2549032" y="-40557"/>
+                  <a:pt x="2837265" y="50525"/>
+                  <a:pt x="3080888" y="0"/>
+                </a:cubicBezTo>
+                <a:cubicBezTo>
+                  <a:pt x="3324511" y="-50525"/>
+                  <a:pt x="3481558" y="35352"/>
+                  <a:pt x="3732615" y="0"/>
+                </a:cubicBezTo>
+                <a:cubicBezTo>
+                  <a:pt x="3983672" y="-35352"/>
+                  <a:pt x="4207729" y="23594"/>
+                  <a:pt x="4443589" y="0"/>
+                </a:cubicBezTo>
+                <a:cubicBezTo>
+                  <a:pt x="4679449" y="-23594"/>
+                  <a:pt x="4783785" y="55630"/>
+                  <a:pt x="4917572" y="0"/>
+                </a:cubicBezTo>
+                <a:cubicBezTo>
+                  <a:pt x="5051359" y="-55630"/>
+                  <a:pt x="5226578" y="13243"/>
+                  <a:pt x="5391554" y="0"/>
+                </a:cubicBezTo>
+                <a:cubicBezTo>
+                  <a:pt x="5556530" y="-13243"/>
+                  <a:pt x="5771620" y="11530"/>
                   <a:pt x="5924785" y="0"/>
                 </a:cubicBezTo>
                 <a:cubicBezTo>
-                  <a:pt x="5947480" y="227522"/>
-                  <a:pt x="5886714" y="351910"/>
-                  <a:pt x="5924785" y="476291"/>
-                </a:cubicBezTo>
-                <a:cubicBezTo>
-                  <a:pt x="5962856" y="600672"/>
-                  <a:pt x="5909618" y="849394"/>
-                  <a:pt x="5924785" y="992273"/>
-                </a:cubicBezTo>
-                <a:cubicBezTo>
-                  <a:pt x="5625452" y="1053929"/>
-                  <a:pt x="5393328" y="969278"/>
-                  <a:pt x="5213811" y="992273"/>
-                </a:cubicBezTo>
-                <a:cubicBezTo>
-                  <a:pt x="5034294" y="1015268"/>
-                  <a:pt x="4793489" y="931721"/>
-                  <a:pt x="4621332" y="992273"/>
-                </a:cubicBezTo>
-                <a:cubicBezTo>
-                  <a:pt x="4449175" y="1052825"/>
-                  <a:pt x="4287102" y="964297"/>
-                  <a:pt x="4147349" y="992273"/>
-                </a:cubicBezTo>
-                <a:cubicBezTo>
-                  <a:pt x="4007596" y="1020249"/>
-                  <a:pt x="3757879" y="930326"/>
-                  <a:pt x="3554871" y="992273"/>
-                </a:cubicBezTo>
-                <a:cubicBezTo>
-                  <a:pt x="3351863" y="1054220"/>
-                  <a:pt x="3034387" y="979253"/>
-                  <a:pt x="2903145" y="992273"/>
-                </a:cubicBezTo>
-                <a:cubicBezTo>
-                  <a:pt x="2771903" y="1005293"/>
-                  <a:pt x="2613399" y="933933"/>
-                  <a:pt x="2369914" y="992273"/>
-                </a:cubicBezTo>
-                <a:cubicBezTo>
-                  <a:pt x="2126429" y="1050613"/>
-                  <a:pt x="1955569" y="943204"/>
-                  <a:pt x="1718188" y="992273"/>
-                </a:cubicBezTo>
-                <a:cubicBezTo>
-                  <a:pt x="1480807" y="1041342"/>
-                  <a:pt x="1454096" y="966468"/>
-                  <a:pt x="1244205" y="992273"/>
-                </a:cubicBezTo>
-                <a:cubicBezTo>
-                  <a:pt x="1034314" y="1018078"/>
-                  <a:pt x="966063" y="954100"/>
-                  <a:pt x="770222" y="992273"/>
-                </a:cubicBezTo>
-                <a:cubicBezTo>
-                  <a:pt x="574381" y="1030446"/>
-                  <a:pt x="265301" y="944202"/>
-                  <a:pt x="0" y="992273"/>
-                </a:cubicBezTo>
-                <a:cubicBezTo>
-                  <a:pt x="-34129" y="763906"/>
-                  <a:pt x="51562" y="600340"/>
-                  <a:pt x="0" y="486214"/>
-                </a:cubicBezTo>
-                <a:cubicBezTo>
-                  <a:pt x="-51562" y="372088"/>
-                  <a:pt x="44879" y="211766"/>
+                  <a:pt x="5974215" y="92562"/>
+                  <a:pt x="5901896" y="314888"/>
+                  <a:pt x="5924785" y="424095"/>
+                </a:cubicBezTo>
+                <a:cubicBezTo>
+                  <a:pt x="5947674" y="533303"/>
+                  <a:pt x="5904299" y="705184"/>
+                  <a:pt x="5924785" y="834655"/>
+                </a:cubicBezTo>
+                <a:cubicBezTo>
+                  <a:pt x="5945271" y="964126"/>
+                  <a:pt x="5887119" y="1237383"/>
+                  <a:pt x="5924785" y="1353494"/>
+                </a:cubicBezTo>
+                <a:cubicBezTo>
+                  <a:pt x="5797654" y="1371051"/>
+                  <a:pt x="5553479" y="1329796"/>
+                  <a:pt x="5450802" y="1353494"/>
+                </a:cubicBezTo>
+                <a:cubicBezTo>
+                  <a:pt x="5348125" y="1377192"/>
+                  <a:pt x="5156137" y="1291778"/>
+                  <a:pt x="4917572" y="1353494"/>
+                </a:cubicBezTo>
+                <a:cubicBezTo>
+                  <a:pt x="4679007" y="1415210"/>
+                  <a:pt x="4508940" y="1309857"/>
+                  <a:pt x="4265845" y="1353494"/>
+                </a:cubicBezTo>
+                <a:cubicBezTo>
+                  <a:pt x="4022750" y="1397131"/>
+                  <a:pt x="4001753" y="1327689"/>
+                  <a:pt x="3791862" y="1353494"/>
+                </a:cubicBezTo>
+                <a:cubicBezTo>
+                  <a:pt x="3581971" y="1379299"/>
+                  <a:pt x="3511774" y="1315057"/>
+                  <a:pt x="3317880" y="1353494"/>
+                </a:cubicBezTo>
+                <a:cubicBezTo>
+                  <a:pt x="3123986" y="1391931"/>
+                  <a:pt x="2972896" y="1314735"/>
+                  <a:pt x="2784649" y="1353494"/>
+                </a:cubicBezTo>
+                <a:cubicBezTo>
+                  <a:pt x="2596402" y="1392253"/>
+                  <a:pt x="2309368" y="1340883"/>
+                  <a:pt x="2132923" y="1353494"/>
+                </a:cubicBezTo>
+                <a:cubicBezTo>
+                  <a:pt x="1956478" y="1366105"/>
+                  <a:pt x="1752875" y="1325634"/>
+                  <a:pt x="1540444" y="1353494"/>
+                </a:cubicBezTo>
+                <a:cubicBezTo>
+                  <a:pt x="1328013" y="1381354"/>
+                  <a:pt x="1190109" y="1302963"/>
+                  <a:pt x="1066461" y="1353494"/>
+                </a:cubicBezTo>
+                <a:cubicBezTo>
+                  <a:pt x="942813" y="1404025"/>
+                  <a:pt x="457450" y="1287335"/>
+                  <a:pt x="0" y="1353494"/>
+                </a:cubicBezTo>
+                <a:cubicBezTo>
+                  <a:pt x="-46545" y="1214667"/>
+                  <a:pt x="47728" y="1031197"/>
+                  <a:pt x="0" y="942934"/>
+                </a:cubicBezTo>
+                <a:cubicBezTo>
+                  <a:pt x="-47728" y="854671"/>
+                  <a:pt x="46289" y="682197"/>
+                  <a:pt x="0" y="478235"/>
+                </a:cubicBezTo>
+                <a:cubicBezTo>
+                  <a:pt x="-46289" y="274273"/>
+                  <a:pt x="5438" y="199608"/>
                   <a:pt x="0" y="0"/>
                 </a:cubicBezTo>
                 <a:close/>
               </a:path>
-              <a:path w="5924785" h="992273" stroke="0" extrusionOk="0">
+              <a:path w="5924785" h="1353494" stroke="0" extrusionOk="0">
                 <a:moveTo>
                   <a:pt x="0" y="0"/>
                 </a:moveTo>
@@ -17791,68 +20136,78 @@
                   <a:pt x="5924785" y="0"/>
                 </a:cubicBezTo>
                 <a:cubicBezTo>
-                  <a:pt x="5945516" y="111303"/>
-                  <a:pt x="5879156" y="372756"/>
-                  <a:pt x="5924785" y="466368"/>
-                </a:cubicBezTo>
-                <a:cubicBezTo>
-                  <a:pt x="5970414" y="559980"/>
-                  <a:pt x="5868489" y="814597"/>
-                  <a:pt x="5924785" y="992273"/>
-                </a:cubicBezTo>
-                <a:cubicBezTo>
-                  <a:pt x="5694244" y="1039379"/>
-                  <a:pt x="5496482" y="950035"/>
-                  <a:pt x="5332307" y="992273"/>
-                </a:cubicBezTo>
-                <a:cubicBezTo>
-                  <a:pt x="5168132" y="1034511"/>
-                  <a:pt x="4988708" y="921810"/>
-                  <a:pt x="4739828" y="992273"/>
-                </a:cubicBezTo>
-                <a:cubicBezTo>
-                  <a:pt x="4490948" y="1062736"/>
-                  <a:pt x="4415849" y="930621"/>
-                  <a:pt x="4147349" y="992273"/>
-                </a:cubicBezTo>
-                <a:cubicBezTo>
-                  <a:pt x="3878849" y="1053925"/>
-                  <a:pt x="3719015" y="976033"/>
-                  <a:pt x="3436375" y="992273"/>
-                </a:cubicBezTo>
-                <a:cubicBezTo>
-                  <a:pt x="3153735" y="1008513"/>
-                  <a:pt x="3136956" y="977463"/>
-                  <a:pt x="2903145" y="992273"/>
-                </a:cubicBezTo>
-                <a:cubicBezTo>
-                  <a:pt x="2669334" y="1007083"/>
-                  <a:pt x="2381799" y="945241"/>
-                  <a:pt x="2192170" y="992273"/>
-                </a:cubicBezTo>
-                <a:cubicBezTo>
-                  <a:pt x="2002542" y="1039305"/>
-                  <a:pt x="1770639" y="972602"/>
-                  <a:pt x="1481196" y="992273"/>
-                </a:cubicBezTo>
-                <a:cubicBezTo>
-                  <a:pt x="1191753" y="1011944"/>
-                  <a:pt x="1133186" y="944715"/>
-                  <a:pt x="1007213" y="992273"/>
-                </a:cubicBezTo>
-                <a:cubicBezTo>
-                  <a:pt x="881240" y="1039831"/>
-                  <a:pt x="214322" y="906203"/>
-                  <a:pt x="0" y="992273"/>
-                </a:cubicBezTo>
-                <a:cubicBezTo>
-                  <a:pt x="-29626" y="766976"/>
-                  <a:pt x="40976" y="692968"/>
-                  <a:pt x="0" y="496137"/>
-                </a:cubicBezTo>
-                <a:cubicBezTo>
-                  <a:pt x="-40976" y="299306"/>
-                  <a:pt x="32156" y="186593"/>
+                  <a:pt x="5964133" y="176480"/>
+                  <a:pt x="5909169" y="287738"/>
+                  <a:pt x="5924785" y="410560"/>
+                </a:cubicBezTo>
+                <a:cubicBezTo>
+                  <a:pt x="5940401" y="533382"/>
+                  <a:pt x="5888969" y="691456"/>
+                  <a:pt x="5924785" y="848190"/>
+                </a:cubicBezTo>
+                <a:cubicBezTo>
+                  <a:pt x="5960601" y="1004924"/>
+                  <a:pt x="5866784" y="1227715"/>
+                  <a:pt x="5924785" y="1353494"/>
+                </a:cubicBezTo>
+                <a:cubicBezTo>
+                  <a:pt x="5738262" y="1366404"/>
+                  <a:pt x="5540602" y="1339122"/>
+                  <a:pt x="5391554" y="1353494"/>
+                </a:cubicBezTo>
+                <a:cubicBezTo>
+                  <a:pt x="5242506" y="1367866"/>
+                  <a:pt x="5067512" y="1291677"/>
+                  <a:pt x="4799076" y="1353494"/>
+                </a:cubicBezTo>
+                <a:cubicBezTo>
+                  <a:pt x="4530640" y="1415311"/>
+                  <a:pt x="4370742" y="1337254"/>
+                  <a:pt x="4088102" y="1353494"/>
+                </a:cubicBezTo>
+                <a:cubicBezTo>
+                  <a:pt x="3805462" y="1369734"/>
+                  <a:pt x="3795463" y="1340893"/>
+                  <a:pt x="3554871" y="1353494"/>
+                </a:cubicBezTo>
+                <a:cubicBezTo>
+                  <a:pt x="3314279" y="1366095"/>
+                  <a:pt x="3033103" y="1304300"/>
+                  <a:pt x="2843897" y="1353494"/>
+                </a:cubicBezTo>
+                <a:cubicBezTo>
+                  <a:pt x="2654691" y="1402688"/>
+                  <a:pt x="2422366" y="1333823"/>
+                  <a:pt x="2132923" y="1353494"/>
+                </a:cubicBezTo>
+                <a:cubicBezTo>
+                  <a:pt x="1843480" y="1373165"/>
+                  <a:pt x="1784913" y="1305936"/>
+                  <a:pt x="1658940" y="1353494"/>
+                </a:cubicBezTo>
+                <a:cubicBezTo>
+                  <a:pt x="1532967" y="1401052"/>
+                  <a:pt x="1139070" y="1320058"/>
+                  <a:pt x="1007213" y="1353494"/>
+                </a:cubicBezTo>
+                <a:cubicBezTo>
+                  <a:pt x="875356" y="1386930"/>
+                  <a:pt x="441408" y="1262827"/>
+                  <a:pt x="0" y="1353494"/>
+                </a:cubicBezTo>
+                <a:cubicBezTo>
+                  <a:pt x="-29576" y="1157420"/>
+                  <a:pt x="7234" y="1123952"/>
+                  <a:pt x="0" y="915864"/>
+                </a:cubicBezTo>
+                <a:cubicBezTo>
+                  <a:pt x="-7234" y="707776"/>
+                  <a:pt x="13550" y="630024"/>
+                  <a:pt x="0" y="464700"/>
+                </a:cubicBezTo>
+                <a:cubicBezTo>
+                  <a:pt x="-13550" y="299376"/>
+                  <a:pt x="12997" y="161006"/>
                   <a:pt x="0" y="0"/>
                 </a:cubicBezTo>
                 <a:close/>
@@ -17997,6 +20352,19 @@
                 <a:cs typeface="Cavolini" panose="020B0502040204020203" pitchFamily="66" charset="0"/>
               </a:rPr>
               <a:t>Data provider controls how the data gets used on the consumer side</a:t>
+            </a:r>
+          </a:p>
+          <a:p>
+            <a:pPr marL="342900" indent="-342900" algn="l">
+              <a:buFont typeface="+mj-lt"/>
+              <a:buAutoNum type="arabicPeriod"/>
+            </a:pPr>
+            <a:r>
+              <a:rPr lang="en-US" sz="1600" dirty="0">
+                <a:latin typeface="Cavolini" panose="020B0502040204020203" pitchFamily="66" charset="0"/>
+                <a:cs typeface="Cavolini" panose="020B0502040204020203" pitchFamily="66" charset="0"/>
+              </a:rPr>
+              <a:t>All data exchange through IDS connector</a:t>
             </a:r>
           </a:p>
         </p:txBody>
@@ -18482,7 +20850,7 @@
         </p:blipFill>
         <p:spPr>
           <a:xfrm>
-            <a:off x="6899168" y="3752315"/>
+            <a:off x="7473331" y="3731049"/>
             <a:ext cx="315093" cy="315093"/>
           </a:xfrm>
           <a:prstGeom prst="rect">
@@ -18521,7 +20889,7 @@
         </p:blipFill>
         <p:spPr>
           <a:xfrm>
-            <a:off x="4227043" y="3041113"/>
+            <a:off x="3812372" y="3041113"/>
             <a:ext cx="424807" cy="424807"/>
           </a:xfrm>
           <a:prstGeom prst="rect">
@@ -18562,7 +20930,7 @@
                 <a:latin typeface="Cavolini" panose="020B0502040204020203" pitchFamily="66" charset="0"/>
                 <a:cs typeface="Cavolini" panose="020B0502040204020203" pitchFamily="66" charset="0"/>
               </a:rPr>
-              <a:t>Resource Admin</a:t>
+              <a:t>IDS Connector</a:t>
             </a:r>
           </a:p>
         </p:txBody>
@@ -18581,7 +20949,7 @@
         </p:nvSpPr>
         <p:spPr>
           <a:xfrm>
-            <a:off x="8964082" y="2576959"/>
+            <a:off x="8655735" y="2576959"/>
             <a:ext cx="2263371" cy="307777"/>
           </a:xfrm>
           <a:prstGeom prst="rect">
@@ -18600,7 +20968,7 @@
                 <a:latin typeface="Cavolini" panose="020B0502040204020203" pitchFamily="66" charset="0"/>
                 <a:cs typeface="Cavolini" panose="020B0502040204020203" pitchFamily="66" charset="0"/>
               </a:rPr>
-              <a:t>Hospital</a:t>
+              <a:t>IDS Connector</a:t>
             </a:r>
           </a:p>
         </p:txBody>
@@ -19110,8 +21478,8 @@
         </p:nvSpPr>
         <p:spPr>
           <a:xfrm>
-            <a:off x="4515215" y="3183839"/>
-            <a:ext cx="3547153" cy="276999"/>
+            <a:off x="4221387" y="2788437"/>
+            <a:ext cx="1371337" cy="646331"/>
           </a:xfrm>
           <a:prstGeom prst="rect">
             <a:avLst/>
@@ -19148,8 +21516,8 @@
         </p:nvSpPr>
         <p:spPr>
           <a:xfrm>
-            <a:off x="6097018" y="3609505"/>
-            <a:ext cx="1405710" cy="646331"/>
+            <a:off x="7787596" y="3641404"/>
+            <a:ext cx="2175111" cy="461665"/>
           </a:xfrm>
           <a:prstGeom prst="rect">
             <a:avLst/>
@@ -19167,7 +21535,7 @@
                 <a:latin typeface="Cavolini" panose="020B0502040204020203" pitchFamily="66" charset="0"/>
                 <a:cs typeface="Cavolini" panose="020B0502040204020203" pitchFamily="66" charset="0"/>
               </a:rPr>
-              <a:t>PEP</a:t>
+              <a:t>PEP Check </a:t>
             </a:r>
           </a:p>
           <a:p>
@@ -19176,16 +21544,7 @@
                 <a:latin typeface="Cavolini" panose="020B0502040204020203" pitchFamily="66" charset="0"/>
                 <a:cs typeface="Cavolini" panose="020B0502040204020203" pitchFamily="66" charset="0"/>
               </a:rPr>
-              <a:t>No data </a:t>
-            </a:r>
-          </a:p>
-          <a:p>
-            <a:r>
-              <a:rPr lang="en-US" sz="1200" b="1" dirty="0">
-                <a:latin typeface="Cavolini" panose="020B0502040204020203" pitchFamily="66" charset="0"/>
-                <a:cs typeface="Cavolini" panose="020B0502040204020203" pitchFamily="66" charset="0"/>
-              </a:rPr>
-              <a:t>X-change</a:t>
+              <a:t>Data X-change Blocked</a:t>
             </a:r>
           </a:p>
         </p:txBody>
@@ -19226,6 +21585,120 @@
           </a:prstGeom>
         </p:spPr>
       </p:pic>
+      <p:sp>
+        <p:nvSpPr>
+          <p:cNvPr id="33" name="TextBox 32">
+            <a:extLst>
+              <a:ext uri="{FF2B5EF4-FFF2-40B4-BE49-F238E27FC236}">
+                <a16:creationId xmlns:a16="http://schemas.microsoft.com/office/drawing/2014/main" id="{49B0EC32-A3CE-4E95-9763-B9281D62E1DA}"/>
+              </a:ext>
+            </a:extLst>
+          </p:cNvPr>
+          <p:cNvSpPr txBox="1"/>
+          <p:nvPr/>
+        </p:nvSpPr>
+        <p:spPr>
+          <a:xfrm>
+            <a:off x="5639054" y="3185395"/>
+            <a:ext cx="2112079" cy="276999"/>
+          </a:xfrm>
+          <a:prstGeom prst="rect">
+            <a:avLst/>
+          </a:prstGeom>
+          <a:noFill/>
+        </p:spPr>
+        <p:txBody>
+          <a:bodyPr wrap="square" rtlCol="0">
+            <a:spAutoFit/>
+          </a:bodyPr>
+          <a:lstStyle/>
+          <a:p>
+            <a:r>
+              <a:rPr lang="en-US" sz="1200" b="1" dirty="0">
+                <a:latin typeface="Cavolini" panose="020B0502040204020203" pitchFamily="66" charset="0"/>
+                <a:cs typeface="Cavolini" panose="020B0502040204020203" pitchFamily="66" charset="0"/>
+              </a:rPr>
+              <a:t>Demand Forecast Data</a:t>
+            </a:r>
+          </a:p>
+        </p:txBody>
+      </p:sp>
+      <p:sp>
+        <p:nvSpPr>
+          <p:cNvPr id="35" name="TextBox 34">
+            <a:extLst>
+              <a:ext uri="{FF2B5EF4-FFF2-40B4-BE49-F238E27FC236}">
+                <a16:creationId xmlns:a16="http://schemas.microsoft.com/office/drawing/2014/main" id="{4F718AA3-9D76-40D9-B034-70DD3AFF89E4}"/>
+              </a:ext>
+            </a:extLst>
+          </p:cNvPr>
+          <p:cNvSpPr txBox="1"/>
+          <p:nvPr/>
+        </p:nvSpPr>
+        <p:spPr>
+          <a:xfrm>
+            <a:off x="5578799" y="4209664"/>
+            <a:ext cx="2448787" cy="276999"/>
+          </a:xfrm>
+          <a:prstGeom prst="rect">
+            <a:avLst/>
+          </a:prstGeom>
+          <a:noFill/>
+        </p:spPr>
+        <p:txBody>
+          <a:bodyPr wrap="square" rtlCol="0">
+            <a:spAutoFit/>
+          </a:bodyPr>
+          <a:lstStyle/>
+          <a:p>
+            <a:r>
+              <a:rPr lang="en-US" sz="1200" b="1" dirty="0">
+                <a:latin typeface="Cavolini" panose="020B0502040204020203" pitchFamily="66" charset="0"/>
+                <a:cs typeface="Cavolini" panose="020B0502040204020203" pitchFamily="66" charset="0"/>
+              </a:rPr>
+              <a:t>Optimized Allotment Data</a:t>
+            </a:r>
+          </a:p>
+        </p:txBody>
+      </p:sp>
+      <p:sp>
+        <p:nvSpPr>
+          <p:cNvPr id="36" name="TextBox 35">
+            <a:extLst>
+              <a:ext uri="{FF2B5EF4-FFF2-40B4-BE49-F238E27FC236}">
+                <a16:creationId xmlns:a16="http://schemas.microsoft.com/office/drawing/2014/main" id="{EB2D1F8E-8C1A-4EBF-A54F-97C7546EC509}"/>
+              </a:ext>
+            </a:extLst>
+          </p:cNvPr>
+          <p:cNvSpPr txBox="1"/>
+          <p:nvPr/>
+        </p:nvSpPr>
+        <p:spPr>
+          <a:xfrm>
+            <a:off x="5433489" y="5138246"/>
+            <a:ext cx="2858552" cy="276999"/>
+          </a:xfrm>
+          <a:prstGeom prst="rect">
+            <a:avLst/>
+          </a:prstGeom>
+          <a:noFill/>
+        </p:spPr>
+        <p:txBody>
+          <a:bodyPr wrap="square" rtlCol="0">
+            <a:spAutoFit/>
+          </a:bodyPr>
+          <a:lstStyle/>
+          <a:p>
+            <a:r>
+              <a:rPr lang="en-US" sz="1200" b="1" dirty="0">
+                <a:latin typeface="Cavolini" panose="020B0502040204020203" pitchFamily="66" charset="0"/>
+                <a:cs typeface="Cavolini" panose="020B0502040204020203" pitchFamily="66" charset="0"/>
+              </a:rPr>
+              <a:t>Slice Allocation Status Data</a:t>
+            </a:r>
+          </a:p>
+        </p:txBody>
+      </p:sp>
     </p:spTree>
     <p:extLst>
       <p:ext uri="{BB962C8B-B14F-4D97-AF65-F5344CB8AC3E}">

--- a/tmf-ran_slicing-poc-setup-flow.pptx
+++ b/tmf-ran_slicing-poc-setup-flow.pptx
@@ -16282,13 +16282,15 @@
             <a:pPr algn="ctr"/>
             <a:r>
               <a:rPr lang="fr-FR" sz="2000" dirty="0" err="1">
-                <a:latin typeface="Segoe Script" panose="030B0504020000000003" pitchFamily="66" charset="0"/>
+                <a:latin typeface="Cavolini" panose="03000502040302020204" pitchFamily="66" charset="0"/>
+                <a:cs typeface="Cavolini" panose="03000502040302020204" pitchFamily="66" charset="0"/>
               </a:rPr>
               <a:t>Subscriber</a:t>
             </a:r>
             <a:r>
               <a:rPr lang="fr-FR" sz="2000" dirty="0">
-                <a:latin typeface="Segoe Script" panose="030B0504020000000003" pitchFamily="66" charset="0"/>
+                <a:latin typeface="Cavolini" panose="03000502040302020204" pitchFamily="66" charset="0"/>
+                <a:cs typeface="Cavolini" panose="03000502040302020204" pitchFamily="66" charset="0"/>
               </a:rPr>
               <a:t> 1</a:t>
             </a:r>
@@ -16297,18 +16299,21 @@
             <a:pPr algn="ctr"/>
             <a:r>
               <a:rPr lang="fr-FR" sz="2000" dirty="0">
-                <a:latin typeface="Segoe Script" panose="030B0504020000000003" pitchFamily="66" charset="0"/>
+                <a:latin typeface="Cavolini" panose="03000502040302020204" pitchFamily="66" charset="0"/>
+                <a:cs typeface="Cavolini" panose="03000502040302020204" pitchFamily="66" charset="0"/>
               </a:rPr>
               <a:t>IDS </a:t>
             </a:r>
             <a:r>
               <a:rPr lang="fr-FR" sz="2000" dirty="0" err="1">
-                <a:latin typeface="Segoe Script" panose="030B0504020000000003" pitchFamily="66" charset="0"/>
+                <a:latin typeface="Cavolini" panose="03000502040302020204" pitchFamily="66" charset="0"/>
+                <a:cs typeface="Cavolini" panose="03000502040302020204" pitchFamily="66" charset="0"/>
               </a:rPr>
               <a:t>Connector</a:t>
             </a:r>
             <a:endParaRPr lang="fr-FR" sz="2000" dirty="0">
-              <a:latin typeface="Segoe Script" panose="030B0504020000000003" pitchFamily="66" charset="0"/>
+              <a:latin typeface="Cavolini" panose="03000502040302020204" pitchFamily="66" charset="0"/>
+              <a:cs typeface="Cavolini" panose="03000502040302020204" pitchFamily="66" charset="0"/>
             </a:endParaRPr>
           </a:p>
         </p:txBody>
@@ -16945,13 +16950,15 @@
             <a:pPr algn="ctr"/>
             <a:r>
               <a:rPr lang="fr-FR" sz="2000" dirty="0" err="1">
-                <a:latin typeface="Segoe Script" panose="030B0504020000000003" pitchFamily="66" charset="0"/>
+                <a:latin typeface="Cavolini" panose="03000502040302020204" pitchFamily="66" charset="0"/>
+                <a:cs typeface="Cavolini" panose="03000502040302020204" pitchFamily="66" charset="0"/>
               </a:rPr>
               <a:t>Subscriber</a:t>
             </a:r>
             <a:r>
               <a:rPr lang="fr-FR" sz="2000" dirty="0">
-                <a:latin typeface="Segoe Script" panose="030B0504020000000003" pitchFamily="66" charset="0"/>
+                <a:latin typeface="Cavolini" panose="03000502040302020204" pitchFamily="66" charset="0"/>
+                <a:cs typeface="Cavolini" panose="03000502040302020204" pitchFamily="66" charset="0"/>
               </a:rPr>
               <a:t> 2</a:t>
             </a:r>
@@ -16960,18 +16967,21 @@
             <a:pPr algn="ctr"/>
             <a:r>
               <a:rPr lang="fr-FR" sz="2000" dirty="0">
-                <a:latin typeface="Segoe Script" panose="030B0504020000000003" pitchFamily="66" charset="0"/>
+                <a:latin typeface="Cavolini" panose="03000502040302020204" pitchFamily="66" charset="0"/>
+                <a:cs typeface="Cavolini" panose="03000502040302020204" pitchFamily="66" charset="0"/>
               </a:rPr>
               <a:t>IDS </a:t>
             </a:r>
             <a:r>
               <a:rPr lang="fr-FR" sz="2000" dirty="0" err="1">
-                <a:latin typeface="Segoe Script" panose="030B0504020000000003" pitchFamily="66" charset="0"/>
+                <a:latin typeface="Cavolini" panose="03000502040302020204" pitchFamily="66" charset="0"/>
+                <a:cs typeface="Cavolini" panose="03000502040302020204" pitchFamily="66" charset="0"/>
               </a:rPr>
               <a:t>Connector</a:t>
             </a:r>
             <a:endParaRPr lang="fr-FR" sz="2000" dirty="0">
-              <a:latin typeface="Segoe Script" panose="030B0504020000000003" pitchFamily="66" charset="0"/>
+              <a:latin typeface="Cavolini" panose="03000502040302020204" pitchFamily="66" charset="0"/>
+              <a:cs typeface="Cavolini" panose="03000502040302020204" pitchFamily="66" charset="0"/>
             </a:endParaRPr>
           </a:p>
         </p:txBody>
@@ -22763,6 +22773,107 @@
                 <a:latin typeface="Cavolini" panose="020B0502040204020203" pitchFamily="66" charset="0"/>
                 <a:cs typeface="Cavolini" panose="020B0502040204020203" pitchFamily="66" charset="0"/>
               </a:rPr>
+              <a:t>		</a:t>
+            </a:r>
+            <a:r>
+              <a:rPr lang="fr-FR" sz="800" b="1" dirty="0">
+                <a:solidFill>
+                  <a:schemeClr val="bg1">
+                    <a:lumMod val="50000"/>
+                  </a:schemeClr>
+                </a:solidFill>
+                <a:highlight>
+                  <a:srgbClr val="00FFFF"/>
+                </a:highlight>
+                <a:latin typeface="Cavolini" panose="020B0502040204020203" pitchFamily="66" charset="0"/>
+                <a:cs typeface="Cavolini" panose="020B0502040204020203" pitchFamily="66" charset="0"/>
+              </a:rPr>
+              <a:t>"</a:t>
+            </a:r>
+            <a:r>
+              <a:rPr lang="fr-FR" sz="800" b="1" dirty="0" err="1">
+                <a:solidFill>
+                  <a:schemeClr val="bg1">
+                    <a:lumMod val="50000"/>
+                  </a:schemeClr>
+                </a:solidFill>
+                <a:highlight>
+                  <a:srgbClr val="00FFFF"/>
+                </a:highlight>
+                <a:latin typeface="Cavolini" panose="020B0502040204020203" pitchFamily="66" charset="0"/>
+                <a:cs typeface="Cavolini" panose="020B0502040204020203" pitchFamily="66" charset="0"/>
+              </a:rPr>
+              <a:t>Required</a:t>
+            </a:r>
+            <a:r>
+              <a:rPr lang="fr-FR" sz="800" b="1" dirty="0">
+                <a:solidFill>
+                  <a:schemeClr val="bg1">
+                    <a:lumMod val="50000"/>
+                  </a:schemeClr>
+                </a:solidFill>
+                <a:highlight>
+                  <a:srgbClr val="00FFFF"/>
+                </a:highlight>
+                <a:latin typeface="Cavolini" panose="020B0502040204020203" pitchFamily="66" charset="0"/>
+                <a:cs typeface="Cavolini" panose="020B0502040204020203" pitchFamily="66" charset="0"/>
+              </a:rPr>
+              <a:t> Slice Type":"</a:t>
+            </a:r>
+            <a:r>
+              <a:rPr lang="fr-FR" sz="800" b="1" dirty="0" err="1">
+                <a:solidFill>
+                  <a:schemeClr val="bg1">
+                    <a:lumMod val="50000"/>
+                  </a:schemeClr>
+                </a:solidFill>
+                <a:highlight>
+                  <a:srgbClr val="00FFFF"/>
+                </a:highlight>
+                <a:latin typeface="Cavolini" panose="020B0502040204020203" pitchFamily="66" charset="0"/>
+                <a:cs typeface="Cavolini" panose="020B0502040204020203" pitchFamily="66" charset="0"/>
+              </a:rPr>
+              <a:t>MIoT</a:t>
+            </a:r>
+            <a:r>
+              <a:rPr lang="fr-FR" sz="800" b="1" dirty="0">
+                <a:solidFill>
+                  <a:schemeClr val="bg1">
+                    <a:lumMod val="50000"/>
+                  </a:schemeClr>
+                </a:solidFill>
+                <a:highlight>
+                  <a:srgbClr val="00FFFF"/>
+                </a:highlight>
+                <a:latin typeface="Cavolini" panose="020B0502040204020203" pitchFamily="66" charset="0"/>
+                <a:cs typeface="Cavolini" panose="020B0502040204020203" pitchFamily="66" charset="0"/>
+              </a:rPr>
+              <a:t>"</a:t>
+            </a:r>
+            <a:r>
+              <a:rPr lang="fr-FR" sz="800" b="1" dirty="0">
+                <a:solidFill>
+                  <a:schemeClr val="bg1">
+                    <a:lumMod val="50000"/>
+                  </a:schemeClr>
+                </a:solidFill>
+                <a:latin typeface="Cavolini" panose="020B0502040204020203" pitchFamily="66" charset="0"/>
+                <a:cs typeface="Cavolini" panose="020B0502040204020203" pitchFamily="66" charset="0"/>
+              </a:rPr>
+              <a:t>,</a:t>
+            </a:r>
+          </a:p>
+          <a:p>
+            <a:r>
+              <a:rPr lang="fr-FR" sz="800" b="1" dirty="0">
+                <a:solidFill>
+                  <a:schemeClr val="bg1">
+                    <a:lumMod val="50000"/>
+                  </a:schemeClr>
+                </a:solidFill>
+                <a:latin typeface="Cavolini" panose="020B0502040204020203" pitchFamily="66" charset="0"/>
+                <a:cs typeface="Cavolini" panose="020B0502040204020203" pitchFamily="66" charset="0"/>
+              </a:rPr>
               <a:t>		"</a:t>
             </a:r>
             <a:r>
@@ -22787,7 +22898,36 @@
                 <a:latin typeface="Cavolini" panose="020B0502040204020203" pitchFamily="66" charset="0"/>
                 <a:cs typeface="Cavolini" panose="020B0502040204020203" pitchFamily="66" charset="0"/>
               </a:rPr>
-              <a:t> Slice Type":"</a:t>
+              <a:t> Bandwidth":"420",</a:t>
+            </a:r>
+          </a:p>
+          <a:p>
+            <a:r>
+              <a:rPr lang="fr-FR" sz="800" b="1" dirty="0">
+                <a:solidFill>
+                  <a:schemeClr val="bg1">
+                    <a:lumMod val="50000"/>
+                  </a:schemeClr>
+                </a:solidFill>
+                <a:latin typeface="Cavolini" panose="020B0502040204020203" pitchFamily="66" charset="0"/>
+                <a:cs typeface="Cavolini" panose="020B0502040204020203" pitchFamily="66" charset="0"/>
+              </a:rPr>
+              <a:t>		</a:t>
+            </a:r>
+            <a:r>
+              <a:rPr lang="fr-FR" sz="800" b="1" dirty="0">
+                <a:solidFill>
+                  <a:schemeClr val="bg1">
+                    <a:lumMod val="50000"/>
+                  </a:schemeClr>
+                </a:solidFill>
+                <a:highlight>
+                  <a:srgbClr val="00FFFF"/>
+                </a:highlight>
+                <a:latin typeface="Cavolini" panose="020B0502040204020203" pitchFamily="66" charset="0"/>
+                <a:cs typeface="Cavolini" panose="020B0502040204020203" pitchFamily="66" charset="0"/>
+              </a:rPr>
+              <a:t>"</a:t>
             </a:r>
             <a:r>
               <a:rPr lang="fr-FR" sz="800" b="1" dirty="0" err="1">
@@ -22796,10 +22936,13 @@
                     <a:lumMod val="50000"/>
                   </a:schemeClr>
                 </a:solidFill>
-                <a:latin typeface="Cavolini" panose="020B0502040204020203" pitchFamily="66" charset="0"/>
-                <a:cs typeface="Cavolini" panose="020B0502040204020203" pitchFamily="66" charset="0"/>
-              </a:rPr>
-              <a:t>MIoT</a:t>
+                <a:highlight>
+                  <a:srgbClr val="00FFFF"/>
+                </a:highlight>
+                <a:latin typeface="Cavolini" panose="020B0502040204020203" pitchFamily="66" charset="0"/>
+                <a:cs typeface="Cavolini" panose="020B0502040204020203" pitchFamily="66" charset="0"/>
+              </a:rPr>
+              <a:t>Required</a:t>
             </a:r>
             <a:r>
               <a:rPr lang="fr-FR" sz="800" b="1" dirty="0">
@@ -22808,13 +22951,29 @@
                     <a:lumMod val="50000"/>
                   </a:schemeClr>
                 </a:solidFill>
-                <a:latin typeface="Cavolini" panose="020B0502040204020203" pitchFamily="66" charset="0"/>
-                <a:cs typeface="Cavolini" panose="020B0502040204020203" pitchFamily="66" charset="0"/>
-              </a:rPr>
-              <a:t>",</a:t>
-            </a:r>
-          </a:p>
-          <a:p>
+                <a:highlight>
+                  <a:srgbClr val="00FFFF"/>
+                </a:highlight>
+                <a:latin typeface="Cavolini" panose="020B0502040204020203" pitchFamily="66" charset="0"/>
+                <a:cs typeface="Cavolini" panose="020B0502040204020203" pitchFamily="66" charset="0"/>
+              </a:rPr>
+              <a:t> </a:t>
+            </a:r>
+            <a:r>
+              <a:rPr lang="fr-FR" sz="800" b="1" dirty="0" err="1">
+                <a:solidFill>
+                  <a:schemeClr val="bg1">
+                    <a:lumMod val="50000"/>
+                  </a:schemeClr>
+                </a:solidFill>
+                <a:highlight>
+                  <a:srgbClr val="00FFFF"/>
+                </a:highlight>
+                <a:latin typeface="Cavolini" panose="020B0502040204020203" pitchFamily="66" charset="0"/>
+                <a:cs typeface="Cavolini" panose="020B0502040204020203" pitchFamily="66" charset="0"/>
+              </a:rPr>
+              <a:t>Reliability</a:t>
+            </a:r>
             <a:r>
               <a:rPr lang="fr-FR" sz="800" b="1" dirty="0">
                 <a:solidFill>
@@ -22822,6 +22981,23 @@
                     <a:lumMod val="50000"/>
                   </a:schemeClr>
                 </a:solidFill>
+                <a:highlight>
+                  <a:srgbClr val="00FFFF"/>
+                </a:highlight>
+                <a:latin typeface="Cavolini" panose="020B0502040204020203" pitchFamily="66" charset="0"/>
+                <a:cs typeface="Cavolini" panose="020B0502040204020203" pitchFamily="66" charset="0"/>
+              </a:rPr>
+              <a:t> Level":"99",</a:t>
+            </a:r>
+          </a:p>
+          <a:p>
+            <a:r>
+              <a:rPr lang="fr-FR" sz="800" b="1" dirty="0">
+                <a:solidFill>
+                  <a:schemeClr val="bg1">
+                    <a:lumMod val="50000"/>
+                  </a:schemeClr>
+                </a:solidFill>
                 <a:latin typeface="Cavolini" panose="020B0502040204020203" pitchFamily="66" charset="0"/>
                 <a:cs typeface="Cavolini" panose="020B0502040204020203" pitchFamily="66" charset="0"/>
               </a:rPr>
@@ -22849,10 +23025,20 @@
                 <a:latin typeface="Cavolini" panose="020B0502040204020203" pitchFamily="66" charset="0"/>
                 <a:cs typeface="Cavolini" panose="020B0502040204020203" pitchFamily="66" charset="0"/>
               </a:rPr>
-              <a:t> Bandwidth":"420",</a:t>
-            </a:r>
-          </a:p>
-          <a:p>
+              <a:t> Performance </a:t>
+            </a:r>
+            <a:r>
+              <a:rPr lang="fr-FR" sz="800" b="1" dirty="0" err="1">
+                <a:solidFill>
+                  <a:schemeClr val="bg1">
+                    <a:lumMod val="50000"/>
+                  </a:schemeClr>
+                </a:solidFill>
+                <a:latin typeface="Cavolini" panose="020B0502040204020203" pitchFamily="66" charset="0"/>
+                <a:cs typeface="Cavolini" panose="020B0502040204020203" pitchFamily="66" charset="0"/>
+              </a:rPr>
+              <a:t>Level</a:t>
+            </a:r>
             <a:r>
               <a:rPr lang="fr-FR" sz="800" b="1" dirty="0">
                 <a:solidFill>
@@ -22863,7 +23049,50 @@
                 <a:latin typeface="Cavolini" panose="020B0502040204020203" pitchFamily="66" charset="0"/>
                 <a:cs typeface="Cavolini" panose="020B0502040204020203" pitchFamily="66" charset="0"/>
               </a:rPr>
-              <a:t>		"</a:t>
+              <a:t>":"Peak",</a:t>
+            </a:r>
+          </a:p>
+          <a:p>
+            <a:r>
+              <a:rPr lang="fr-FR" sz="800" b="1" dirty="0">
+                <a:solidFill>
+                  <a:schemeClr val="bg1">
+                    <a:lumMod val="50000"/>
+                  </a:schemeClr>
+                </a:solidFill>
+                <a:latin typeface="Cavolini" panose="020B0502040204020203" pitchFamily="66" charset="0"/>
+                <a:cs typeface="Cavolini" panose="020B0502040204020203" pitchFamily="66" charset="0"/>
+              </a:rPr>
+              <a:t>		"_PROCESSED_THROUGH_":["SUBSCRIBER-1 - RAN SLICING - DENAMD FORECAST - IDS Data App"],</a:t>
+            </a:r>
+          </a:p>
+          <a:p>
+            <a:r>
+              <a:rPr lang="fr-FR" sz="800" b="1" dirty="0">
+                <a:solidFill>
+                  <a:schemeClr val="bg1">
+                    <a:lumMod val="50000"/>
+                  </a:schemeClr>
+                </a:solidFill>
+                <a:latin typeface="Cavolini" panose="020B0502040204020203" pitchFamily="66" charset="0"/>
+                <a:cs typeface="Cavolini" panose="020B0502040204020203" pitchFamily="66" charset="0"/>
+              </a:rPr>
+              <a:t>		</a:t>
+            </a:r>
+            <a:r>
+              <a:rPr lang="fr-FR" sz="800" b="1" dirty="0">
+                <a:solidFill>
+                  <a:schemeClr val="bg1">
+                    <a:lumMod val="50000"/>
+                  </a:schemeClr>
+                </a:solidFill>
+                <a:highlight>
+                  <a:srgbClr val="00FFFF"/>
+                </a:highlight>
+                <a:latin typeface="Cavolini" panose="020B0502040204020203" pitchFamily="66" charset="0"/>
+                <a:cs typeface="Cavolini" panose="020B0502040204020203" pitchFamily="66" charset="0"/>
+              </a:rPr>
+              <a:t>"</a:t>
             </a:r>
             <a:r>
               <a:rPr lang="fr-FR" sz="800" b="1" dirty="0" err="1">
@@ -22872,6 +23101,9 @@
                     <a:lumMod val="50000"/>
                   </a:schemeClr>
                 </a:solidFill>
+                <a:highlight>
+                  <a:srgbClr val="00FFFF"/>
+                </a:highlight>
                 <a:latin typeface="Cavolini" panose="020B0502040204020203" pitchFamily="66" charset="0"/>
                 <a:cs typeface="Cavolini" panose="020B0502040204020203" pitchFamily="66" charset="0"/>
               </a:rPr>
@@ -22884,10 +23116,42 @@
                     <a:lumMod val="50000"/>
                   </a:schemeClr>
                 </a:solidFill>
-                <a:latin typeface="Cavolini" panose="020B0502040204020203" pitchFamily="66" charset="0"/>
-                <a:cs typeface="Cavolini" panose="020B0502040204020203" pitchFamily="66" charset="0"/>
-              </a:rPr>
-              <a:t> </a:t>
+                <a:highlight>
+                  <a:srgbClr val="00FFFF"/>
+                </a:highlight>
+                <a:latin typeface="Cavolini" panose="020B0502040204020203" pitchFamily="66" charset="0"/>
+                <a:cs typeface="Cavolini" panose="020B0502040204020203" pitchFamily="66" charset="0"/>
+              </a:rPr>
+              <a:t> Start Date":"13-Sep-2022",</a:t>
+            </a:r>
+          </a:p>
+          <a:p>
+            <a:r>
+              <a:rPr lang="fr-FR" sz="800" b="1" dirty="0">
+                <a:solidFill>
+                  <a:schemeClr val="bg1">
+                    <a:lumMod val="50000"/>
+                  </a:schemeClr>
+                </a:solidFill>
+                <a:latin typeface="Cavolini" panose="020B0502040204020203" pitchFamily="66" charset="0"/>
+                <a:cs typeface="Cavolini" panose="020B0502040204020203" pitchFamily="66" charset="0"/>
+              </a:rPr>
+              <a:t>		</a:t>
+            </a:r>
+            <a:r>
+              <a:rPr lang="fr-FR" sz="800" b="1" dirty="0">
+                <a:solidFill>
+                  <a:schemeClr val="bg1">
+                    <a:lumMod val="50000"/>
+                  </a:schemeClr>
+                </a:solidFill>
+                <a:highlight>
+                  <a:srgbClr val="00FFFF"/>
+                </a:highlight>
+                <a:latin typeface="Cavolini" panose="020B0502040204020203" pitchFamily="66" charset="0"/>
+                <a:cs typeface="Cavolini" panose="020B0502040204020203" pitchFamily="66" charset="0"/>
+              </a:rPr>
+              <a:t>"</a:t>
             </a:r>
             <a:r>
               <a:rPr lang="fr-FR" sz="800" b="1" dirty="0" err="1">
@@ -22896,10 +23160,13 @@
                     <a:lumMod val="50000"/>
                   </a:schemeClr>
                 </a:solidFill>
-                <a:latin typeface="Cavolini" panose="020B0502040204020203" pitchFamily="66" charset="0"/>
-                <a:cs typeface="Cavolini" panose="020B0502040204020203" pitchFamily="66" charset="0"/>
-              </a:rPr>
-              <a:t>Reliability</a:t>
+                <a:highlight>
+                  <a:srgbClr val="00FFFF"/>
+                </a:highlight>
+                <a:latin typeface="Cavolini" panose="020B0502040204020203" pitchFamily="66" charset="0"/>
+                <a:cs typeface="Cavolini" panose="020B0502040204020203" pitchFamily="66" charset="0"/>
+              </a:rPr>
+              <a:t>Required</a:t>
             </a:r>
             <a:r>
               <a:rPr lang="fr-FR" sz="800" b="1" dirty="0">
@@ -22908,10 +23175,13 @@
                     <a:lumMod val="50000"/>
                   </a:schemeClr>
                 </a:solidFill>
-                <a:latin typeface="Cavolini" panose="020B0502040204020203" pitchFamily="66" charset="0"/>
-                <a:cs typeface="Cavolini" panose="020B0502040204020203" pitchFamily="66" charset="0"/>
-              </a:rPr>
-              <a:t> Level":"99",</a:t>
+                <a:highlight>
+                  <a:srgbClr val="00FFFF"/>
+                </a:highlight>
+                <a:latin typeface="Cavolini" panose="020B0502040204020203" pitchFamily="66" charset="0"/>
+                <a:cs typeface="Cavolini" panose="020B0502040204020203" pitchFamily="66" charset="0"/>
+              </a:rPr>
+              <a:t> End Date":"04-May-2024",</a:t>
             </a:r>
           </a:p>
           <a:p>
@@ -22925,7 +23195,22 @@
                 <a:latin typeface="Cavolini" panose="020B0502040204020203" pitchFamily="66" charset="0"/>
                 <a:cs typeface="Cavolini" panose="020B0502040204020203" pitchFamily="66" charset="0"/>
               </a:rPr>
-              <a:t>		"</a:t>
+              <a:t>		</a:t>
+            </a:r>
+            <a:r>
+              <a:rPr lang="fr-FR" sz="800" b="1" dirty="0">
+                <a:solidFill>
+                  <a:schemeClr val="bg1">
+                    <a:lumMod val="50000"/>
+                  </a:schemeClr>
+                </a:solidFill>
+                <a:highlight>
+                  <a:srgbClr val="00FFFF"/>
+                </a:highlight>
+                <a:latin typeface="Cavolini" panose="020B0502040204020203" pitchFamily="66" charset="0"/>
+                <a:cs typeface="Cavolini" panose="020B0502040204020203" pitchFamily="66" charset="0"/>
+              </a:rPr>
+              <a:t>"</a:t>
             </a:r>
             <a:r>
               <a:rPr lang="fr-FR" sz="800" b="1" dirty="0" err="1">
@@ -22934,6 +23219,9 @@
                     <a:lumMod val="50000"/>
                   </a:schemeClr>
                 </a:solidFill>
+                <a:highlight>
+                  <a:srgbClr val="00FFFF"/>
+                </a:highlight>
                 <a:latin typeface="Cavolini" panose="020B0502040204020203" pitchFamily="66" charset="0"/>
                 <a:cs typeface="Cavolini" panose="020B0502040204020203" pitchFamily="66" charset="0"/>
               </a:rPr>
@@ -22946,10 +23234,42 @@
                     <a:lumMod val="50000"/>
                   </a:schemeClr>
                 </a:solidFill>
-                <a:latin typeface="Cavolini" panose="020B0502040204020203" pitchFamily="66" charset="0"/>
-                <a:cs typeface="Cavolini" panose="020B0502040204020203" pitchFamily="66" charset="0"/>
-              </a:rPr>
-              <a:t> Performance </a:t>
+                <a:highlight>
+                  <a:srgbClr val="00FFFF"/>
+                </a:highlight>
+                <a:latin typeface="Cavolini" panose="020B0502040204020203" pitchFamily="66" charset="0"/>
+                <a:cs typeface="Cavolini" panose="020B0502040204020203" pitchFamily="66" charset="0"/>
+              </a:rPr>
+              <a:t> Start Time":"10:27",</a:t>
+            </a:r>
+          </a:p>
+          <a:p>
+            <a:r>
+              <a:rPr lang="fr-FR" sz="800" b="1" dirty="0">
+                <a:solidFill>
+                  <a:schemeClr val="bg1">
+                    <a:lumMod val="50000"/>
+                  </a:schemeClr>
+                </a:solidFill>
+                <a:latin typeface="Cavolini" panose="020B0502040204020203" pitchFamily="66" charset="0"/>
+                <a:cs typeface="Cavolini" panose="020B0502040204020203" pitchFamily="66" charset="0"/>
+              </a:rPr>
+              <a:t>		</a:t>
+            </a:r>
+            <a:r>
+              <a:rPr lang="fr-FR" sz="800" b="1" dirty="0">
+                <a:solidFill>
+                  <a:schemeClr val="bg1">
+                    <a:lumMod val="50000"/>
+                  </a:schemeClr>
+                </a:solidFill>
+                <a:highlight>
+                  <a:srgbClr val="00FFFF"/>
+                </a:highlight>
+                <a:latin typeface="Cavolini" panose="020B0502040204020203" pitchFamily="66" charset="0"/>
+                <a:cs typeface="Cavolini" panose="020B0502040204020203" pitchFamily="66" charset="0"/>
+              </a:rPr>
+              <a:t>"</a:t>
             </a:r>
             <a:r>
               <a:rPr lang="fr-FR" sz="800" b="1" dirty="0" err="1">
@@ -22958,10 +23278,13 @@
                     <a:lumMod val="50000"/>
                   </a:schemeClr>
                 </a:solidFill>
-                <a:latin typeface="Cavolini" panose="020B0502040204020203" pitchFamily="66" charset="0"/>
-                <a:cs typeface="Cavolini" panose="020B0502040204020203" pitchFamily="66" charset="0"/>
-              </a:rPr>
-              <a:t>Level</a:t>
+                <a:highlight>
+                  <a:srgbClr val="00FFFF"/>
+                </a:highlight>
+                <a:latin typeface="Cavolini" panose="020B0502040204020203" pitchFamily="66" charset="0"/>
+                <a:cs typeface="Cavolini" panose="020B0502040204020203" pitchFamily="66" charset="0"/>
+              </a:rPr>
+              <a:t>Required</a:t>
             </a:r>
             <a:r>
               <a:rPr lang="fr-FR" sz="800" b="1" dirty="0">
@@ -22970,172 +23293,9 @@
                     <a:lumMod val="50000"/>
                   </a:schemeClr>
                 </a:solidFill>
-                <a:latin typeface="Cavolini" panose="020B0502040204020203" pitchFamily="66" charset="0"/>
-                <a:cs typeface="Cavolini" panose="020B0502040204020203" pitchFamily="66" charset="0"/>
-              </a:rPr>
-              <a:t>":"Peak",</a:t>
-            </a:r>
-          </a:p>
-          <a:p>
-            <a:r>
-              <a:rPr lang="fr-FR" sz="800" b="1" dirty="0">
-                <a:solidFill>
-                  <a:schemeClr val="bg1">
-                    <a:lumMod val="50000"/>
-                  </a:schemeClr>
-                </a:solidFill>
-                <a:latin typeface="Cavolini" panose="020B0502040204020203" pitchFamily="66" charset="0"/>
-                <a:cs typeface="Cavolini" panose="020B0502040204020203" pitchFamily="66" charset="0"/>
-              </a:rPr>
-              <a:t>		"_PROCESSED_THROUGH_":["SUBSCRIBER-1 - RAN SLICING - DENAMD FORECAST - IDS Data App"],</a:t>
-            </a:r>
-          </a:p>
-          <a:p>
-            <a:r>
-              <a:rPr lang="fr-FR" sz="800" b="1" dirty="0">
-                <a:solidFill>
-                  <a:schemeClr val="bg1">
-                    <a:lumMod val="50000"/>
-                  </a:schemeClr>
-                </a:solidFill>
-                <a:latin typeface="Cavolini" panose="020B0502040204020203" pitchFamily="66" charset="0"/>
-                <a:cs typeface="Cavolini" panose="020B0502040204020203" pitchFamily="66" charset="0"/>
-              </a:rPr>
-              <a:t>		"</a:t>
-            </a:r>
-            <a:r>
-              <a:rPr lang="fr-FR" sz="800" b="1" dirty="0" err="1">
-                <a:solidFill>
-                  <a:schemeClr val="bg1">
-                    <a:lumMod val="50000"/>
-                  </a:schemeClr>
-                </a:solidFill>
-                <a:latin typeface="Cavolini" panose="020B0502040204020203" pitchFamily="66" charset="0"/>
-                <a:cs typeface="Cavolini" panose="020B0502040204020203" pitchFamily="66" charset="0"/>
-              </a:rPr>
-              <a:t>Required</a:t>
-            </a:r>
-            <a:r>
-              <a:rPr lang="fr-FR" sz="800" b="1" dirty="0">
-                <a:solidFill>
-                  <a:schemeClr val="bg1">
-                    <a:lumMod val="50000"/>
-                  </a:schemeClr>
-                </a:solidFill>
-                <a:latin typeface="Cavolini" panose="020B0502040204020203" pitchFamily="66" charset="0"/>
-                <a:cs typeface="Cavolini" panose="020B0502040204020203" pitchFamily="66" charset="0"/>
-              </a:rPr>
-              <a:t> Start Date":"13-Sep-2022",</a:t>
-            </a:r>
-          </a:p>
-          <a:p>
-            <a:r>
-              <a:rPr lang="fr-FR" sz="800" b="1" dirty="0">
-                <a:solidFill>
-                  <a:schemeClr val="bg1">
-                    <a:lumMod val="50000"/>
-                  </a:schemeClr>
-                </a:solidFill>
-                <a:latin typeface="Cavolini" panose="020B0502040204020203" pitchFamily="66" charset="0"/>
-                <a:cs typeface="Cavolini" panose="020B0502040204020203" pitchFamily="66" charset="0"/>
-              </a:rPr>
-              <a:t>		"</a:t>
-            </a:r>
-            <a:r>
-              <a:rPr lang="fr-FR" sz="800" b="1" dirty="0" err="1">
-                <a:solidFill>
-                  <a:schemeClr val="bg1">
-                    <a:lumMod val="50000"/>
-                  </a:schemeClr>
-                </a:solidFill>
-                <a:latin typeface="Cavolini" panose="020B0502040204020203" pitchFamily="66" charset="0"/>
-                <a:cs typeface="Cavolini" panose="020B0502040204020203" pitchFamily="66" charset="0"/>
-              </a:rPr>
-              <a:t>Required</a:t>
-            </a:r>
-            <a:r>
-              <a:rPr lang="fr-FR" sz="800" b="1" dirty="0">
-                <a:solidFill>
-                  <a:schemeClr val="bg1">
-                    <a:lumMod val="50000"/>
-                  </a:schemeClr>
-                </a:solidFill>
-                <a:latin typeface="Cavolini" panose="020B0502040204020203" pitchFamily="66" charset="0"/>
-                <a:cs typeface="Cavolini" panose="020B0502040204020203" pitchFamily="66" charset="0"/>
-              </a:rPr>
-              <a:t> End Date":"04-May-2024",</a:t>
-            </a:r>
-          </a:p>
-          <a:p>
-            <a:r>
-              <a:rPr lang="fr-FR" sz="800" b="1" dirty="0">
-                <a:solidFill>
-                  <a:schemeClr val="bg1">
-                    <a:lumMod val="50000"/>
-                  </a:schemeClr>
-                </a:solidFill>
-                <a:latin typeface="Cavolini" panose="020B0502040204020203" pitchFamily="66" charset="0"/>
-                <a:cs typeface="Cavolini" panose="020B0502040204020203" pitchFamily="66" charset="0"/>
-              </a:rPr>
-              <a:t>		"</a:t>
-            </a:r>
-            <a:r>
-              <a:rPr lang="fr-FR" sz="800" b="1" dirty="0" err="1">
-                <a:solidFill>
-                  <a:schemeClr val="bg1">
-                    <a:lumMod val="50000"/>
-                  </a:schemeClr>
-                </a:solidFill>
-                <a:latin typeface="Cavolini" panose="020B0502040204020203" pitchFamily="66" charset="0"/>
-                <a:cs typeface="Cavolini" panose="020B0502040204020203" pitchFamily="66" charset="0"/>
-              </a:rPr>
-              <a:t>Required</a:t>
-            </a:r>
-            <a:r>
-              <a:rPr lang="fr-FR" sz="800" b="1" dirty="0">
-                <a:solidFill>
-                  <a:schemeClr val="bg1">
-                    <a:lumMod val="50000"/>
-                  </a:schemeClr>
-                </a:solidFill>
-                <a:latin typeface="Cavolini" panose="020B0502040204020203" pitchFamily="66" charset="0"/>
-                <a:cs typeface="Cavolini" panose="020B0502040204020203" pitchFamily="66" charset="0"/>
-              </a:rPr>
-              <a:t> Start Time":"10:27",</a:t>
-            </a:r>
-          </a:p>
-          <a:p>
-            <a:r>
-              <a:rPr lang="fr-FR" sz="800" b="1" dirty="0">
-                <a:solidFill>
-                  <a:schemeClr val="bg1">
-                    <a:lumMod val="50000"/>
-                  </a:schemeClr>
-                </a:solidFill>
-                <a:latin typeface="Cavolini" panose="020B0502040204020203" pitchFamily="66" charset="0"/>
-                <a:cs typeface="Cavolini" panose="020B0502040204020203" pitchFamily="66" charset="0"/>
-              </a:rPr>
-              <a:t>		"</a:t>
-            </a:r>
-            <a:r>
-              <a:rPr lang="fr-FR" sz="800" b="1" dirty="0" err="1">
-                <a:solidFill>
-                  <a:schemeClr val="bg1">
-                    <a:lumMod val="50000"/>
-                  </a:schemeClr>
-                </a:solidFill>
-                <a:latin typeface="Cavolini" panose="020B0502040204020203" pitchFamily="66" charset="0"/>
-                <a:cs typeface="Cavolini" panose="020B0502040204020203" pitchFamily="66" charset="0"/>
-              </a:rPr>
-              <a:t>Required</a:t>
-            </a:r>
-            <a:r>
-              <a:rPr lang="fr-FR" sz="800" b="1" dirty="0">
-                <a:solidFill>
-                  <a:schemeClr val="bg1">
-                    <a:lumMod val="50000"/>
-                  </a:schemeClr>
-                </a:solidFill>
+                <a:highlight>
+                  <a:srgbClr val="00FFFF"/>
+                </a:highlight>
                 <a:latin typeface="Cavolini" panose="020B0502040204020203" pitchFamily="66" charset="0"/>
                 <a:cs typeface="Cavolini" panose="020B0502040204020203" pitchFamily="66" charset="0"/>
               </a:rPr>
@@ -28163,117 +28323,7 @@
                 <a:latin typeface="Cavolini" panose="020B0502040204020203" pitchFamily="66" charset="0"/>
                 <a:cs typeface="Cavolini" panose="020B0502040204020203" pitchFamily="66" charset="0"/>
               </a:rPr>
-              <a:t>     "</a:t>
-            </a:r>
-            <a:r>
-              <a:rPr lang="fr-FR" sz="800" b="1" dirty="0" err="1">
-                <a:solidFill>
-                  <a:schemeClr val="bg1">
-                    <a:lumMod val="50000"/>
-                  </a:schemeClr>
-                </a:solidFill>
-                <a:latin typeface="Cavolini" panose="020B0502040204020203" pitchFamily="66" charset="0"/>
-                <a:cs typeface="Cavolini" panose="020B0502040204020203" pitchFamily="66" charset="0"/>
-              </a:rPr>
-              <a:t>tmf_content_model</a:t>
-            </a:r>
-            <a:r>
-              <a:rPr lang="fr-FR" sz="800" b="1" dirty="0">
-                <a:solidFill>
-                  <a:schemeClr val="bg1">
-                    <a:lumMod val="50000"/>
-                  </a:schemeClr>
-                </a:solidFill>
-                <a:latin typeface="Cavolini" panose="020B0502040204020203" pitchFamily="66" charset="0"/>
-                <a:cs typeface="Cavolini" panose="020B0502040204020203" pitchFamily="66" charset="0"/>
-              </a:rPr>
-              <a:t>" : "TMF </a:t>
-            </a:r>
-            <a:r>
-              <a:rPr lang="fr-FR" sz="800" b="1" dirty="0" err="1">
-                <a:solidFill>
-                  <a:schemeClr val="bg1">
-                    <a:lumMod val="50000"/>
-                  </a:schemeClr>
-                </a:solidFill>
-                <a:latin typeface="Cavolini" panose="020B0502040204020203" pitchFamily="66" charset="0"/>
-                <a:cs typeface="Cavolini" panose="020B0502040204020203" pitchFamily="66" charset="0"/>
-              </a:rPr>
-              <a:t>Generic</a:t>
-            </a:r>
-            <a:r>
-              <a:rPr lang="fr-FR" sz="800" b="1" dirty="0">
-                <a:solidFill>
-                  <a:schemeClr val="bg1">
-                    <a:lumMod val="50000"/>
-                  </a:schemeClr>
-                </a:solidFill>
-                <a:latin typeface="Cavolini" panose="020B0502040204020203" pitchFamily="66" charset="0"/>
-                <a:cs typeface="Cavolini" panose="020B0502040204020203" pitchFamily="66" charset="0"/>
-              </a:rPr>
-              <a:t> Model",</a:t>
-            </a:r>
-          </a:p>
-          <a:p>
-            <a:r>
-              <a:rPr lang="fr-FR" sz="800" b="1" dirty="0">
-                <a:solidFill>
-                  <a:schemeClr val="bg1">
-                    <a:lumMod val="50000"/>
-                  </a:schemeClr>
-                </a:solidFill>
-                <a:latin typeface="Cavolini" panose="020B0502040204020203" pitchFamily="66" charset="0"/>
-                <a:cs typeface="Cavolini" panose="020B0502040204020203" pitchFamily="66" charset="0"/>
-              </a:rPr>
-              <a:t>     "</a:t>
-            </a:r>
-            <a:r>
-              <a:rPr lang="fr-FR" sz="800" b="1" dirty="0" err="1">
-                <a:solidFill>
-                  <a:schemeClr val="bg1">
-                    <a:lumMod val="50000"/>
-                  </a:schemeClr>
-                </a:solidFill>
-                <a:latin typeface="Cavolini" panose="020B0502040204020203" pitchFamily="66" charset="0"/>
-                <a:cs typeface="Cavolini" panose="020B0502040204020203" pitchFamily="66" charset="0"/>
-              </a:rPr>
-              <a:t>tmf_content_provider</a:t>
-            </a:r>
-            <a:r>
-              <a:rPr lang="fr-FR" sz="800" b="1" dirty="0">
-                <a:solidFill>
-                  <a:schemeClr val="bg1">
-                    <a:lumMod val="50000"/>
-                  </a:schemeClr>
-                </a:solidFill>
-                <a:latin typeface="Cavolini" panose="020B0502040204020203" pitchFamily="66" charset="0"/>
-                <a:cs typeface="Cavolini" panose="020B0502040204020203" pitchFamily="66" charset="0"/>
-              </a:rPr>
-              <a:t>" : "A </a:t>
-            </a:r>
-            <a:r>
-              <a:rPr lang="fr-FR" sz="800" b="1" dirty="0" err="1">
-                <a:solidFill>
-                  <a:schemeClr val="bg1">
-                    <a:lumMod val="50000"/>
-                  </a:schemeClr>
-                </a:solidFill>
-                <a:latin typeface="Cavolini" panose="020B0502040204020203" pitchFamily="66" charset="0"/>
-                <a:cs typeface="Cavolini" panose="020B0502040204020203" pitchFamily="66" charset="0"/>
-              </a:rPr>
-              <a:t>Confidential</a:t>
-            </a:r>
-            <a:r>
-              <a:rPr lang="fr-FR" sz="800" b="1" dirty="0">
-                <a:solidFill>
-                  <a:schemeClr val="bg1">
-                    <a:lumMod val="50000"/>
-                  </a:schemeClr>
-                </a:solidFill>
-                <a:latin typeface="Cavolini" panose="020B0502040204020203" pitchFamily="66" charset="0"/>
-                <a:cs typeface="Cavolini" panose="020B0502040204020203" pitchFamily="66" charset="0"/>
-              </a:rPr>
-              <a:t> Provider",</a:t>
+              <a:t>     …</a:t>
             </a:r>
           </a:p>
           <a:p>
@@ -29581,83 +29631,7 @@
                 <a:latin typeface="Cavolini" panose="020B0502040204020203" pitchFamily="66" charset="0"/>
                 <a:cs typeface="Cavolini" panose="020B0502040204020203" pitchFamily="66" charset="0"/>
               </a:rPr>
-              <a:t>     "</a:t>
-            </a:r>
-            <a:r>
-              <a:rPr lang="fr-FR" sz="800" b="1" dirty="0" err="1">
-                <a:solidFill>
-                  <a:schemeClr val="bg1">
-                    <a:lumMod val="50000"/>
-                  </a:schemeClr>
-                </a:solidFill>
-                <a:latin typeface="Cavolini" panose="020B0502040204020203" pitchFamily="66" charset="0"/>
-                <a:cs typeface="Cavolini" panose="020B0502040204020203" pitchFamily="66" charset="0"/>
-              </a:rPr>
-              <a:t>tmf_content_uid</a:t>
-            </a:r>
-            <a:r>
-              <a:rPr lang="fr-FR" sz="800" b="1" dirty="0">
-                <a:solidFill>
-                  <a:schemeClr val="bg1">
-                    <a:lumMod val="50000"/>
-                  </a:schemeClr>
-                </a:solidFill>
-                <a:latin typeface="Cavolini" panose="020B0502040204020203" pitchFamily="66" charset="0"/>
-                <a:cs typeface="Cavolini" panose="020B0502040204020203" pitchFamily="66" charset="0"/>
-              </a:rPr>
-              <a:t>" : "9400f333-73c9-4cf2-a7d4-0b661aa1b29e",</a:t>
-            </a:r>
-          </a:p>
-          <a:p>
-            <a:r>
-              <a:rPr lang="fr-FR" sz="800" b="1" dirty="0">
-                <a:solidFill>
-                  <a:schemeClr val="bg1">
-                    <a:lumMod val="50000"/>
-                  </a:schemeClr>
-                </a:solidFill>
-                <a:latin typeface="Cavolini" panose="020B0502040204020203" pitchFamily="66" charset="0"/>
-                <a:cs typeface="Cavolini" panose="020B0502040204020203" pitchFamily="66" charset="0"/>
-              </a:rPr>
-              <a:t>     "</a:t>
-            </a:r>
-            <a:r>
-              <a:rPr lang="fr-FR" sz="800" b="1" dirty="0" err="1">
-                <a:solidFill>
-                  <a:schemeClr val="bg1">
-                    <a:lumMod val="50000"/>
-                  </a:schemeClr>
-                </a:solidFill>
-                <a:latin typeface="Cavolini" panose="020B0502040204020203" pitchFamily="66" charset="0"/>
-                <a:cs typeface="Cavolini" panose="020B0502040204020203" pitchFamily="66" charset="0"/>
-              </a:rPr>
-              <a:t>tmf_content_model_version</a:t>
-            </a:r>
-            <a:r>
-              <a:rPr lang="fr-FR" sz="800" b="1" dirty="0">
-                <a:solidFill>
-                  <a:schemeClr val="bg1">
-                    <a:lumMod val="50000"/>
-                  </a:schemeClr>
-                </a:solidFill>
-                <a:latin typeface="Cavolini" panose="020B0502040204020203" pitchFamily="66" charset="0"/>
-                <a:cs typeface="Cavolini" panose="020B0502040204020203" pitchFamily="66" charset="0"/>
-              </a:rPr>
-              <a:t>" : "0.1-ex",</a:t>
-            </a:r>
-          </a:p>
-          <a:p>
-            <a:r>
-              <a:rPr lang="fr-FR" sz="800" b="1" dirty="0">
-                <a:solidFill>
-                  <a:schemeClr val="bg1">
-                    <a:lumMod val="50000"/>
-                  </a:schemeClr>
-                </a:solidFill>
-                <a:latin typeface="Cavolini" panose="020B0502040204020203" pitchFamily="66" charset="0"/>
-                <a:cs typeface="Cavolini" panose="020B0502040204020203" pitchFamily="66" charset="0"/>
-              </a:rPr>
-              <a:t>      ….</a:t>
+              <a:t>       …</a:t>
             </a:r>
           </a:p>
         </p:txBody>
